--- a/Stimuli/PuzzleYard/PUzzleYArd_MinecraftDesigns.pptx
+++ b/Stimuli/PuzzleYard/PUzzleYArd_MinecraftDesigns.pptx
@@ -4,6 +4,9 @@
   <p:sldMasterIdLst>
     <p:sldMasterId id="2147483648" r:id="rId1"/>
   </p:sldMasterIdLst>
+  <p:notesMasterIdLst>
+    <p:notesMasterId r:id="rId11"/>
+  </p:notesMasterIdLst>
   <p:sldIdLst>
     <p:sldId id="264" r:id="rId2"/>
     <p:sldId id="265" r:id="rId3"/>
@@ -13,6 +16,7 @@
     <p:sldId id="268" r:id="rId7"/>
     <p:sldId id="269" r:id="rId8"/>
     <p:sldId id="270" r:id="rId9"/>
+    <p:sldId id="272" r:id="rId10"/>
   </p:sldIdLst>
   <p:sldSz cx="9144000" cy="6858000" type="screen4x3"/>
   <p:notesSz cx="6858000" cy="9144000"/>
@@ -130,6 +134,462 @@
 </p:presentation>
 </file>
 
+<file path=ppt/notesMasters/notesMaster1.xml><?xml version="1.0" encoding="utf-8"?>
+<p:notesMaster xmlns:a="http://schemas.openxmlformats.org/drawingml/2006/main" xmlns:r="http://schemas.openxmlformats.org/officeDocument/2006/relationships" xmlns:p="http://schemas.openxmlformats.org/presentationml/2006/main">
+  <p:cSld>
+    <p:bg>
+      <p:bgRef idx="1001">
+        <a:schemeClr val="bg1"/>
+      </p:bgRef>
+    </p:bg>
+    <p:spTree>
+      <p:nvGrpSpPr>
+        <p:cNvPr id="1" name=""/>
+        <p:cNvGrpSpPr/>
+        <p:nvPr/>
+      </p:nvGrpSpPr>
+      <p:grpSpPr>
+        <a:xfrm>
+          <a:off x="0" y="0"/>
+          <a:ext cx="0" cy="0"/>
+          <a:chOff x="0" y="0"/>
+          <a:chExt cx="0" cy="0"/>
+        </a:xfrm>
+      </p:grpSpPr>
+      <p:sp>
+        <p:nvSpPr>
+          <p:cNvPr id="2" name="Header Placeholder 1"/>
+          <p:cNvSpPr>
+            <a:spLocks noGrp="1"/>
+          </p:cNvSpPr>
+          <p:nvPr>
+            <p:ph type="hdr" sz="quarter"/>
+          </p:nvPr>
+        </p:nvSpPr>
+        <p:spPr>
+          <a:xfrm>
+            <a:off x="0" y="0"/>
+            <a:ext cx="2971800" cy="458788"/>
+          </a:xfrm>
+          <a:prstGeom prst="rect">
+            <a:avLst/>
+          </a:prstGeom>
+        </p:spPr>
+        <p:txBody>
+          <a:bodyPr vert="horz" lIns="91440" tIns="45720" rIns="91440" bIns="45720" rtlCol="0"/>
+          <a:lstStyle>
+            <a:lvl1pPr algn="l">
+              <a:defRPr sz="1200"/>
+            </a:lvl1pPr>
+          </a:lstStyle>
+          <a:p>
+            <a:endParaRPr lang="en-US"/>
+          </a:p>
+        </p:txBody>
+      </p:sp>
+      <p:sp>
+        <p:nvSpPr>
+          <p:cNvPr id="3" name="Date Placeholder 2"/>
+          <p:cNvSpPr>
+            <a:spLocks noGrp="1"/>
+          </p:cNvSpPr>
+          <p:nvPr>
+            <p:ph type="dt" idx="1"/>
+          </p:nvPr>
+        </p:nvSpPr>
+        <p:spPr>
+          <a:xfrm>
+            <a:off x="3884613" y="0"/>
+            <a:ext cx="2971800" cy="458788"/>
+          </a:xfrm>
+          <a:prstGeom prst="rect">
+            <a:avLst/>
+          </a:prstGeom>
+        </p:spPr>
+        <p:txBody>
+          <a:bodyPr vert="horz" lIns="91440" tIns="45720" rIns="91440" bIns="45720" rtlCol="0"/>
+          <a:lstStyle>
+            <a:lvl1pPr algn="r">
+              <a:defRPr sz="1200"/>
+            </a:lvl1pPr>
+          </a:lstStyle>
+          <a:p>
+            <a:fld id="{32B92994-C000-2143-9E60-3C14BE54F443}" type="datetimeFigureOut">
+              <a:rPr lang="en-US" smtClean="0"/>
+              <a:t>7/10/17</a:t>
+            </a:fld>
+            <a:endParaRPr lang="en-US"/>
+          </a:p>
+        </p:txBody>
+      </p:sp>
+      <p:sp>
+        <p:nvSpPr>
+          <p:cNvPr id="4" name="Slide Image Placeholder 3"/>
+          <p:cNvSpPr>
+            <a:spLocks noGrp="1" noRot="1" noChangeAspect="1"/>
+          </p:cNvSpPr>
+          <p:nvPr>
+            <p:ph type="sldImg" idx="2"/>
+          </p:nvPr>
+        </p:nvSpPr>
+        <p:spPr>
+          <a:xfrm>
+            <a:off x="1371600" y="1143000"/>
+            <a:ext cx="4114800" cy="3086100"/>
+          </a:xfrm>
+          <a:prstGeom prst="rect">
+            <a:avLst/>
+          </a:prstGeom>
+          <a:noFill/>
+          <a:ln w="12700">
+            <a:solidFill>
+              <a:prstClr val="black"/>
+            </a:solidFill>
+          </a:ln>
+        </p:spPr>
+        <p:txBody>
+          <a:bodyPr vert="horz" lIns="91440" tIns="45720" rIns="91440" bIns="45720" rtlCol="0" anchor="ctr"/>
+          <a:lstStyle/>
+          <a:p>
+            <a:endParaRPr lang="en-US"/>
+          </a:p>
+        </p:txBody>
+      </p:sp>
+      <p:sp>
+        <p:nvSpPr>
+          <p:cNvPr id="5" name="Notes Placeholder 4"/>
+          <p:cNvSpPr>
+            <a:spLocks noGrp="1"/>
+          </p:cNvSpPr>
+          <p:nvPr>
+            <p:ph type="body" sz="quarter" idx="3"/>
+          </p:nvPr>
+        </p:nvSpPr>
+        <p:spPr>
+          <a:xfrm>
+            <a:off x="685800" y="4400550"/>
+            <a:ext cx="5486400" cy="3600450"/>
+          </a:xfrm>
+          <a:prstGeom prst="rect">
+            <a:avLst/>
+          </a:prstGeom>
+        </p:spPr>
+        <p:txBody>
+          <a:bodyPr vert="horz" lIns="91440" tIns="45720" rIns="91440" bIns="45720" rtlCol="0"/>
+          <a:lstStyle/>
+          <a:p>
+            <a:pPr lvl="0"/>
+            <a:r>
+              <a:rPr lang="en-GB" smtClean="0"/>
+              <a:t>Click to edit Master text styles</a:t>
+            </a:r>
+          </a:p>
+          <a:p>
+            <a:pPr lvl="1"/>
+            <a:r>
+              <a:rPr lang="en-GB" smtClean="0"/>
+              <a:t>Second level</a:t>
+            </a:r>
+          </a:p>
+          <a:p>
+            <a:pPr lvl="2"/>
+            <a:r>
+              <a:rPr lang="en-GB" smtClean="0"/>
+              <a:t>Third level</a:t>
+            </a:r>
+          </a:p>
+          <a:p>
+            <a:pPr lvl="3"/>
+            <a:r>
+              <a:rPr lang="en-GB" smtClean="0"/>
+              <a:t>Fourth level</a:t>
+            </a:r>
+          </a:p>
+          <a:p>
+            <a:pPr lvl="4"/>
+            <a:r>
+              <a:rPr lang="en-GB" smtClean="0"/>
+              <a:t>Fifth level</a:t>
+            </a:r>
+            <a:endParaRPr lang="en-US"/>
+          </a:p>
+        </p:txBody>
+      </p:sp>
+      <p:sp>
+        <p:nvSpPr>
+          <p:cNvPr id="6" name="Footer Placeholder 5"/>
+          <p:cNvSpPr>
+            <a:spLocks noGrp="1"/>
+          </p:cNvSpPr>
+          <p:nvPr>
+            <p:ph type="ftr" sz="quarter" idx="4"/>
+          </p:nvPr>
+        </p:nvSpPr>
+        <p:spPr>
+          <a:xfrm>
+            <a:off x="0" y="8685213"/>
+            <a:ext cx="2971800" cy="458787"/>
+          </a:xfrm>
+          <a:prstGeom prst="rect">
+            <a:avLst/>
+          </a:prstGeom>
+        </p:spPr>
+        <p:txBody>
+          <a:bodyPr vert="horz" lIns="91440" tIns="45720" rIns="91440" bIns="45720" rtlCol="0" anchor="b"/>
+          <a:lstStyle>
+            <a:lvl1pPr algn="l">
+              <a:defRPr sz="1200"/>
+            </a:lvl1pPr>
+          </a:lstStyle>
+          <a:p>
+            <a:endParaRPr lang="en-US"/>
+          </a:p>
+        </p:txBody>
+      </p:sp>
+      <p:sp>
+        <p:nvSpPr>
+          <p:cNvPr id="7" name="Slide Number Placeholder 6"/>
+          <p:cNvSpPr>
+            <a:spLocks noGrp="1"/>
+          </p:cNvSpPr>
+          <p:nvPr>
+            <p:ph type="sldNum" sz="quarter" idx="5"/>
+          </p:nvPr>
+        </p:nvSpPr>
+        <p:spPr>
+          <a:xfrm>
+            <a:off x="3884613" y="8685213"/>
+            <a:ext cx="2971800" cy="458787"/>
+          </a:xfrm>
+          <a:prstGeom prst="rect">
+            <a:avLst/>
+          </a:prstGeom>
+        </p:spPr>
+        <p:txBody>
+          <a:bodyPr vert="horz" lIns="91440" tIns="45720" rIns="91440" bIns="45720" rtlCol="0" anchor="b"/>
+          <a:lstStyle>
+            <a:lvl1pPr algn="r">
+              <a:defRPr sz="1200"/>
+            </a:lvl1pPr>
+          </a:lstStyle>
+          <a:p>
+            <a:fld id="{110811F2-A630-A84D-A6BE-72E2ACEBBB9D}" type="slidenum">
+              <a:rPr lang="en-US" smtClean="0"/>
+              <a:t>‹#›</a:t>
+            </a:fld>
+            <a:endParaRPr lang="en-US"/>
+          </a:p>
+        </p:txBody>
+      </p:sp>
+    </p:spTree>
+    <p:extLst>
+      <p:ext uri="{BB962C8B-B14F-4D97-AF65-F5344CB8AC3E}">
+        <p14:creationId xmlns:p14="http://schemas.microsoft.com/office/powerpoint/2010/main" val="1927665064"/>
+      </p:ext>
+    </p:extLst>
+  </p:cSld>
+  <p:clrMap bg1="lt1" tx1="dk1" bg2="lt2" tx2="dk2" accent1="accent1" accent2="accent2" accent3="accent3" accent4="accent4" accent5="accent5" accent6="accent6" hlink="hlink" folHlink="folHlink"/>
+  <p:notesStyle>
+    <a:lvl1pPr marL="0" algn="l" defTabSz="914400" rtl="0" eaLnBrk="1" latinLnBrk="0" hangingPunct="1">
+      <a:defRPr sz="1200" kern="1200">
+        <a:solidFill>
+          <a:schemeClr val="tx1"/>
+        </a:solidFill>
+        <a:latin typeface="+mn-lt"/>
+        <a:ea typeface="+mn-ea"/>
+        <a:cs typeface="+mn-cs"/>
+      </a:defRPr>
+    </a:lvl1pPr>
+    <a:lvl2pPr marL="457200" algn="l" defTabSz="914400" rtl="0" eaLnBrk="1" latinLnBrk="0" hangingPunct="1">
+      <a:defRPr sz="1200" kern="1200">
+        <a:solidFill>
+          <a:schemeClr val="tx1"/>
+        </a:solidFill>
+        <a:latin typeface="+mn-lt"/>
+        <a:ea typeface="+mn-ea"/>
+        <a:cs typeface="+mn-cs"/>
+      </a:defRPr>
+    </a:lvl2pPr>
+    <a:lvl3pPr marL="914400" algn="l" defTabSz="914400" rtl="0" eaLnBrk="1" latinLnBrk="0" hangingPunct="1">
+      <a:defRPr sz="1200" kern="1200">
+        <a:solidFill>
+          <a:schemeClr val="tx1"/>
+        </a:solidFill>
+        <a:latin typeface="+mn-lt"/>
+        <a:ea typeface="+mn-ea"/>
+        <a:cs typeface="+mn-cs"/>
+      </a:defRPr>
+    </a:lvl3pPr>
+    <a:lvl4pPr marL="1371600" algn="l" defTabSz="914400" rtl="0" eaLnBrk="1" latinLnBrk="0" hangingPunct="1">
+      <a:defRPr sz="1200" kern="1200">
+        <a:solidFill>
+          <a:schemeClr val="tx1"/>
+        </a:solidFill>
+        <a:latin typeface="+mn-lt"/>
+        <a:ea typeface="+mn-ea"/>
+        <a:cs typeface="+mn-cs"/>
+      </a:defRPr>
+    </a:lvl4pPr>
+    <a:lvl5pPr marL="1828800" algn="l" defTabSz="914400" rtl="0" eaLnBrk="1" latinLnBrk="0" hangingPunct="1">
+      <a:defRPr sz="1200" kern="1200">
+        <a:solidFill>
+          <a:schemeClr val="tx1"/>
+        </a:solidFill>
+        <a:latin typeface="+mn-lt"/>
+        <a:ea typeface="+mn-ea"/>
+        <a:cs typeface="+mn-cs"/>
+      </a:defRPr>
+    </a:lvl5pPr>
+    <a:lvl6pPr marL="2286000" algn="l" defTabSz="914400" rtl="0" eaLnBrk="1" latinLnBrk="0" hangingPunct="1">
+      <a:defRPr sz="1200" kern="1200">
+        <a:solidFill>
+          <a:schemeClr val="tx1"/>
+        </a:solidFill>
+        <a:latin typeface="+mn-lt"/>
+        <a:ea typeface="+mn-ea"/>
+        <a:cs typeface="+mn-cs"/>
+      </a:defRPr>
+    </a:lvl6pPr>
+    <a:lvl7pPr marL="2743200" algn="l" defTabSz="914400" rtl="0" eaLnBrk="1" latinLnBrk="0" hangingPunct="1">
+      <a:defRPr sz="1200" kern="1200">
+        <a:solidFill>
+          <a:schemeClr val="tx1"/>
+        </a:solidFill>
+        <a:latin typeface="+mn-lt"/>
+        <a:ea typeface="+mn-ea"/>
+        <a:cs typeface="+mn-cs"/>
+      </a:defRPr>
+    </a:lvl7pPr>
+    <a:lvl8pPr marL="3200400" algn="l" defTabSz="914400" rtl="0" eaLnBrk="1" latinLnBrk="0" hangingPunct="1">
+      <a:defRPr sz="1200" kern="1200">
+        <a:solidFill>
+          <a:schemeClr val="tx1"/>
+        </a:solidFill>
+        <a:latin typeface="+mn-lt"/>
+        <a:ea typeface="+mn-ea"/>
+        <a:cs typeface="+mn-cs"/>
+      </a:defRPr>
+    </a:lvl8pPr>
+    <a:lvl9pPr marL="3657600" algn="l" defTabSz="914400" rtl="0" eaLnBrk="1" latinLnBrk="0" hangingPunct="1">
+      <a:defRPr sz="1200" kern="1200">
+        <a:solidFill>
+          <a:schemeClr val="tx1"/>
+        </a:solidFill>
+        <a:latin typeface="+mn-lt"/>
+        <a:ea typeface="+mn-ea"/>
+        <a:cs typeface="+mn-cs"/>
+      </a:defRPr>
+    </a:lvl9pPr>
+  </p:notesStyle>
+</p:notesMaster>
+</file>
+
+<file path=ppt/notesSlides/notesSlide1.xml><?xml version="1.0" encoding="utf-8"?>
+<p:notes xmlns:a="http://schemas.openxmlformats.org/drawingml/2006/main" xmlns:r="http://schemas.openxmlformats.org/officeDocument/2006/relationships" xmlns:p="http://schemas.openxmlformats.org/presentationml/2006/main">
+  <p:cSld>
+    <p:spTree>
+      <p:nvGrpSpPr>
+        <p:cNvPr id="1" name=""/>
+        <p:cNvGrpSpPr/>
+        <p:nvPr/>
+      </p:nvGrpSpPr>
+      <p:grpSpPr>
+        <a:xfrm>
+          <a:off x="0" y="0"/>
+          <a:ext cx="0" cy="0"/>
+          <a:chOff x="0" y="0"/>
+          <a:chExt cx="0" cy="0"/>
+        </a:xfrm>
+      </p:grpSpPr>
+      <p:sp>
+        <p:nvSpPr>
+          <p:cNvPr id="2" name="Slide Image Placeholder 1"/>
+          <p:cNvSpPr>
+            <a:spLocks noGrp="1" noRot="1" noChangeAspect="1"/>
+          </p:cNvSpPr>
+          <p:nvPr>
+            <p:ph type="sldImg"/>
+          </p:nvPr>
+        </p:nvSpPr>
+        <p:spPr/>
+      </p:sp>
+      <p:sp>
+        <p:nvSpPr>
+          <p:cNvPr id="3" name="Notes Placeholder 2"/>
+          <p:cNvSpPr>
+            <a:spLocks noGrp="1"/>
+          </p:cNvSpPr>
+          <p:nvPr>
+            <p:ph type="body" idx="1"/>
+          </p:nvPr>
+        </p:nvSpPr>
+        <p:spPr/>
+        <p:txBody>
+          <a:bodyPr/>
+          <a:lstStyle/>
+          <a:p>
+            <a:r>
+              <a:rPr lang="en-US" dirty="0" smtClean="0"/>
+              <a:t>gray	blue</a:t>
+            </a:r>
+          </a:p>
+          <a:p>
+            <a:r>
+              <a:rPr lang="en-US" dirty="0" smtClean="0"/>
+              <a:t>white	green</a:t>
+            </a:r>
+          </a:p>
+          <a:p>
+            <a:r>
+              <a:rPr lang="en-US" dirty="0" smtClean="0"/>
+              <a:t>red	red</a:t>
+            </a:r>
+          </a:p>
+          <a:p>
+            <a:r>
+              <a:rPr lang="en-US" dirty="0" smtClean="0"/>
+              <a:t>brown	orange</a:t>
+            </a:r>
+            <a:endParaRPr lang="en-US" dirty="0"/>
+          </a:p>
+        </p:txBody>
+      </p:sp>
+      <p:sp>
+        <p:nvSpPr>
+          <p:cNvPr id="4" name="Slide Number Placeholder 3"/>
+          <p:cNvSpPr>
+            <a:spLocks noGrp="1"/>
+          </p:cNvSpPr>
+          <p:nvPr>
+            <p:ph type="sldNum" sz="quarter" idx="10"/>
+          </p:nvPr>
+        </p:nvSpPr>
+        <p:spPr/>
+        <p:txBody>
+          <a:bodyPr/>
+          <a:lstStyle/>
+          <a:p>
+            <a:fld id="{110811F2-A630-A84D-A6BE-72E2ACEBBB9D}" type="slidenum">
+              <a:rPr lang="en-US" smtClean="0"/>
+              <a:t>1</a:t>
+            </a:fld>
+            <a:endParaRPr lang="en-US"/>
+          </a:p>
+        </p:txBody>
+      </p:sp>
+    </p:spTree>
+    <p:extLst>
+      <p:ext uri="{BB962C8B-B14F-4D97-AF65-F5344CB8AC3E}">
+        <p14:creationId xmlns:p14="http://schemas.microsoft.com/office/powerpoint/2010/main" val="1328432006"/>
+      </p:ext>
+    </p:extLst>
+  </p:cSld>
+  <p:clrMapOvr>
+    <a:masterClrMapping/>
+  </p:clrMapOvr>
+</p:notes>
+</file>
+
 <file path=ppt/slideLayouts/slideLayout1.xml><?xml version="1.0" encoding="utf-8"?>
 <p:sldLayout xmlns:a="http://schemas.openxmlformats.org/drawingml/2006/main" xmlns:r="http://schemas.openxmlformats.org/officeDocument/2006/relationships" xmlns:p="http://schemas.openxmlformats.org/presentationml/2006/main" type="title" preserve="1">
   <p:cSld name="Title Slide">
@@ -311,7 +771,7 @@
           <a:p>
             <a:fld id="{6AC08F1C-5030-9142-A34E-E80C5F5E91C3}" type="datetimeFigureOut">
               <a:rPr lang="en-US" smtClean="0"/>
-              <a:t>6/29/17</a:t>
+              <a:t>7/10/17</a:t>
             </a:fld>
             <a:endParaRPr lang="en-GB"/>
           </a:p>
@@ -481,7 +941,7 @@
           <a:p>
             <a:fld id="{6AC08F1C-5030-9142-A34E-E80C5F5E91C3}" type="datetimeFigureOut">
               <a:rPr lang="en-US" smtClean="0"/>
-              <a:t>6/29/17</a:t>
+              <a:t>7/10/17</a:t>
             </a:fld>
             <a:endParaRPr lang="en-GB"/>
           </a:p>
@@ -661,7 +1121,7 @@
           <a:p>
             <a:fld id="{6AC08F1C-5030-9142-A34E-E80C5F5E91C3}" type="datetimeFigureOut">
               <a:rPr lang="en-US" smtClean="0"/>
-              <a:t>6/29/17</a:t>
+              <a:t>7/10/17</a:t>
             </a:fld>
             <a:endParaRPr lang="en-GB"/>
           </a:p>
@@ -831,7 +1291,7 @@
           <a:p>
             <a:fld id="{6AC08F1C-5030-9142-A34E-E80C5F5E91C3}" type="datetimeFigureOut">
               <a:rPr lang="en-US" smtClean="0"/>
-              <a:t>6/29/17</a:t>
+              <a:t>7/10/17</a:t>
             </a:fld>
             <a:endParaRPr lang="en-GB"/>
           </a:p>
@@ -1077,7 +1537,7 @@
           <a:p>
             <a:fld id="{6AC08F1C-5030-9142-A34E-E80C5F5E91C3}" type="datetimeFigureOut">
               <a:rPr lang="en-US" smtClean="0"/>
-              <a:t>6/29/17</a:t>
+              <a:t>7/10/17</a:t>
             </a:fld>
             <a:endParaRPr lang="en-GB"/>
           </a:p>
@@ -1365,7 +1825,7 @@
           <a:p>
             <a:fld id="{6AC08F1C-5030-9142-A34E-E80C5F5E91C3}" type="datetimeFigureOut">
               <a:rPr lang="en-US" smtClean="0"/>
-              <a:t>6/29/17</a:t>
+              <a:t>7/10/17</a:t>
             </a:fld>
             <a:endParaRPr lang="en-GB"/>
           </a:p>
@@ -1787,7 +2247,7 @@
           <a:p>
             <a:fld id="{6AC08F1C-5030-9142-A34E-E80C5F5E91C3}" type="datetimeFigureOut">
               <a:rPr lang="en-US" smtClean="0"/>
-              <a:t>6/29/17</a:t>
+              <a:t>7/10/17</a:t>
             </a:fld>
             <a:endParaRPr lang="en-GB"/>
           </a:p>
@@ -1905,7 +2365,7 @@
           <a:p>
             <a:fld id="{6AC08F1C-5030-9142-A34E-E80C5F5E91C3}" type="datetimeFigureOut">
               <a:rPr lang="en-US" smtClean="0"/>
-              <a:t>6/29/17</a:t>
+              <a:t>7/10/17</a:t>
             </a:fld>
             <a:endParaRPr lang="en-GB"/>
           </a:p>
@@ -2000,7 +2460,7 @@
           <a:p>
             <a:fld id="{6AC08F1C-5030-9142-A34E-E80C5F5E91C3}" type="datetimeFigureOut">
               <a:rPr lang="en-US" smtClean="0"/>
-              <a:t>6/29/17</a:t>
+              <a:t>7/10/17</a:t>
             </a:fld>
             <a:endParaRPr lang="en-GB"/>
           </a:p>
@@ -2277,7 +2737,7 @@
           <a:p>
             <a:fld id="{6AC08F1C-5030-9142-A34E-E80C5F5E91C3}" type="datetimeFigureOut">
               <a:rPr lang="en-US" smtClean="0"/>
-              <a:t>6/29/17</a:t>
+              <a:t>7/10/17</a:t>
             </a:fld>
             <a:endParaRPr lang="en-GB"/>
           </a:p>
@@ -2530,7 +2990,7 @@
           <a:p>
             <a:fld id="{6AC08F1C-5030-9142-A34E-E80C5F5E91C3}" type="datetimeFigureOut">
               <a:rPr lang="en-US" smtClean="0"/>
-              <a:t>6/29/17</a:t>
+              <a:t>7/10/17</a:t>
             </a:fld>
             <a:endParaRPr lang="en-GB"/>
           </a:p>
@@ -2743,7 +3203,7 @@
           <a:p>
             <a:fld id="{6AC08F1C-5030-9142-A34E-E80C5F5E91C3}" type="datetimeFigureOut">
               <a:rPr lang="en-US" smtClean="0"/>
-              <a:t>6/29/17</a:t>
+              <a:t>7/10/17</a:t>
             </a:fld>
             <a:endParaRPr lang="en-GB"/>
           </a:p>
@@ -3120,629 +3580,13 @@
       </p:grpSpPr>
       <p:sp>
         <p:nvSpPr>
-          <p:cNvPr id="109" name="Cube 108"/>
+          <p:cNvPr id="56" name="Cube 55"/>
           <p:cNvSpPr/>
           <p:nvPr/>
         </p:nvSpPr>
         <p:spPr>
           <a:xfrm rot="10800000">
-            <a:off x="1174475" y="1596270"/>
-            <a:ext cx="889572" cy="992278"/>
-          </a:xfrm>
-          <a:prstGeom prst="cube">
-            <a:avLst>
-              <a:gd name="adj" fmla="val 28774"/>
-            </a:avLst>
-          </a:prstGeom>
-          <a:solidFill>
-            <a:schemeClr val="bg1">
-              <a:lumMod val="50000"/>
-            </a:schemeClr>
-          </a:solidFill>
-          <a:ln>
-            <a:solidFill>
-              <a:schemeClr val="tx1"/>
-            </a:solidFill>
-          </a:ln>
-          <a:effectLst/>
-        </p:spPr>
-        <p:style>
-          <a:lnRef idx="1">
-            <a:schemeClr val="accent1"/>
-          </a:lnRef>
-          <a:fillRef idx="3">
-            <a:schemeClr val="accent1"/>
-          </a:fillRef>
-          <a:effectRef idx="2">
-            <a:schemeClr val="accent1"/>
-          </a:effectRef>
-          <a:fontRef idx="minor">
-            <a:schemeClr val="lt1"/>
-          </a:fontRef>
-        </p:style>
-        <p:txBody>
-          <a:bodyPr rtlCol="0" anchor="ctr"/>
-          <a:lstStyle/>
-          <a:p>
-            <a:pPr algn="ctr"/>
-            <a:endParaRPr lang="en-GB"/>
-          </a:p>
-        </p:txBody>
-      </p:sp>
-      <p:sp>
-        <p:nvSpPr>
-          <p:cNvPr id="110" name="Cube 109"/>
-          <p:cNvSpPr/>
-          <p:nvPr/>
-        </p:nvSpPr>
-        <p:spPr>
-          <a:xfrm rot="10800000">
-            <a:off x="558480" y="1596270"/>
-            <a:ext cx="889572" cy="992278"/>
-          </a:xfrm>
-          <a:prstGeom prst="cube">
-            <a:avLst>
-              <a:gd name="adj" fmla="val 28774"/>
-            </a:avLst>
-          </a:prstGeom>
-          <a:solidFill>
-            <a:srgbClr val="00BA00"/>
-          </a:solidFill>
-          <a:ln>
-            <a:solidFill>
-              <a:schemeClr val="tx1"/>
-            </a:solidFill>
-          </a:ln>
-          <a:effectLst/>
-          <a:scene3d>
-            <a:camera prst="orthographicFront"/>
-            <a:lightRig rig="threePt" dir="t">
-              <a:rot lat="0" lon="0" rev="10800000"/>
-            </a:lightRig>
-          </a:scene3d>
-          <a:sp3d prstMaterial="translucentPowder"/>
-        </p:spPr>
-        <p:style>
-          <a:lnRef idx="1">
-            <a:schemeClr val="accent1"/>
-          </a:lnRef>
-          <a:fillRef idx="3">
-            <a:schemeClr val="accent1"/>
-          </a:fillRef>
-          <a:effectRef idx="2">
-            <a:schemeClr val="accent1"/>
-          </a:effectRef>
-          <a:fontRef idx="minor">
-            <a:schemeClr val="lt1"/>
-          </a:fontRef>
-        </p:style>
-        <p:txBody>
-          <a:bodyPr rtlCol="0" anchor="ctr"/>
-          <a:lstStyle/>
-          <a:p>
-            <a:pPr algn="ctr"/>
-            <a:endParaRPr lang="en-GB"/>
-          </a:p>
-        </p:txBody>
-      </p:sp>
-      <p:sp>
-        <p:nvSpPr>
-          <p:cNvPr id="106" name="Cube 105"/>
-          <p:cNvSpPr/>
-          <p:nvPr/>
-        </p:nvSpPr>
-        <p:spPr>
-          <a:xfrm rot="10800000">
-            <a:off x="549675" y="2330237"/>
-            <a:ext cx="889572" cy="992278"/>
-          </a:xfrm>
-          <a:prstGeom prst="cube">
-            <a:avLst>
-              <a:gd name="adj" fmla="val 28774"/>
-            </a:avLst>
-          </a:prstGeom>
-          <a:solidFill>
-            <a:srgbClr val="733604"/>
-          </a:solidFill>
-          <a:ln>
-            <a:solidFill>
-              <a:schemeClr val="tx1"/>
-            </a:solidFill>
-          </a:ln>
-          <a:effectLst/>
-        </p:spPr>
-        <p:style>
-          <a:lnRef idx="1">
-            <a:schemeClr val="accent1"/>
-          </a:lnRef>
-          <a:fillRef idx="3">
-            <a:schemeClr val="accent1"/>
-          </a:fillRef>
-          <a:effectRef idx="2">
-            <a:schemeClr val="accent1"/>
-          </a:effectRef>
-          <a:fontRef idx="minor">
-            <a:schemeClr val="lt1"/>
-          </a:fontRef>
-        </p:style>
-        <p:txBody>
-          <a:bodyPr rtlCol="0" anchor="ctr"/>
-          <a:lstStyle/>
-          <a:p>
-            <a:pPr algn="ctr"/>
-            <a:endParaRPr lang="en-GB"/>
-          </a:p>
-        </p:txBody>
-      </p:sp>
-      <p:sp>
-        <p:nvSpPr>
-          <p:cNvPr id="105" name="Cube 104"/>
-          <p:cNvSpPr/>
-          <p:nvPr/>
-        </p:nvSpPr>
-        <p:spPr>
-          <a:xfrm rot="10800000">
-            <a:off x="549675" y="3061343"/>
-            <a:ext cx="889572" cy="992278"/>
-          </a:xfrm>
-          <a:prstGeom prst="cube">
-            <a:avLst>
-              <a:gd name="adj" fmla="val 28774"/>
-            </a:avLst>
-          </a:prstGeom>
-          <a:solidFill>
-            <a:srgbClr val="FF0000"/>
-          </a:solidFill>
-          <a:ln>
-            <a:solidFill>
-              <a:schemeClr val="tx1"/>
-            </a:solidFill>
-          </a:ln>
-          <a:effectLst/>
-        </p:spPr>
-        <p:style>
-          <a:lnRef idx="1">
-            <a:schemeClr val="accent1"/>
-          </a:lnRef>
-          <a:fillRef idx="3">
-            <a:schemeClr val="accent1"/>
-          </a:fillRef>
-          <a:effectRef idx="2">
-            <a:schemeClr val="accent1"/>
-          </a:effectRef>
-          <a:fontRef idx="minor">
-            <a:schemeClr val="lt1"/>
-          </a:fontRef>
-        </p:style>
-        <p:txBody>
-          <a:bodyPr rtlCol="0" anchor="ctr"/>
-          <a:lstStyle/>
-          <a:p>
-            <a:pPr algn="ctr"/>
-            <a:endParaRPr lang="en-GB"/>
-          </a:p>
-        </p:txBody>
-      </p:sp>
-      <p:grpSp>
-        <p:nvGrpSpPr>
-          <p:cNvPr id="20" name="Group 19"/>
-          <p:cNvGrpSpPr/>
-          <p:nvPr/>
-        </p:nvGrpSpPr>
-        <p:grpSpPr>
-          <a:xfrm>
-            <a:off x="551551" y="3314911"/>
-            <a:ext cx="1365836" cy="1472678"/>
-            <a:chOff x="4743213" y="1779402"/>
-            <a:chExt cx="551091" cy="594200"/>
-          </a:xfrm>
-          <a:solidFill>
-            <a:schemeClr val="bg1">
-              <a:lumMod val="75000"/>
-            </a:schemeClr>
-          </a:solidFill>
-        </p:grpSpPr>
-        <p:sp>
-          <p:nvSpPr>
-            <p:cNvPr id="44" name="Cube 43"/>
-            <p:cNvSpPr/>
-            <p:nvPr/>
-          </p:nvSpPr>
-          <p:spPr>
-            <a:xfrm rot="10800000">
-              <a:off x="4743213" y="1973235"/>
-              <a:ext cx="358927" cy="400367"/>
-            </a:xfrm>
-            <a:prstGeom prst="cube">
-              <a:avLst>
-                <a:gd name="adj" fmla="val 28774"/>
-              </a:avLst>
-            </a:prstGeom>
-            <a:grpFill/>
-            <a:ln>
-              <a:solidFill>
-                <a:schemeClr val="tx1"/>
-              </a:solidFill>
-            </a:ln>
-            <a:effectLst/>
-          </p:spPr>
-          <p:style>
-            <a:lnRef idx="1">
-              <a:schemeClr val="accent1"/>
-            </a:lnRef>
-            <a:fillRef idx="3">
-              <a:schemeClr val="accent1"/>
-            </a:fillRef>
-            <a:effectRef idx="2">
-              <a:schemeClr val="accent1"/>
-            </a:effectRef>
-            <a:fontRef idx="minor">
-              <a:schemeClr val="lt1"/>
-            </a:fontRef>
-          </p:style>
-          <p:txBody>
-            <a:bodyPr rtlCol="0" anchor="ctr"/>
-            <a:lstStyle/>
-            <a:p>
-              <a:pPr algn="ctr"/>
-              <a:endParaRPr lang="en-GB"/>
-            </a:p>
-          </p:txBody>
-        </p:sp>
-        <p:sp>
-          <p:nvSpPr>
-            <p:cNvPr id="45" name="Cube 44"/>
-            <p:cNvSpPr/>
-            <p:nvPr/>
-          </p:nvSpPr>
-          <p:spPr>
-            <a:xfrm rot="10800000">
-              <a:off x="4839301" y="1874953"/>
-              <a:ext cx="358927" cy="400367"/>
-            </a:xfrm>
-            <a:prstGeom prst="cube">
-              <a:avLst>
-                <a:gd name="adj" fmla="val 28774"/>
-              </a:avLst>
-            </a:prstGeom>
-            <a:grpFill/>
-            <a:ln>
-              <a:solidFill>
-                <a:schemeClr val="tx1"/>
-              </a:solidFill>
-            </a:ln>
-            <a:effectLst/>
-          </p:spPr>
-          <p:style>
-            <a:lnRef idx="1">
-              <a:schemeClr val="accent1"/>
-            </a:lnRef>
-            <a:fillRef idx="3">
-              <a:schemeClr val="accent1"/>
-            </a:fillRef>
-            <a:effectRef idx="2">
-              <a:schemeClr val="accent1"/>
-            </a:effectRef>
-            <a:fontRef idx="minor">
-              <a:schemeClr val="lt1"/>
-            </a:fontRef>
-          </p:style>
-          <p:txBody>
-            <a:bodyPr rtlCol="0" anchor="ctr"/>
-            <a:lstStyle/>
-            <a:p>
-              <a:pPr algn="ctr"/>
-              <a:endParaRPr lang="en-GB"/>
-            </a:p>
-          </p:txBody>
-        </p:sp>
-        <p:sp>
-          <p:nvSpPr>
-            <p:cNvPr id="46" name="Cube 45"/>
-            <p:cNvSpPr/>
-            <p:nvPr/>
-          </p:nvSpPr>
-          <p:spPr>
-            <a:xfrm rot="10800000">
-              <a:off x="4935377" y="1779402"/>
-              <a:ext cx="358927" cy="400367"/>
-            </a:xfrm>
-            <a:prstGeom prst="cube">
-              <a:avLst>
-                <a:gd name="adj" fmla="val 28774"/>
-              </a:avLst>
-            </a:prstGeom>
-            <a:grpFill/>
-            <a:ln>
-              <a:solidFill>
-                <a:schemeClr val="tx1"/>
-              </a:solidFill>
-            </a:ln>
-            <a:effectLst/>
-          </p:spPr>
-          <p:style>
-            <a:lnRef idx="1">
-              <a:schemeClr val="accent1"/>
-            </a:lnRef>
-            <a:fillRef idx="3">
-              <a:schemeClr val="accent1"/>
-            </a:fillRef>
-            <a:effectRef idx="2">
-              <a:schemeClr val="accent1"/>
-            </a:effectRef>
-            <a:fontRef idx="minor">
-              <a:schemeClr val="lt1"/>
-            </a:fontRef>
-          </p:style>
-          <p:txBody>
-            <a:bodyPr rtlCol="0" anchor="ctr"/>
-            <a:lstStyle/>
-            <a:p>
-              <a:pPr algn="ctr"/>
-              <a:endParaRPr lang="en-GB"/>
-            </a:p>
-          </p:txBody>
-        </p:sp>
-      </p:grpSp>
-      <p:sp>
-        <p:nvSpPr>
-          <p:cNvPr id="111" name="Cube 110"/>
-          <p:cNvSpPr/>
-          <p:nvPr/>
-        </p:nvSpPr>
-        <p:spPr>
-          <a:xfrm rot="10800000">
-            <a:off x="807015" y="1337120"/>
-            <a:ext cx="889572" cy="992278"/>
-          </a:xfrm>
-          <a:prstGeom prst="cube">
-            <a:avLst>
-              <a:gd name="adj" fmla="val 28774"/>
-            </a:avLst>
-          </a:prstGeom>
-          <a:solidFill>
-            <a:srgbClr val="FF0000"/>
-          </a:solidFill>
-          <a:ln>
-            <a:solidFill>
-              <a:schemeClr val="tx1"/>
-            </a:solidFill>
-          </a:ln>
-          <a:effectLst/>
-        </p:spPr>
-        <p:style>
-          <a:lnRef idx="1">
-            <a:schemeClr val="accent1"/>
-          </a:lnRef>
-          <a:fillRef idx="3">
-            <a:schemeClr val="accent1"/>
-          </a:fillRef>
-          <a:effectRef idx="2">
-            <a:schemeClr val="accent1"/>
-          </a:effectRef>
-          <a:fontRef idx="minor">
-            <a:schemeClr val="lt1"/>
-          </a:fontRef>
-        </p:style>
-        <p:txBody>
-          <a:bodyPr rtlCol="0" anchor="ctr"/>
-          <a:lstStyle/>
-          <a:p>
-            <a:pPr algn="ctr"/>
-            <a:endParaRPr lang="en-GB"/>
-          </a:p>
-        </p:txBody>
-      </p:sp>
-      <p:sp>
-        <p:nvSpPr>
-          <p:cNvPr id="117" name="Cube 116"/>
-          <p:cNvSpPr/>
-          <p:nvPr/>
-        </p:nvSpPr>
-        <p:spPr>
-          <a:xfrm rot="10800000">
-            <a:off x="7446492" y="3051042"/>
-            <a:ext cx="889572" cy="992278"/>
-          </a:xfrm>
-          <a:prstGeom prst="cube">
-            <a:avLst>
-              <a:gd name="adj" fmla="val 28774"/>
-            </a:avLst>
-          </a:prstGeom>
-          <a:solidFill>
-            <a:schemeClr val="bg1">
-              <a:lumMod val="50000"/>
-            </a:schemeClr>
-          </a:solidFill>
-          <a:ln>
-            <a:solidFill>
-              <a:schemeClr val="tx1"/>
-            </a:solidFill>
-          </a:ln>
-          <a:effectLst/>
-        </p:spPr>
-        <p:style>
-          <a:lnRef idx="1">
-            <a:schemeClr val="accent1"/>
-          </a:lnRef>
-          <a:fillRef idx="3">
-            <a:schemeClr val="accent1"/>
-          </a:fillRef>
-          <a:effectRef idx="2">
-            <a:schemeClr val="accent1"/>
-          </a:effectRef>
-          <a:fontRef idx="minor">
-            <a:schemeClr val="lt1"/>
-          </a:fontRef>
-        </p:style>
-        <p:txBody>
-          <a:bodyPr rtlCol="0" anchor="ctr"/>
-          <a:lstStyle/>
-          <a:p>
-            <a:pPr algn="ctr"/>
-            <a:endParaRPr lang="en-GB"/>
-          </a:p>
-        </p:txBody>
-      </p:sp>
-      <p:sp>
-        <p:nvSpPr>
-          <p:cNvPr id="118" name="Cube 117"/>
-          <p:cNvSpPr/>
-          <p:nvPr/>
-        </p:nvSpPr>
-        <p:spPr>
-          <a:xfrm rot="10800000">
-            <a:off x="7446492" y="3789915"/>
-            <a:ext cx="889572" cy="992278"/>
-          </a:xfrm>
-          <a:prstGeom prst="cube">
-            <a:avLst>
-              <a:gd name="adj" fmla="val 28774"/>
-            </a:avLst>
-          </a:prstGeom>
-          <a:solidFill>
-            <a:srgbClr val="FF0000"/>
-          </a:solidFill>
-          <a:ln>
-            <a:solidFill>
-              <a:schemeClr val="tx1"/>
-            </a:solidFill>
-          </a:ln>
-          <a:effectLst/>
-        </p:spPr>
-        <p:style>
-          <a:lnRef idx="1">
-            <a:schemeClr val="accent1"/>
-          </a:lnRef>
-          <a:fillRef idx="3">
-            <a:schemeClr val="accent1"/>
-          </a:fillRef>
-          <a:effectRef idx="2">
-            <a:schemeClr val="accent1"/>
-          </a:effectRef>
-          <a:fontRef idx="minor">
-            <a:schemeClr val="lt1"/>
-          </a:fontRef>
-        </p:style>
-        <p:txBody>
-          <a:bodyPr rtlCol="0" anchor="ctr"/>
-          <a:lstStyle/>
-          <a:p>
-            <a:pPr algn="ctr"/>
-            <a:endParaRPr lang="en-GB"/>
-          </a:p>
-        </p:txBody>
-      </p:sp>
-      <p:sp>
-        <p:nvSpPr>
-          <p:cNvPr id="119" name="Cube 118"/>
-          <p:cNvSpPr/>
-          <p:nvPr/>
-        </p:nvSpPr>
-        <p:spPr>
-          <a:xfrm rot="10800000">
-            <a:off x="6805307" y="3789915"/>
-            <a:ext cx="889572" cy="992278"/>
-          </a:xfrm>
-          <a:prstGeom prst="cube">
-            <a:avLst>
-              <a:gd name="adj" fmla="val 28774"/>
-            </a:avLst>
-          </a:prstGeom>
-          <a:solidFill>
-            <a:srgbClr val="733604"/>
-          </a:solidFill>
-          <a:ln>
-            <a:solidFill>
-              <a:schemeClr val="tx1"/>
-            </a:solidFill>
-          </a:ln>
-          <a:effectLst/>
-        </p:spPr>
-        <p:style>
-          <a:lnRef idx="1">
-            <a:schemeClr val="accent1"/>
-          </a:lnRef>
-          <a:fillRef idx="3">
-            <a:schemeClr val="accent1"/>
-          </a:fillRef>
-          <a:effectRef idx="2">
-            <a:schemeClr val="accent1"/>
-          </a:effectRef>
-          <a:fontRef idx="minor">
-            <a:schemeClr val="lt1"/>
-          </a:fontRef>
-        </p:style>
-        <p:txBody>
-          <a:bodyPr rtlCol="0" anchor="ctr"/>
-          <a:lstStyle/>
-          <a:p>
-            <a:pPr algn="ctr"/>
-            <a:endParaRPr lang="en-GB"/>
-          </a:p>
-        </p:txBody>
-      </p:sp>
-      <p:sp>
-        <p:nvSpPr>
-          <p:cNvPr id="121" name="Cube 120"/>
-          <p:cNvSpPr/>
-          <p:nvPr/>
-        </p:nvSpPr>
-        <p:spPr>
-          <a:xfrm rot="10800000">
-            <a:off x="6181878" y="3789915"/>
-            <a:ext cx="889572" cy="992278"/>
-          </a:xfrm>
-          <a:prstGeom prst="cube">
-            <a:avLst>
-              <a:gd name="adj" fmla="val 28774"/>
-            </a:avLst>
-          </a:prstGeom>
-          <a:solidFill>
-            <a:schemeClr val="tx1">
-              <a:lumMod val="50000"/>
-              <a:lumOff val="50000"/>
-            </a:schemeClr>
-          </a:solidFill>
-          <a:ln>
-            <a:solidFill>
-              <a:schemeClr val="tx1"/>
-            </a:solidFill>
-          </a:ln>
-          <a:effectLst/>
-        </p:spPr>
-        <p:style>
-          <a:lnRef idx="1">
-            <a:schemeClr val="accent1"/>
-          </a:lnRef>
-          <a:fillRef idx="3">
-            <a:schemeClr val="accent1"/>
-          </a:fillRef>
-          <a:effectRef idx="2">
-            <a:schemeClr val="accent1"/>
-          </a:effectRef>
-          <a:fontRef idx="minor">
-            <a:schemeClr val="lt1"/>
-          </a:fontRef>
-        </p:style>
-        <p:txBody>
-          <a:bodyPr rtlCol="0" anchor="ctr"/>
-          <a:lstStyle/>
-          <a:p>
-            <a:pPr algn="ctr"/>
-            <a:endParaRPr lang="en-GB"/>
-          </a:p>
-        </p:txBody>
-      </p:sp>
-      <p:sp>
-        <p:nvSpPr>
-          <p:cNvPr id="122" name="Cube 121"/>
-          <p:cNvSpPr/>
-          <p:nvPr/>
-        </p:nvSpPr>
-        <p:spPr>
-          <a:xfrm rot="10800000">
-            <a:off x="7700021" y="2792924"/>
+            <a:off x="550090" y="1586218"/>
             <a:ext cx="889572" cy="992278"/>
           </a:xfrm>
           <a:prstGeom prst="cube">
@@ -3783,675 +3627,6 @@
           </a:p>
         </p:txBody>
       </p:sp>
-      <p:grpSp>
-        <p:nvGrpSpPr>
-          <p:cNvPr id="127" name="Group 126"/>
-          <p:cNvGrpSpPr/>
-          <p:nvPr/>
-        </p:nvGrpSpPr>
-        <p:grpSpPr>
-          <a:xfrm>
-            <a:off x="5558448" y="3311194"/>
-            <a:ext cx="1365836" cy="1472678"/>
-            <a:chOff x="4743213" y="1779402"/>
-            <a:chExt cx="551091" cy="594200"/>
-          </a:xfrm>
-        </p:grpSpPr>
-        <p:sp>
-          <p:nvSpPr>
-            <p:cNvPr id="128" name="Cube 127"/>
-            <p:cNvSpPr/>
-            <p:nvPr/>
-          </p:nvSpPr>
-          <p:spPr>
-            <a:xfrm rot="10800000">
-              <a:off x="4743213" y="1973235"/>
-              <a:ext cx="358927" cy="400367"/>
-            </a:xfrm>
-            <a:prstGeom prst="cube">
-              <a:avLst>
-                <a:gd name="adj" fmla="val 28774"/>
-              </a:avLst>
-            </a:prstGeom>
-            <a:solidFill>
-              <a:schemeClr val="accent6"/>
-            </a:solidFill>
-            <a:ln>
-              <a:solidFill>
-                <a:schemeClr val="tx1"/>
-              </a:solidFill>
-            </a:ln>
-            <a:effectLst/>
-          </p:spPr>
-          <p:style>
-            <a:lnRef idx="1">
-              <a:schemeClr val="accent1"/>
-            </a:lnRef>
-            <a:fillRef idx="3">
-              <a:schemeClr val="accent1"/>
-            </a:fillRef>
-            <a:effectRef idx="2">
-              <a:schemeClr val="accent1"/>
-            </a:effectRef>
-            <a:fontRef idx="minor">
-              <a:schemeClr val="lt1"/>
-            </a:fontRef>
-          </p:style>
-          <p:txBody>
-            <a:bodyPr rtlCol="0" anchor="ctr"/>
-            <a:lstStyle/>
-            <a:p>
-              <a:pPr algn="ctr"/>
-              <a:endParaRPr lang="en-GB"/>
-            </a:p>
-          </p:txBody>
-        </p:sp>
-        <p:sp>
-          <p:nvSpPr>
-            <p:cNvPr id="129" name="Cube 128"/>
-            <p:cNvSpPr/>
-            <p:nvPr/>
-          </p:nvSpPr>
-          <p:spPr>
-            <a:xfrm rot="10800000">
-              <a:off x="4839301" y="1874953"/>
-              <a:ext cx="358927" cy="400367"/>
-            </a:xfrm>
-            <a:prstGeom prst="cube">
-              <a:avLst>
-                <a:gd name="adj" fmla="val 28774"/>
-              </a:avLst>
-            </a:prstGeom>
-            <a:solidFill>
-              <a:schemeClr val="accent6"/>
-            </a:solidFill>
-            <a:ln>
-              <a:solidFill>
-                <a:schemeClr val="tx1"/>
-              </a:solidFill>
-            </a:ln>
-            <a:effectLst/>
-          </p:spPr>
-          <p:style>
-            <a:lnRef idx="1">
-              <a:schemeClr val="accent1"/>
-            </a:lnRef>
-            <a:fillRef idx="3">
-              <a:schemeClr val="accent1"/>
-            </a:fillRef>
-            <a:effectRef idx="2">
-              <a:schemeClr val="accent1"/>
-            </a:effectRef>
-            <a:fontRef idx="minor">
-              <a:schemeClr val="lt1"/>
-            </a:fontRef>
-          </p:style>
-          <p:txBody>
-            <a:bodyPr rtlCol="0" anchor="ctr"/>
-            <a:lstStyle/>
-            <a:p>
-              <a:pPr algn="ctr"/>
-              <a:endParaRPr lang="en-GB"/>
-            </a:p>
-          </p:txBody>
-        </p:sp>
-        <p:sp>
-          <p:nvSpPr>
-            <p:cNvPr id="130" name="Cube 129"/>
-            <p:cNvSpPr/>
-            <p:nvPr/>
-          </p:nvSpPr>
-          <p:spPr>
-            <a:xfrm rot="10800000">
-              <a:off x="4935377" y="1779402"/>
-              <a:ext cx="358927" cy="400367"/>
-            </a:xfrm>
-            <a:prstGeom prst="cube">
-              <a:avLst>
-                <a:gd name="adj" fmla="val 28774"/>
-              </a:avLst>
-            </a:prstGeom>
-            <a:solidFill>
-              <a:schemeClr val="accent6"/>
-            </a:solidFill>
-            <a:ln>
-              <a:solidFill>
-                <a:schemeClr val="tx1"/>
-              </a:solidFill>
-            </a:ln>
-            <a:effectLst/>
-          </p:spPr>
-          <p:style>
-            <a:lnRef idx="1">
-              <a:schemeClr val="accent1"/>
-            </a:lnRef>
-            <a:fillRef idx="3">
-              <a:schemeClr val="accent1"/>
-            </a:fillRef>
-            <a:effectRef idx="2">
-              <a:schemeClr val="accent1"/>
-            </a:effectRef>
-            <a:fontRef idx="minor">
-              <a:schemeClr val="lt1"/>
-            </a:fontRef>
-          </p:style>
-          <p:txBody>
-            <a:bodyPr rtlCol="0" anchor="ctr"/>
-            <a:lstStyle/>
-            <a:p>
-              <a:pPr algn="ctr"/>
-              <a:endParaRPr lang="en-GB"/>
-            </a:p>
-          </p:txBody>
-        </p:sp>
-      </p:grpSp>
-      <p:sp>
-        <p:nvSpPr>
-          <p:cNvPr id="33" name="TextBox 32"/>
-          <p:cNvSpPr txBox="1"/>
-          <p:nvPr/>
-        </p:nvSpPr>
-        <p:spPr>
-          <a:xfrm>
-            <a:off x="1651436" y="194664"/>
-            <a:ext cx="1132041" cy="369332"/>
-          </a:xfrm>
-          <a:prstGeom prst="rect">
-            <a:avLst/>
-          </a:prstGeom>
-          <a:noFill/>
-        </p:spPr>
-        <p:txBody>
-          <a:bodyPr wrap="none" rtlCol="0">
-            <a:spAutoFit/>
-          </a:bodyPr>
-          <a:lstStyle/>
-          <a:p>
-            <a:r>
-              <a:rPr lang="en-US" smtClean="0"/>
-              <a:t>Puzzle 1 A</a:t>
-            </a:r>
-            <a:endParaRPr lang="en-US"/>
-          </a:p>
-        </p:txBody>
-      </p:sp>
-      <p:sp>
-        <p:nvSpPr>
-          <p:cNvPr id="132" name="TextBox 131"/>
-          <p:cNvSpPr txBox="1"/>
-          <p:nvPr/>
-        </p:nvSpPr>
-        <p:spPr>
-          <a:xfrm>
-            <a:off x="6564918" y="190947"/>
-            <a:ext cx="1132041" cy="369332"/>
-          </a:xfrm>
-          <a:prstGeom prst="rect">
-            <a:avLst/>
-          </a:prstGeom>
-          <a:noFill/>
-        </p:spPr>
-        <p:txBody>
-          <a:bodyPr wrap="none" rtlCol="0">
-            <a:spAutoFit/>
-          </a:bodyPr>
-          <a:lstStyle/>
-          <a:p>
-            <a:r>
-              <a:rPr lang="en-US" dirty="0" smtClean="0"/>
-              <a:t>Puzzle 1 B</a:t>
-            </a:r>
-            <a:endParaRPr lang="en-US" dirty="0"/>
-          </a:p>
-        </p:txBody>
-      </p:sp>
-      <p:grpSp>
-        <p:nvGrpSpPr>
-          <p:cNvPr id="59" name="Group 58"/>
-          <p:cNvGrpSpPr/>
-          <p:nvPr/>
-        </p:nvGrpSpPr>
-        <p:grpSpPr>
-          <a:xfrm>
-            <a:off x="1234484" y="2583843"/>
-            <a:ext cx="1830415" cy="2200030"/>
-            <a:chOff x="1234484" y="2583843"/>
-            <a:chExt cx="1830415" cy="2200030"/>
-          </a:xfrm>
-        </p:grpSpPr>
-        <p:sp>
-          <p:nvSpPr>
-            <p:cNvPr id="142" name="TextBox 141"/>
-            <p:cNvSpPr txBox="1"/>
-            <p:nvPr/>
-          </p:nvSpPr>
-          <p:spPr>
-            <a:xfrm>
-              <a:off x="1447808" y="4192192"/>
-              <a:ext cx="292068" cy="369332"/>
-            </a:xfrm>
-            <a:prstGeom prst="rect">
-              <a:avLst/>
-            </a:prstGeom>
-            <a:noFill/>
-          </p:spPr>
-          <p:txBody>
-            <a:bodyPr wrap="none" rtlCol="0">
-              <a:spAutoFit/>
-            </a:bodyPr>
-            <a:lstStyle/>
-            <a:p>
-              <a:r>
-                <a:rPr lang="en-US" smtClean="0">
-                  <a:solidFill>
-                    <a:schemeClr val="bg1">
-                      <a:lumMod val="75000"/>
-                    </a:schemeClr>
-                  </a:solidFill>
-                </a:rPr>
-                <a:t>?</a:t>
-              </a:r>
-              <a:endParaRPr lang="en-US">
-                <a:solidFill>
-                  <a:schemeClr val="bg1">
-                    <a:lumMod val="75000"/>
-                  </a:schemeClr>
-                </a:solidFill>
-              </a:endParaRPr>
-            </a:p>
-          </p:txBody>
-        </p:sp>
-        <p:cxnSp>
-          <p:nvCxnSpPr>
-            <p:cNvPr id="138" name="Straight Connector 137"/>
-            <p:cNvCxnSpPr/>
-            <p:nvPr/>
-          </p:nvCxnSpPr>
-          <p:spPr>
-            <a:xfrm>
-              <a:off x="1813284" y="4043320"/>
-              <a:ext cx="0" cy="738874"/>
-            </a:xfrm>
-            <a:prstGeom prst="line">
-              <a:avLst/>
-            </a:prstGeom>
-            <a:ln>
-              <a:solidFill>
-                <a:schemeClr val="tx1"/>
-              </a:solidFill>
-              <a:prstDash val="sysDot"/>
-            </a:ln>
-            <a:effectLst/>
-          </p:spPr>
-          <p:style>
-            <a:lnRef idx="2">
-              <a:schemeClr val="accent1"/>
-            </a:lnRef>
-            <a:fillRef idx="0">
-              <a:schemeClr val="accent1"/>
-            </a:fillRef>
-            <a:effectRef idx="1">
-              <a:schemeClr val="accent1"/>
-            </a:effectRef>
-            <a:fontRef idx="minor">
-              <a:schemeClr val="tx1"/>
-            </a:fontRef>
-          </p:style>
-        </p:cxnSp>
-        <p:cxnSp>
-          <p:nvCxnSpPr>
-            <p:cNvPr id="35" name="Straight Connector 34"/>
-            <p:cNvCxnSpPr/>
-            <p:nvPr/>
-          </p:nvCxnSpPr>
-          <p:spPr>
-            <a:xfrm>
-              <a:off x="2441469" y="2583843"/>
-              <a:ext cx="0" cy="2198351"/>
-            </a:xfrm>
-            <a:prstGeom prst="line">
-              <a:avLst/>
-            </a:prstGeom>
-            <a:ln>
-              <a:solidFill>
-                <a:schemeClr val="tx1"/>
-              </a:solidFill>
-              <a:prstDash val="sysDot"/>
-            </a:ln>
-            <a:effectLst/>
-          </p:spPr>
-          <p:style>
-            <a:lnRef idx="2">
-              <a:schemeClr val="accent1"/>
-            </a:lnRef>
-            <a:fillRef idx="0">
-              <a:schemeClr val="accent1"/>
-            </a:fillRef>
-            <a:effectRef idx="1">
-              <a:schemeClr val="accent1"/>
-            </a:effectRef>
-            <a:fontRef idx="minor">
-              <a:schemeClr val="tx1"/>
-            </a:fontRef>
-          </p:style>
-        </p:cxnSp>
-        <p:cxnSp>
-          <p:nvCxnSpPr>
-            <p:cNvPr id="133" name="Straight Connector 132"/>
-            <p:cNvCxnSpPr/>
-            <p:nvPr/>
-          </p:nvCxnSpPr>
-          <p:spPr>
-            <a:xfrm>
-              <a:off x="1930763" y="4049904"/>
-              <a:ext cx="1134136" cy="0"/>
-            </a:xfrm>
-            <a:prstGeom prst="line">
-              <a:avLst/>
-            </a:prstGeom>
-            <a:ln>
-              <a:solidFill>
-                <a:schemeClr val="tx1"/>
-              </a:solidFill>
-              <a:prstDash val="sysDot"/>
-            </a:ln>
-            <a:effectLst/>
-          </p:spPr>
-          <p:style>
-            <a:lnRef idx="2">
-              <a:schemeClr val="accent1"/>
-            </a:lnRef>
-            <a:fillRef idx="0">
-              <a:schemeClr val="accent1"/>
-            </a:fillRef>
-            <a:effectRef idx="1">
-              <a:schemeClr val="accent1"/>
-            </a:effectRef>
-            <a:fontRef idx="minor">
-              <a:schemeClr val="tx1"/>
-            </a:fontRef>
-          </p:style>
-        </p:cxnSp>
-        <p:cxnSp>
-          <p:nvCxnSpPr>
-            <p:cNvPr id="134" name="Straight Connector 133"/>
-            <p:cNvCxnSpPr/>
-            <p:nvPr/>
-          </p:nvCxnSpPr>
-          <p:spPr>
-            <a:xfrm>
-              <a:off x="3064899" y="2587560"/>
-              <a:ext cx="0" cy="2194634"/>
-            </a:xfrm>
-            <a:prstGeom prst="line">
-              <a:avLst/>
-            </a:prstGeom>
-            <a:ln>
-              <a:solidFill>
-                <a:schemeClr val="tx1"/>
-              </a:solidFill>
-              <a:prstDash val="sysDot"/>
-            </a:ln>
-            <a:effectLst/>
-          </p:spPr>
-          <p:style>
-            <a:lnRef idx="2">
-              <a:schemeClr val="accent1"/>
-            </a:lnRef>
-            <a:fillRef idx="0">
-              <a:schemeClr val="accent1"/>
-            </a:fillRef>
-            <a:effectRef idx="1">
-              <a:schemeClr val="accent1"/>
-            </a:effectRef>
-            <a:fontRef idx="minor">
-              <a:schemeClr val="tx1"/>
-            </a:fontRef>
-          </p:style>
-        </p:cxnSp>
-        <p:cxnSp>
-          <p:nvCxnSpPr>
-            <p:cNvPr id="135" name="Straight Connector 134"/>
-            <p:cNvCxnSpPr/>
-            <p:nvPr/>
-          </p:nvCxnSpPr>
-          <p:spPr>
-            <a:xfrm>
-              <a:off x="1234484" y="4783873"/>
-              <a:ext cx="1830415" cy="0"/>
-            </a:xfrm>
-            <a:prstGeom prst="line">
-              <a:avLst/>
-            </a:prstGeom>
-            <a:ln>
-              <a:solidFill>
-                <a:schemeClr val="tx1"/>
-              </a:solidFill>
-              <a:prstDash val="sysDot"/>
-            </a:ln>
-            <a:effectLst/>
-          </p:spPr>
-          <p:style>
-            <a:lnRef idx="2">
-              <a:schemeClr val="accent1"/>
-            </a:lnRef>
-            <a:fillRef idx="0">
-              <a:schemeClr val="accent1"/>
-            </a:fillRef>
-            <a:effectRef idx="1">
-              <a:schemeClr val="accent1"/>
-            </a:effectRef>
-            <a:fontRef idx="minor">
-              <a:schemeClr val="tx1"/>
-            </a:fontRef>
-          </p:style>
-        </p:cxnSp>
-        <p:cxnSp>
-          <p:nvCxnSpPr>
-            <p:cNvPr id="137" name="Straight Connector 136"/>
-            <p:cNvCxnSpPr/>
-            <p:nvPr/>
-          </p:nvCxnSpPr>
-          <p:spPr>
-            <a:xfrm>
-              <a:off x="2441469" y="3318798"/>
-              <a:ext cx="623430" cy="0"/>
-            </a:xfrm>
-            <a:prstGeom prst="line">
-              <a:avLst/>
-            </a:prstGeom>
-            <a:ln>
-              <a:solidFill>
-                <a:schemeClr val="tx1"/>
-              </a:solidFill>
-              <a:prstDash val="sysDot"/>
-            </a:ln>
-            <a:effectLst/>
-          </p:spPr>
-          <p:style>
-            <a:lnRef idx="2">
-              <a:schemeClr val="accent1"/>
-            </a:lnRef>
-            <a:fillRef idx="0">
-              <a:schemeClr val="accent1"/>
-            </a:fillRef>
-            <a:effectRef idx="1">
-              <a:schemeClr val="accent1"/>
-            </a:effectRef>
-            <a:fontRef idx="minor">
-              <a:schemeClr val="tx1"/>
-            </a:fontRef>
-          </p:style>
-        </p:cxnSp>
-        <p:sp>
-          <p:nvSpPr>
-            <p:cNvPr id="54" name="TextBox 53"/>
-            <p:cNvSpPr txBox="1"/>
-            <p:nvPr/>
-          </p:nvSpPr>
-          <p:spPr>
-            <a:xfrm>
-              <a:off x="2610085" y="2759321"/>
-              <a:ext cx="292068" cy="369332"/>
-            </a:xfrm>
-            <a:prstGeom prst="rect">
-              <a:avLst/>
-            </a:prstGeom>
-            <a:noFill/>
-          </p:spPr>
-          <p:txBody>
-            <a:bodyPr wrap="none" rtlCol="0">
-              <a:spAutoFit/>
-            </a:bodyPr>
-            <a:lstStyle/>
-            <a:p>
-              <a:r>
-                <a:rPr lang="en-US" dirty="0" smtClean="0">
-                  <a:solidFill>
-                    <a:schemeClr val="bg1">
-                      <a:lumMod val="75000"/>
-                    </a:schemeClr>
-                  </a:solidFill>
-                </a:rPr>
-                <a:t>?</a:t>
-              </a:r>
-              <a:endParaRPr lang="en-US" dirty="0">
-                <a:solidFill>
-                  <a:schemeClr val="bg1">
-                    <a:lumMod val="75000"/>
-                  </a:schemeClr>
-                </a:solidFill>
-              </a:endParaRPr>
-            </a:p>
-          </p:txBody>
-        </p:sp>
-        <p:sp>
-          <p:nvSpPr>
-            <p:cNvPr id="139" name="TextBox 138"/>
-            <p:cNvSpPr txBox="1"/>
-            <p:nvPr/>
-          </p:nvSpPr>
-          <p:spPr>
-            <a:xfrm>
-              <a:off x="2606946" y="3490426"/>
-              <a:ext cx="292068" cy="369332"/>
-            </a:xfrm>
-            <a:prstGeom prst="rect">
-              <a:avLst/>
-            </a:prstGeom>
-            <a:noFill/>
-          </p:spPr>
-          <p:txBody>
-            <a:bodyPr wrap="none" rtlCol="0">
-              <a:spAutoFit/>
-            </a:bodyPr>
-            <a:lstStyle/>
-            <a:p>
-              <a:r>
-                <a:rPr lang="en-US" smtClean="0">
-                  <a:solidFill>
-                    <a:schemeClr val="bg1">
-                      <a:lumMod val="75000"/>
-                    </a:schemeClr>
-                  </a:solidFill>
-                </a:rPr>
-                <a:t>?</a:t>
-              </a:r>
-              <a:endParaRPr lang="en-US">
-                <a:solidFill>
-                  <a:schemeClr val="bg1">
-                    <a:lumMod val="75000"/>
-                  </a:schemeClr>
-                </a:solidFill>
-              </a:endParaRPr>
-            </a:p>
-          </p:txBody>
-        </p:sp>
-        <p:sp>
-          <p:nvSpPr>
-            <p:cNvPr id="140" name="TextBox 139"/>
-            <p:cNvSpPr txBox="1"/>
-            <p:nvPr/>
-          </p:nvSpPr>
-          <p:spPr>
-            <a:xfrm>
-              <a:off x="2606562" y="4176539"/>
-              <a:ext cx="292068" cy="369332"/>
-            </a:xfrm>
-            <a:prstGeom prst="rect">
-              <a:avLst/>
-            </a:prstGeom>
-            <a:noFill/>
-          </p:spPr>
-          <p:txBody>
-            <a:bodyPr wrap="none" rtlCol="0">
-              <a:spAutoFit/>
-            </a:bodyPr>
-            <a:lstStyle/>
-            <a:p>
-              <a:r>
-                <a:rPr lang="en-US" smtClean="0">
-                  <a:solidFill>
-                    <a:schemeClr val="bg1">
-                      <a:lumMod val="75000"/>
-                    </a:schemeClr>
-                  </a:solidFill>
-                </a:rPr>
-                <a:t>?</a:t>
-              </a:r>
-              <a:endParaRPr lang="en-US">
-                <a:solidFill>
-                  <a:schemeClr val="bg1">
-                    <a:lumMod val="75000"/>
-                  </a:schemeClr>
-                </a:solidFill>
-              </a:endParaRPr>
-            </a:p>
-          </p:txBody>
-        </p:sp>
-        <p:sp>
-          <p:nvSpPr>
-            <p:cNvPr id="141" name="TextBox 140"/>
-            <p:cNvSpPr txBox="1"/>
-            <p:nvPr/>
-          </p:nvSpPr>
-          <p:spPr>
-            <a:xfrm>
-              <a:off x="1997479" y="4180550"/>
-              <a:ext cx="292068" cy="369332"/>
-            </a:xfrm>
-            <a:prstGeom prst="rect">
-              <a:avLst/>
-            </a:prstGeom>
-            <a:noFill/>
-          </p:spPr>
-          <p:txBody>
-            <a:bodyPr wrap="none" rtlCol="0">
-              <a:spAutoFit/>
-            </a:bodyPr>
-            <a:lstStyle/>
-            <a:p>
-              <a:r>
-                <a:rPr lang="en-US" dirty="0" smtClean="0">
-                  <a:solidFill>
-                    <a:schemeClr val="bg1">
-                      <a:lumMod val="75000"/>
-                    </a:schemeClr>
-                  </a:solidFill>
-                </a:rPr>
-                <a:t>?</a:t>
-              </a:r>
-              <a:endParaRPr lang="en-US" dirty="0">
-                <a:solidFill>
-                  <a:schemeClr val="bg1">
-                    <a:lumMod val="75000"/>
-                  </a:schemeClr>
-                </a:solidFill>
-              </a:endParaRPr>
-            </a:p>
-          </p:txBody>
-        </p:sp>
-      </p:grpSp>
       <p:grpSp>
         <p:nvGrpSpPr>
           <p:cNvPr id="58" name="Group 57"/>
@@ -4914,6 +4089,1276 @@
           </p:txBody>
         </p:sp>
       </p:grpSp>
+      <p:sp>
+        <p:nvSpPr>
+          <p:cNvPr id="109" name="Cube 108"/>
+          <p:cNvSpPr/>
+          <p:nvPr/>
+        </p:nvSpPr>
+        <p:spPr>
+          <a:xfrm rot="10800000">
+            <a:off x="1174475" y="1596270"/>
+            <a:ext cx="889572" cy="992278"/>
+          </a:xfrm>
+          <a:prstGeom prst="cube">
+            <a:avLst>
+              <a:gd name="adj" fmla="val 28774"/>
+            </a:avLst>
+          </a:prstGeom>
+          <a:solidFill>
+            <a:schemeClr val="accent1"/>
+          </a:solidFill>
+          <a:ln>
+            <a:solidFill>
+              <a:schemeClr val="tx1"/>
+            </a:solidFill>
+          </a:ln>
+          <a:effectLst/>
+        </p:spPr>
+        <p:style>
+          <a:lnRef idx="1">
+            <a:schemeClr val="accent1"/>
+          </a:lnRef>
+          <a:fillRef idx="3">
+            <a:schemeClr val="accent1"/>
+          </a:fillRef>
+          <a:effectRef idx="2">
+            <a:schemeClr val="accent1"/>
+          </a:effectRef>
+          <a:fontRef idx="minor">
+            <a:schemeClr val="lt1"/>
+          </a:fontRef>
+        </p:style>
+        <p:txBody>
+          <a:bodyPr rtlCol="0" anchor="ctr"/>
+          <a:lstStyle/>
+          <a:p>
+            <a:pPr algn="ctr"/>
+            <a:endParaRPr lang="en-GB"/>
+          </a:p>
+        </p:txBody>
+      </p:sp>
+      <p:sp>
+        <p:nvSpPr>
+          <p:cNvPr id="106" name="Cube 105"/>
+          <p:cNvSpPr/>
+          <p:nvPr/>
+        </p:nvSpPr>
+        <p:spPr>
+          <a:xfrm rot="10800000">
+            <a:off x="549675" y="2330237"/>
+            <a:ext cx="889572" cy="992278"/>
+          </a:xfrm>
+          <a:prstGeom prst="cube">
+            <a:avLst>
+              <a:gd name="adj" fmla="val 28774"/>
+            </a:avLst>
+          </a:prstGeom>
+          <a:solidFill>
+            <a:schemeClr val="accent6">
+              <a:lumMod val="75000"/>
+            </a:schemeClr>
+          </a:solidFill>
+          <a:ln>
+            <a:solidFill>
+              <a:schemeClr val="tx1"/>
+            </a:solidFill>
+          </a:ln>
+          <a:effectLst/>
+        </p:spPr>
+        <p:style>
+          <a:lnRef idx="1">
+            <a:schemeClr val="accent1"/>
+          </a:lnRef>
+          <a:fillRef idx="3">
+            <a:schemeClr val="accent1"/>
+          </a:fillRef>
+          <a:effectRef idx="2">
+            <a:schemeClr val="accent1"/>
+          </a:effectRef>
+          <a:fontRef idx="minor">
+            <a:schemeClr val="lt1"/>
+          </a:fontRef>
+        </p:style>
+        <p:txBody>
+          <a:bodyPr rtlCol="0" anchor="ctr"/>
+          <a:lstStyle/>
+          <a:p>
+            <a:pPr algn="ctr"/>
+            <a:endParaRPr lang="en-GB"/>
+          </a:p>
+        </p:txBody>
+      </p:sp>
+      <p:sp>
+        <p:nvSpPr>
+          <p:cNvPr id="105" name="Cube 104"/>
+          <p:cNvSpPr/>
+          <p:nvPr/>
+        </p:nvSpPr>
+        <p:spPr>
+          <a:xfrm rot="10800000">
+            <a:off x="549675" y="3061343"/>
+            <a:ext cx="889572" cy="992278"/>
+          </a:xfrm>
+          <a:prstGeom prst="cube">
+            <a:avLst>
+              <a:gd name="adj" fmla="val 28774"/>
+            </a:avLst>
+          </a:prstGeom>
+          <a:solidFill>
+            <a:srgbClr val="FF0000"/>
+          </a:solidFill>
+          <a:ln>
+            <a:solidFill>
+              <a:schemeClr val="tx1"/>
+            </a:solidFill>
+          </a:ln>
+          <a:effectLst/>
+        </p:spPr>
+        <p:style>
+          <a:lnRef idx="1">
+            <a:schemeClr val="accent1"/>
+          </a:lnRef>
+          <a:fillRef idx="3">
+            <a:schemeClr val="accent1"/>
+          </a:fillRef>
+          <a:effectRef idx="2">
+            <a:schemeClr val="accent1"/>
+          </a:effectRef>
+          <a:fontRef idx="minor">
+            <a:schemeClr val="lt1"/>
+          </a:fontRef>
+        </p:style>
+        <p:txBody>
+          <a:bodyPr rtlCol="0" anchor="ctr"/>
+          <a:lstStyle/>
+          <a:p>
+            <a:pPr algn="ctr"/>
+            <a:endParaRPr lang="en-GB"/>
+          </a:p>
+        </p:txBody>
+      </p:sp>
+      <p:grpSp>
+        <p:nvGrpSpPr>
+          <p:cNvPr id="20" name="Group 19"/>
+          <p:cNvGrpSpPr/>
+          <p:nvPr/>
+        </p:nvGrpSpPr>
+        <p:grpSpPr>
+          <a:xfrm>
+            <a:off x="551551" y="3314911"/>
+            <a:ext cx="1365836" cy="1472678"/>
+            <a:chOff x="4743213" y="1779402"/>
+            <a:chExt cx="551091" cy="594200"/>
+          </a:xfrm>
+          <a:solidFill>
+            <a:schemeClr val="bg1"/>
+          </a:solidFill>
+        </p:grpSpPr>
+        <p:sp>
+          <p:nvSpPr>
+            <p:cNvPr id="44" name="Cube 43"/>
+            <p:cNvSpPr/>
+            <p:nvPr/>
+          </p:nvSpPr>
+          <p:spPr>
+            <a:xfrm rot="10800000">
+              <a:off x="4743213" y="1973235"/>
+              <a:ext cx="358927" cy="400367"/>
+            </a:xfrm>
+            <a:prstGeom prst="cube">
+              <a:avLst>
+                <a:gd name="adj" fmla="val 28774"/>
+              </a:avLst>
+            </a:prstGeom>
+            <a:grpFill/>
+            <a:ln>
+              <a:solidFill>
+                <a:schemeClr val="tx1"/>
+              </a:solidFill>
+            </a:ln>
+            <a:effectLst/>
+          </p:spPr>
+          <p:style>
+            <a:lnRef idx="1">
+              <a:schemeClr val="accent1"/>
+            </a:lnRef>
+            <a:fillRef idx="3">
+              <a:schemeClr val="accent1"/>
+            </a:fillRef>
+            <a:effectRef idx="2">
+              <a:schemeClr val="accent1"/>
+            </a:effectRef>
+            <a:fontRef idx="minor">
+              <a:schemeClr val="lt1"/>
+            </a:fontRef>
+          </p:style>
+          <p:txBody>
+            <a:bodyPr rtlCol="0" anchor="ctr"/>
+            <a:lstStyle/>
+            <a:p>
+              <a:pPr algn="ctr"/>
+              <a:endParaRPr lang="en-GB"/>
+            </a:p>
+          </p:txBody>
+        </p:sp>
+        <p:sp>
+          <p:nvSpPr>
+            <p:cNvPr id="45" name="Cube 44"/>
+            <p:cNvSpPr/>
+            <p:nvPr/>
+          </p:nvSpPr>
+          <p:spPr>
+            <a:xfrm rot="10800000">
+              <a:off x="4839301" y="1874953"/>
+              <a:ext cx="358927" cy="400367"/>
+            </a:xfrm>
+            <a:prstGeom prst="cube">
+              <a:avLst>
+                <a:gd name="adj" fmla="val 28774"/>
+              </a:avLst>
+            </a:prstGeom>
+            <a:grpFill/>
+            <a:ln>
+              <a:solidFill>
+                <a:schemeClr val="tx1"/>
+              </a:solidFill>
+            </a:ln>
+            <a:effectLst/>
+          </p:spPr>
+          <p:style>
+            <a:lnRef idx="1">
+              <a:schemeClr val="accent1"/>
+            </a:lnRef>
+            <a:fillRef idx="3">
+              <a:schemeClr val="accent1"/>
+            </a:fillRef>
+            <a:effectRef idx="2">
+              <a:schemeClr val="accent1"/>
+            </a:effectRef>
+            <a:fontRef idx="minor">
+              <a:schemeClr val="lt1"/>
+            </a:fontRef>
+          </p:style>
+          <p:txBody>
+            <a:bodyPr rtlCol="0" anchor="ctr"/>
+            <a:lstStyle/>
+            <a:p>
+              <a:pPr algn="ctr"/>
+              <a:endParaRPr lang="en-GB"/>
+            </a:p>
+          </p:txBody>
+        </p:sp>
+        <p:sp>
+          <p:nvSpPr>
+            <p:cNvPr id="46" name="Cube 45"/>
+            <p:cNvSpPr/>
+            <p:nvPr/>
+          </p:nvSpPr>
+          <p:spPr>
+            <a:xfrm rot="10800000">
+              <a:off x="4935377" y="1779402"/>
+              <a:ext cx="358927" cy="400367"/>
+            </a:xfrm>
+            <a:prstGeom prst="cube">
+              <a:avLst>
+                <a:gd name="adj" fmla="val 28774"/>
+              </a:avLst>
+            </a:prstGeom>
+            <a:grpFill/>
+            <a:ln>
+              <a:solidFill>
+                <a:schemeClr val="tx1"/>
+              </a:solidFill>
+            </a:ln>
+            <a:effectLst/>
+          </p:spPr>
+          <p:style>
+            <a:lnRef idx="1">
+              <a:schemeClr val="accent1"/>
+            </a:lnRef>
+            <a:fillRef idx="3">
+              <a:schemeClr val="accent1"/>
+            </a:fillRef>
+            <a:effectRef idx="2">
+              <a:schemeClr val="accent1"/>
+            </a:effectRef>
+            <a:fontRef idx="minor">
+              <a:schemeClr val="lt1"/>
+            </a:fontRef>
+          </p:style>
+          <p:txBody>
+            <a:bodyPr rtlCol="0" anchor="ctr"/>
+            <a:lstStyle/>
+            <a:p>
+              <a:pPr algn="ctr"/>
+              <a:endParaRPr lang="en-GB"/>
+            </a:p>
+          </p:txBody>
+        </p:sp>
+      </p:grpSp>
+      <p:sp>
+        <p:nvSpPr>
+          <p:cNvPr id="111" name="Cube 110"/>
+          <p:cNvSpPr/>
+          <p:nvPr/>
+        </p:nvSpPr>
+        <p:spPr>
+          <a:xfrm rot="10800000">
+            <a:off x="807015" y="1337120"/>
+            <a:ext cx="889572" cy="992278"/>
+          </a:xfrm>
+          <a:prstGeom prst="cube">
+            <a:avLst>
+              <a:gd name="adj" fmla="val 28774"/>
+            </a:avLst>
+          </a:prstGeom>
+          <a:solidFill>
+            <a:srgbClr val="FF0000"/>
+          </a:solidFill>
+          <a:ln>
+            <a:solidFill>
+              <a:schemeClr val="tx1"/>
+            </a:solidFill>
+          </a:ln>
+          <a:effectLst/>
+        </p:spPr>
+        <p:style>
+          <a:lnRef idx="1">
+            <a:schemeClr val="accent1"/>
+          </a:lnRef>
+          <a:fillRef idx="3">
+            <a:schemeClr val="accent1"/>
+          </a:fillRef>
+          <a:effectRef idx="2">
+            <a:schemeClr val="accent1"/>
+          </a:effectRef>
+          <a:fontRef idx="minor">
+            <a:schemeClr val="lt1"/>
+          </a:fontRef>
+        </p:style>
+        <p:txBody>
+          <a:bodyPr rtlCol="0" anchor="ctr"/>
+          <a:lstStyle/>
+          <a:p>
+            <a:pPr algn="ctr"/>
+            <a:endParaRPr lang="en-GB"/>
+          </a:p>
+        </p:txBody>
+      </p:sp>
+      <p:sp>
+        <p:nvSpPr>
+          <p:cNvPr id="117" name="Cube 116"/>
+          <p:cNvSpPr/>
+          <p:nvPr/>
+        </p:nvSpPr>
+        <p:spPr>
+          <a:xfrm rot="10800000">
+            <a:off x="7446492" y="3051042"/>
+            <a:ext cx="889572" cy="992278"/>
+          </a:xfrm>
+          <a:prstGeom prst="cube">
+            <a:avLst>
+              <a:gd name="adj" fmla="val 28774"/>
+            </a:avLst>
+          </a:prstGeom>
+          <a:solidFill>
+            <a:schemeClr val="accent1"/>
+          </a:solidFill>
+          <a:ln>
+            <a:solidFill>
+              <a:schemeClr val="tx1"/>
+            </a:solidFill>
+          </a:ln>
+          <a:effectLst/>
+        </p:spPr>
+        <p:style>
+          <a:lnRef idx="1">
+            <a:schemeClr val="accent1"/>
+          </a:lnRef>
+          <a:fillRef idx="3">
+            <a:schemeClr val="accent1"/>
+          </a:fillRef>
+          <a:effectRef idx="2">
+            <a:schemeClr val="accent1"/>
+          </a:effectRef>
+          <a:fontRef idx="minor">
+            <a:schemeClr val="lt1"/>
+          </a:fontRef>
+        </p:style>
+        <p:txBody>
+          <a:bodyPr rtlCol="0" anchor="ctr"/>
+          <a:lstStyle/>
+          <a:p>
+            <a:pPr algn="ctr"/>
+            <a:endParaRPr lang="en-GB"/>
+          </a:p>
+        </p:txBody>
+      </p:sp>
+      <p:sp>
+        <p:nvSpPr>
+          <p:cNvPr id="118" name="Cube 117"/>
+          <p:cNvSpPr/>
+          <p:nvPr/>
+        </p:nvSpPr>
+        <p:spPr>
+          <a:xfrm rot="10800000">
+            <a:off x="7446492" y="3789915"/>
+            <a:ext cx="889572" cy="992278"/>
+          </a:xfrm>
+          <a:prstGeom prst="cube">
+            <a:avLst>
+              <a:gd name="adj" fmla="val 28774"/>
+            </a:avLst>
+          </a:prstGeom>
+          <a:solidFill>
+            <a:srgbClr val="FF0000"/>
+          </a:solidFill>
+          <a:ln>
+            <a:solidFill>
+              <a:schemeClr val="tx1"/>
+            </a:solidFill>
+          </a:ln>
+          <a:effectLst/>
+        </p:spPr>
+        <p:style>
+          <a:lnRef idx="1">
+            <a:schemeClr val="accent1"/>
+          </a:lnRef>
+          <a:fillRef idx="3">
+            <a:schemeClr val="accent1"/>
+          </a:fillRef>
+          <a:effectRef idx="2">
+            <a:schemeClr val="accent1"/>
+          </a:effectRef>
+          <a:fontRef idx="minor">
+            <a:schemeClr val="lt1"/>
+          </a:fontRef>
+        </p:style>
+        <p:txBody>
+          <a:bodyPr rtlCol="0" anchor="ctr"/>
+          <a:lstStyle/>
+          <a:p>
+            <a:pPr algn="ctr"/>
+            <a:endParaRPr lang="en-GB"/>
+          </a:p>
+        </p:txBody>
+      </p:sp>
+      <p:sp>
+        <p:nvSpPr>
+          <p:cNvPr id="119" name="Cube 118"/>
+          <p:cNvSpPr/>
+          <p:nvPr/>
+        </p:nvSpPr>
+        <p:spPr>
+          <a:xfrm rot="10800000">
+            <a:off x="6805307" y="3789915"/>
+            <a:ext cx="889572" cy="992278"/>
+          </a:xfrm>
+          <a:prstGeom prst="cube">
+            <a:avLst>
+              <a:gd name="adj" fmla="val 28774"/>
+            </a:avLst>
+          </a:prstGeom>
+          <a:solidFill>
+            <a:schemeClr val="accent6">
+              <a:lumMod val="75000"/>
+            </a:schemeClr>
+          </a:solidFill>
+          <a:ln>
+            <a:solidFill>
+              <a:schemeClr val="tx1"/>
+            </a:solidFill>
+          </a:ln>
+          <a:effectLst/>
+        </p:spPr>
+        <p:style>
+          <a:lnRef idx="1">
+            <a:schemeClr val="accent1"/>
+          </a:lnRef>
+          <a:fillRef idx="3">
+            <a:schemeClr val="accent1"/>
+          </a:fillRef>
+          <a:effectRef idx="2">
+            <a:schemeClr val="accent1"/>
+          </a:effectRef>
+          <a:fontRef idx="minor">
+            <a:schemeClr val="lt1"/>
+          </a:fontRef>
+        </p:style>
+        <p:txBody>
+          <a:bodyPr rtlCol="0" anchor="ctr"/>
+          <a:lstStyle/>
+          <a:p>
+            <a:pPr algn="ctr"/>
+            <a:endParaRPr lang="en-GB"/>
+          </a:p>
+        </p:txBody>
+      </p:sp>
+      <p:sp>
+        <p:nvSpPr>
+          <p:cNvPr id="121" name="Cube 120"/>
+          <p:cNvSpPr/>
+          <p:nvPr/>
+        </p:nvSpPr>
+        <p:spPr>
+          <a:xfrm rot="10800000">
+            <a:off x="6181878" y="3789915"/>
+            <a:ext cx="889572" cy="992278"/>
+          </a:xfrm>
+          <a:prstGeom prst="cube">
+            <a:avLst>
+              <a:gd name="adj" fmla="val 28774"/>
+            </a:avLst>
+          </a:prstGeom>
+          <a:solidFill>
+            <a:schemeClr val="accent1"/>
+          </a:solidFill>
+          <a:ln>
+            <a:solidFill>
+              <a:schemeClr val="tx1"/>
+            </a:solidFill>
+          </a:ln>
+          <a:effectLst/>
+        </p:spPr>
+        <p:style>
+          <a:lnRef idx="1">
+            <a:schemeClr val="accent1"/>
+          </a:lnRef>
+          <a:fillRef idx="3">
+            <a:schemeClr val="accent1"/>
+          </a:fillRef>
+          <a:effectRef idx="2">
+            <a:schemeClr val="accent1"/>
+          </a:effectRef>
+          <a:fontRef idx="minor">
+            <a:schemeClr val="lt1"/>
+          </a:fontRef>
+        </p:style>
+        <p:txBody>
+          <a:bodyPr rtlCol="0" anchor="ctr"/>
+          <a:lstStyle/>
+          <a:p>
+            <a:pPr algn="ctr"/>
+            <a:endParaRPr lang="en-GB"/>
+          </a:p>
+        </p:txBody>
+      </p:sp>
+      <p:sp>
+        <p:nvSpPr>
+          <p:cNvPr id="122" name="Cube 121"/>
+          <p:cNvSpPr/>
+          <p:nvPr/>
+        </p:nvSpPr>
+        <p:spPr>
+          <a:xfrm rot="10800000">
+            <a:off x="7700021" y="2792924"/>
+            <a:ext cx="889572" cy="992278"/>
+          </a:xfrm>
+          <a:prstGeom prst="cube">
+            <a:avLst>
+              <a:gd name="adj" fmla="val 28774"/>
+            </a:avLst>
+          </a:prstGeom>
+          <a:solidFill>
+            <a:srgbClr val="00BA00"/>
+          </a:solidFill>
+          <a:ln>
+            <a:solidFill>
+              <a:schemeClr val="tx1"/>
+            </a:solidFill>
+          </a:ln>
+          <a:effectLst/>
+        </p:spPr>
+        <p:style>
+          <a:lnRef idx="1">
+            <a:schemeClr val="accent1"/>
+          </a:lnRef>
+          <a:fillRef idx="3">
+            <a:schemeClr val="accent1"/>
+          </a:fillRef>
+          <a:effectRef idx="2">
+            <a:schemeClr val="accent1"/>
+          </a:effectRef>
+          <a:fontRef idx="minor">
+            <a:schemeClr val="lt1"/>
+          </a:fontRef>
+        </p:style>
+        <p:txBody>
+          <a:bodyPr rtlCol="0" anchor="ctr"/>
+          <a:lstStyle/>
+          <a:p>
+            <a:pPr algn="ctr"/>
+            <a:endParaRPr lang="en-GB"/>
+          </a:p>
+        </p:txBody>
+      </p:sp>
+      <p:grpSp>
+        <p:nvGrpSpPr>
+          <p:cNvPr id="127" name="Group 126"/>
+          <p:cNvGrpSpPr/>
+          <p:nvPr/>
+        </p:nvGrpSpPr>
+        <p:grpSpPr>
+          <a:xfrm>
+            <a:off x="5558448" y="3311194"/>
+            <a:ext cx="1365836" cy="1472678"/>
+            <a:chOff x="4743213" y="1779402"/>
+            <a:chExt cx="551091" cy="594200"/>
+          </a:xfrm>
+          <a:solidFill>
+            <a:schemeClr val="bg1"/>
+          </a:solidFill>
+        </p:grpSpPr>
+        <p:sp>
+          <p:nvSpPr>
+            <p:cNvPr id="128" name="Cube 127"/>
+            <p:cNvSpPr/>
+            <p:nvPr/>
+          </p:nvSpPr>
+          <p:spPr>
+            <a:xfrm rot="10800000">
+              <a:off x="4743213" y="1973235"/>
+              <a:ext cx="358927" cy="400367"/>
+            </a:xfrm>
+            <a:prstGeom prst="cube">
+              <a:avLst>
+                <a:gd name="adj" fmla="val 28774"/>
+              </a:avLst>
+            </a:prstGeom>
+            <a:grpFill/>
+            <a:ln>
+              <a:solidFill>
+                <a:schemeClr val="tx1"/>
+              </a:solidFill>
+            </a:ln>
+            <a:effectLst/>
+          </p:spPr>
+          <p:style>
+            <a:lnRef idx="1">
+              <a:schemeClr val="accent1"/>
+            </a:lnRef>
+            <a:fillRef idx="3">
+              <a:schemeClr val="accent1"/>
+            </a:fillRef>
+            <a:effectRef idx="2">
+              <a:schemeClr val="accent1"/>
+            </a:effectRef>
+            <a:fontRef idx="minor">
+              <a:schemeClr val="lt1"/>
+            </a:fontRef>
+          </p:style>
+          <p:txBody>
+            <a:bodyPr rtlCol="0" anchor="ctr"/>
+            <a:lstStyle/>
+            <a:p>
+              <a:pPr algn="ctr"/>
+              <a:endParaRPr lang="en-GB"/>
+            </a:p>
+          </p:txBody>
+        </p:sp>
+        <p:sp>
+          <p:nvSpPr>
+            <p:cNvPr id="129" name="Cube 128"/>
+            <p:cNvSpPr/>
+            <p:nvPr/>
+          </p:nvSpPr>
+          <p:spPr>
+            <a:xfrm rot="10800000">
+              <a:off x="4839301" y="1874953"/>
+              <a:ext cx="358927" cy="400367"/>
+            </a:xfrm>
+            <a:prstGeom prst="cube">
+              <a:avLst>
+                <a:gd name="adj" fmla="val 28774"/>
+              </a:avLst>
+            </a:prstGeom>
+            <a:grpFill/>
+            <a:ln>
+              <a:solidFill>
+                <a:schemeClr val="tx1"/>
+              </a:solidFill>
+            </a:ln>
+            <a:effectLst/>
+          </p:spPr>
+          <p:style>
+            <a:lnRef idx="1">
+              <a:schemeClr val="accent1"/>
+            </a:lnRef>
+            <a:fillRef idx="3">
+              <a:schemeClr val="accent1"/>
+            </a:fillRef>
+            <a:effectRef idx="2">
+              <a:schemeClr val="accent1"/>
+            </a:effectRef>
+            <a:fontRef idx="minor">
+              <a:schemeClr val="lt1"/>
+            </a:fontRef>
+          </p:style>
+          <p:txBody>
+            <a:bodyPr rtlCol="0" anchor="ctr"/>
+            <a:lstStyle/>
+            <a:p>
+              <a:pPr algn="ctr"/>
+              <a:endParaRPr lang="en-GB"/>
+            </a:p>
+          </p:txBody>
+        </p:sp>
+        <p:sp>
+          <p:nvSpPr>
+            <p:cNvPr id="130" name="Cube 129"/>
+            <p:cNvSpPr/>
+            <p:nvPr/>
+          </p:nvSpPr>
+          <p:spPr>
+            <a:xfrm rot="10800000">
+              <a:off x="4935377" y="1779402"/>
+              <a:ext cx="358927" cy="400367"/>
+            </a:xfrm>
+            <a:prstGeom prst="cube">
+              <a:avLst>
+                <a:gd name="adj" fmla="val 28774"/>
+              </a:avLst>
+            </a:prstGeom>
+            <a:grpFill/>
+            <a:ln>
+              <a:solidFill>
+                <a:schemeClr val="tx1"/>
+              </a:solidFill>
+            </a:ln>
+            <a:effectLst/>
+          </p:spPr>
+          <p:style>
+            <a:lnRef idx="1">
+              <a:schemeClr val="accent1"/>
+            </a:lnRef>
+            <a:fillRef idx="3">
+              <a:schemeClr val="accent1"/>
+            </a:fillRef>
+            <a:effectRef idx="2">
+              <a:schemeClr val="accent1"/>
+            </a:effectRef>
+            <a:fontRef idx="minor">
+              <a:schemeClr val="lt1"/>
+            </a:fontRef>
+          </p:style>
+          <p:txBody>
+            <a:bodyPr rtlCol="0" anchor="ctr"/>
+            <a:lstStyle/>
+            <a:p>
+              <a:pPr algn="ctr"/>
+              <a:endParaRPr lang="en-GB"/>
+            </a:p>
+          </p:txBody>
+        </p:sp>
+      </p:grpSp>
+      <p:sp>
+        <p:nvSpPr>
+          <p:cNvPr id="33" name="TextBox 32"/>
+          <p:cNvSpPr txBox="1"/>
+          <p:nvPr/>
+        </p:nvSpPr>
+        <p:spPr>
+          <a:xfrm>
+            <a:off x="1651436" y="194664"/>
+            <a:ext cx="1132041" cy="369332"/>
+          </a:xfrm>
+          <a:prstGeom prst="rect">
+            <a:avLst/>
+          </a:prstGeom>
+          <a:noFill/>
+        </p:spPr>
+        <p:txBody>
+          <a:bodyPr wrap="none" rtlCol="0">
+            <a:spAutoFit/>
+          </a:bodyPr>
+          <a:lstStyle/>
+          <a:p>
+            <a:r>
+              <a:rPr lang="en-US" smtClean="0"/>
+              <a:t>Puzzle 1 A</a:t>
+            </a:r>
+            <a:endParaRPr lang="en-US"/>
+          </a:p>
+        </p:txBody>
+      </p:sp>
+      <p:sp>
+        <p:nvSpPr>
+          <p:cNvPr id="132" name="TextBox 131"/>
+          <p:cNvSpPr txBox="1"/>
+          <p:nvPr/>
+        </p:nvSpPr>
+        <p:spPr>
+          <a:xfrm>
+            <a:off x="6564918" y="190947"/>
+            <a:ext cx="1132041" cy="369332"/>
+          </a:xfrm>
+          <a:prstGeom prst="rect">
+            <a:avLst/>
+          </a:prstGeom>
+          <a:noFill/>
+        </p:spPr>
+        <p:txBody>
+          <a:bodyPr wrap="none" rtlCol="0">
+            <a:spAutoFit/>
+          </a:bodyPr>
+          <a:lstStyle/>
+          <a:p>
+            <a:r>
+              <a:rPr lang="en-US" dirty="0" smtClean="0"/>
+              <a:t>Puzzle 1 B</a:t>
+            </a:r>
+            <a:endParaRPr lang="en-US" dirty="0"/>
+          </a:p>
+        </p:txBody>
+      </p:sp>
+      <p:grpSp>
+        <p:nvGrpSpPr>
+          <p:cNvPr id="59" name="Group 58"/>
+          <p:cNvGrpSpPr/>
+          <p:nvPr/>
+        </p:nvGrpSpPr>
+        <p:grpSpPr>
+          <a:xfrm>
+            <a:off x="1234484" y="2583843"/>
+            <a:ext cx="1830415" cy="2200030"/>
+            <a:chOff x="1234484" y="2583843"/>
+            <a:chExt cx="1830415" cy="2200030"/>
+          </a:xfrm>
+        </p:grpSpPr>
+        <p:sp>
+          <p:nvSpPr>
+            <p:cNvPr id="142" name="TextBox 141"/>
+            <p:cNvSpPr txBox="1"/>
+            <p:nvPr/>
+          </p:nvSpPr>
+          <p:spPr>
+            <a:xfrm>
+              <a:off x="1447808" y="4192192"/>
+              <a:ext cx="292068" cy="369332"/>
+            </a:xfrm>
+            <a:prstGeom prst="rect">
+              <a:avLst/>
+            </a:prstGeom>
+            <a:noFill/>
+          </p:spPr>
+          <p:txBody>
+            <a:bodyPr wrap="none" rtlCol="0">
+              <a:spAutoFit/>
+            </a:bodyPr>
+            <a:lstStyle/>
+            <a:p>
+              <a:r>
+                <a:rPr lang="en-US" smtClean="0">
+                  <a:solidFill>
+                    <a:schemeClr val="bg1">
+                      <a:lumMod val="75000"/>
+                    </a:schemeClr>
+                  </a:solidFill>
+                </a:rPr>
+                <a:t>?</a:t>
+              </a:r>
+              <a:endParaRPr lang="en-US">
+                <a:solidFill>
+                  <a:schemeClr val="bg1">
+                    <a:lumMod val="75000"/>
+                  </a:schemeClr>
+                </a:solidFill>
+              </a:endParaRPr>
+            </a:p>
+          </p:txBody>
+        </p:sp>
+        <p:cxnSp>
+          <p:nvCxnSpPr>
+            <p:cNvPr id="138" name="Straight Connector 137"/>
+            <p:cNvCxnSpPr/>
+            <p:nvPr/>
+          </p:nvCxnSpPr>
+          <p:spPr>
+            <a:xfrm>
+              <a:off x="1813284" y="4043320"/>
+              <a:ext cx="0" cy="738874"/>
+            </a:xfrm>
+            <a:prstGeom prst="line">
+              <a:avLst/>
+            </a:prstGeom>
+            <a:ln>
+              <a:solidFill>
+                <a:schemeClr val="tx1"/>
+              </a:solidFill>
+              <a:prstDash val="sysDot"/>
+            </a:ln>
+            <a:effectLst/>
+          </p:spPr>
+          <p:style>
+            <a:lnRef idx="2">
+              <a:schemeClr val="accent1"/>
+            </a:lnRef>
+            <a:fillRef idx="0">
+              <a:schemeClr val="accent1"/>
+            </a:fillRef>
+            <a:effectRef idx="1">
+              <a:schemeClr val="accent1"/>
+            </a:effectRef>
+            <a:fontRef idx="minor">
+              <a:schemeClr val="tx1"/>
+            </a:fontRef>
+          </p:style>
+        </p:cxnSp>
+        <p:cxnSp>
+          <p:nvCxnSpPr>
+            <p:cNvPr id="35" name="Straight Connector 34"/>
+            <p:cNvCxnSpPr/>
+            <p:nvPr/>
+          </p:nvCxnSpPr>
+          <p:spPr>
+            <a:xfrm>
+              <a:off x="2441469" y="2583843"/>
+              <a:ext cx="0" cy="2198351"/>
+            </a:xfrm>
+            <a:prstGeom prst="line">
+              <a:avLst/>
+            </a:prstGeom>
+            <a:ln>
+              <a:solidFill>
+                <a:schemeClr val="tx1"/>
+              </a:solidFill>
+              <a:prstDash val="sysDot"/>
+            </a:ln>
+            <a:effectLst/>
+          </p:spPr>
+          <p:style>
+            <a:lnRef idx="2">
+              <a:schemeClr val="accent1"/>
+            </a:lnRef>
+            <a:fillRef idx="0">
+              <a:schemeClr val="accent1"/>
+            </a:fillRef>
+            <a:effectRef idx="1">
+              <a:schemeClr val="accent1"/>
+            </a:effectRef>
+            <a:fontRef idx="minor">
+              <a:schemeClr val="tx1"/>
+            </a:fontRef>
+          </p:style>
+        </p:cxnSp>
+        <p:cxnSp>
+          <p:nvCxnSpPr>
+            <p:cNvPr id="133" name="Straight Connector 132"/>
+            <p:cNvCxnSpPr/>
+            <p:nvPr/>
+          </p:nvCxnSpPr>
+          <p:spPr>
+            <a:xfrm>
+              <a:off x="1930763" y="4049904"/>
+              <a:ext cx="1134136" cy="0"/>
+            </a:xfrm>
+            <a:prstGeom prst="line">
+              <a:avLst/>
+            </a:prstGeom>
+            <a:ln>
+              <a:solidFill>
+                <a:schemeClr val="tx1"/>
+              </a:solidFill>
+              <a:prstDash val="sysDot"/>
+            </a:ln>
+            <a:effectLst/>
+          </p:spPr>
+          <p:style>
+            <a:lnRef idx="2">
+              <a:schemeClr val="accent1"/>
+            </a:lnRef>
+            <a:fillRef idx="0">
+              <a:schemeClr val="accent1"/>
+            </a:fillRef>
+            <a:effectRef idx="1">
+              <a:schemeClr val="accent1"/>
+            </a:effectRef>
+            <a:fontRef idx="minor">
+              <a:schemeClr val="tx1"/>
+            </a:fontRef>
+          </p:style>
+        </p:cxnSp>
+        <p:cxnSp>
+          <p:nvCxnSpPr>
+            <p:cNvPr id="134" name="Straight Connector 133"/>
+            <p:cNvCxnSpPr/>
+            <p:nvPr/>
+          </p:nvCxnSpPr>
+          <p:spPr>
+            <a:xfrm>
+              <a:off x="3064899" y="2587560"/>
+              <a:ext cx="0" cy="2194634"/>
+            </a:xfrm>
+            <a:prstGeom prst="line">
+              <a:avLst/>
+            </a:prstGeom>
+            <a:ln>
+              <a:solidFill>
+                <a:schemeClr val="tx1"/>
+              </a:solidFill>
+              <a:prstDash val="sysDot"/>
+            </a:ln>
+            <a:effectLst/>
+          </p:spPr>
+          <p:style>
+            <a:lnRef idx="2">
+              <a:schemeClr val="accent1"/>
+            </a:lnRef>
+            <a:fillRef idx="0">
+              <a:schemeClr val="accent1"/>
+            </a:fillRef>
+            <a:effectRef idx="1">
+              <a:schemeClr val="accent1"/>
+            </a:effectRef>
+            <a:fontRef idx="minor">
+              <a:schemeClr val="tx1"/>
+            </a:fontRef>
+          </p:style>
+        </p:cxnSp>
+        <p:cxnSp>
+          <p:nvCxnSpPr>
+            <p:cNvPr id="135" name="Straight Connector 134"/>
+            <p:cNvCxnSpPr/>
+            <p:nvPr/>
+          </p:nvCxnSpPr>
+          <p:spPr>
+            <a:xfrm>
+              <a:off x="1234484" y="4783873"/>
+              <a:ext cx="1830415" cy="0"/>
+            </a:xfrm>
+            <a:prstGeom prst="line">
+              <a:avLst/>
+            </a:prstGeom>
+            <a:ln>
+              <a:solidFill>
+                <a:schemeClr val="tx1"/>
+              </a:solidFill>
+              <a:prstDash val="sysDot"/>
+            </a:ln>
+            <a:effectLst/>
+          </p:spPr>
+          <p:style>
+            <a:lnRef idx="2">
+              <a:schemeClr val="accent1"/>
+            </a:lnRef>
+            <a:fillRef idx="0">
+              <a:schemeClr val="accent1"/>
+            </a:fillRef>
+            <a:effectRef idx="1">
+              <a:schemeClr val="accent1"/>
+            </a:effectRef>
+            <a:fontRef idx="minor">
+              <a:schemeClr val="tx1"/>
+            </a:fontRef>
+          </p:style>
+        </p:cxnSp>
+        <p:cxnSp>
+          <p:nvCxnSpPr>
+            <p:cNvPr id="137" name="Straight Connector 136"/>
+            <p:cNvCxnSpPr/>
+            <p:nvPr/>
+          </p:nvCxnSpPr>
+          <p:spPr>
+            <a:xfrm>
+              <a:off x="2441469" y="3318798"/>
+              <a:ext cx="623430" cy="0"/>
+            </a:xfrm>
+            <a:prstGeom prst="line">
+              <a:avLst/>
+            </a:prstGeom>
+            <a:ln>
+              <a:solidFill>
+                <a:schemeClr val="tx1"/>
+              </a:solidFill>
+              <a:prstDash val="sysDot"/>
+            </a:ln>
+            <a:effectLst/>
+          </p:spPr>
+          <p:style>
+            <a:lnRef idx="2">
+              <a:schemeClr val="accent1"/>
+            </a:lnRef>
+            <a:fillRef idx="0">
+              <a:schemeClr val="accent1"/>
+            </a:fillRef>
+            <a:effectRef idx="1">
+              <a:schemeClr val="accent1"/>
+            </a:effectRef>
+            <a:fontRef idx="minor">
+              <a:schemeClr val="tx1"/>
+            </a:fontRef>
+          </p:style>
+        </p:cxnSp>
+        <p:sp>
+          <p:nvSpPr>
+            <p:cNvPr id="54" name="TextBox 53"/>
+            <p:cNvSpPr txBox="1"/>
+            <p:nvPr/>
+          </p:nvSpPr>
+          <p:spPr>
+            <a:xfrm>
+              <a:off x="2610085" y="2759321"/>
+              <a:ext cx="292068" cy="369332"/>
+            </a:xfrm>
+            <a:prstGeom prst="rect">
+              <a:avLst/>
+            </a:prstGeom>
+            <a:noFill/>
+          </p:spPr>
+          <p:txBody>
+            <a:bodyPr wrap="none" rtlCol="0">
+              <a:spAutoFit/>
+            </a:bodyPr>
+            <a:lstStyle/>
+            <a:p>
+              <a:r>
+                <a:rPr lang="en-US" dirty="0" smtClean="0">
+                  <a:solidFill>
+                    <a:schemeClr val="bg1">
+                      <a:lumMod val="75000"/>
+                    </a:schemeClr>
+                  </a:solidFill>
+                </a:rPr>
+                <a:t>?</a:t>
+              </a:r>
+              <a:endParaRPr lang="en-US" dirty="0">
+                <a:solidFill>
+                  <a:schemeClr val="bg1">
+                    <a:lumMod val="75000"/>
+                  </a:schemeClr>
+                </a:solidFill>
+              </a:endParaRPr>
+            </a:p>
+          </p:txBody>
+        </p:sp>
+        <p:sp>
+          <p:nvSpPr>
+            <p:cNvPr id="139" name="TextBox 138"/>
+            <p:cNvSpPr txBox="1"/>
+            <p:nvPr/>
+          </p:nvSpPr>
+          <p:spPr>
+            <a:xfrm>
+              <a:off x="2606946" y="3490426"/>
+              <a:ext cx="292068" cy="369332"/>
+            </a:xfrm>
+            <a:prstGeom prst="rect">
+              <a:avLst/>
+            </a:prstGeom>
+            <a:noFill/>
+          </p:spPr>
+          <p:txBody>
+            <a:bodyPr wrap="none" rtlCol="0">
+              <a:spAutoFit/>
+            </a:bodyPr>
+            <a:lstStyle/>
+            <a:p>
+              <a:r>
+                <a:rPr lang="en-US" smtClean="0">
+                  <a:solidFill>
+                    <a:schemeClr val="bg1">
+                      <a:lumMod val="75000"/>
+                    </a:schemeClr>
+                  </a:solidFill>
+                </a:rPr>
+                <a:t>?</a:t>
+              </a:r>
+              <a:endParaRPr lang="en-US">
+                <a:solidFill>
+                  <a:schemeClr val="bg1">
+                    <a:lumMod val="75000"/>
+                  </a:schemeClr>
+                </a:solidFill>
+              </a:endParaRPr>
+            </a:p>
+          </p:txBody>
+        </p:sp>
+        <p:sp>
+          <p:nvSpPr>
+            <p:cNvPr id="140" name="TextBox 139"/>
+            <p:cNvSpPr txBox="1"/>
+            <p:nvPr/>
+          </p:nvSpPr>
+          <p:spPr>
+            <a:xfrm>
+              <a:off x="2606562" y="4176539"/>
+              <a:ext cx="292068" cy="369332"/>
+            </a:xfrm>
+            <a:prstGeom prst="rect">
+              <a:avLst/>
+            </a:prstGeom>
+            <a:noFill/>
+          </p:spPr>
+          <p:txBody>
+            <a:bodyPr wrap="none" rtlCol="0">
+              <a:spAutoFit/>
+            </a:bodyPr>
+            <a:lstStyle/>
+            <a:p>
+              <a:r>
+                <a:rPr lang="en-US" smtClean="0">
+                  <a:solidFill>
+                    <a:schemeClr val="bg1">
+                      <a:lumMod val="75000"/>
+                    </a:schemeClr>
+                  </a:solidFill>
+                </a:rPr>
+                <a:t>?</a:t>
+              </a:r>
+              <a:endParaRPr lang="en-US">
+                <a:solidFill>
+                  <a:schemeClr val="bg1">
+                    <a:lumMod val="75000"/>
+                  </a:schemeClr>
+                </a:solidFill>
+              </a:endParaRPr>
+            </a:p>
+          </p:txBody>
+        </p:sp>
+        <p:sp>
+          <p:nvSpPr>
+            <p:cNvPr id="141" name="TextBox 140"/>
+            <p:cNvSpPr txBox="1"/>
+            <p:nvPr/>
+          </p:nvSpPr>
+          <p:spPr>
+            <a:xfrm>
+              <a:off x="1997479" y="4180550"/>
+              <a:ext cx="292068" cy="369332"/>
+            </a:xfrm>
+            <a:prstGeom prst="rect">
+              <a:avLst/>
+            </a:prstGeom>
+            <a:noFill/>
+          </p:spPr>
+          <p:txBody>
+            <a:bodyPr wrap="none" rtlCol="0">
+              <a:spAutoFit/>
+            </a:bodyPr>
+            <a:lstStyle/>
+            <a:p>
+              <a:r>
+                <a:rPr lang="en-US" dirty="0" smtClean="0">
+                  <a:solidFill>
+                    <a:schemeClr val="bg1">
+                      <a:lumMod val="75000"/>
+                    </a:schemeClr>
+                  </a:solidFill>
+                </a:rPr>
+                <a:t>?</a:t>
+              </a:r>
+              <a:endParaRPr lang="en-US" dirty="0">
+                <a:solidFill>
+                  <a:schemeClr val="bg1">
+                    <a:lumMod val="75000"/>
+                  </a:schemeClr>
+                </a:solidFill>
+              </a:endParaRPr>
+            </a:p>
+          </p:txBody>
+        </p:sp>
+      </p:grpSp>
       <p:grpSp>
         <p:nvGrpSpPr>
           <p:cNvPr id="154" name="Group 153"/>
@@ -4927,6 +5372,12 @@
             <a:chOff x="2386609" y="1079500"/>
             <a:chExt cx="1404913" cy="1509195"/>
           </a:xfrm>
+          <a:solidFill>
+            <a:schemeClr val="tx1">
+              <a:lumMod val="85000"/>
+              <a:lumOff val="15000"/>
+            </a:schemeClr>
+          </a:solidFill>
         </p:grpSpPr>
         <p:sp>
           <p:nvSpPr>
@@ -4944,12 +5395,7 @@
                 <a:gd name="adj" fmla="val 28774"/>
               </a:avLst>
             </a:prstGeom>
-            <a:solidFill>
-              <a:schemeClr val="tx2">
-                <a:lumMod val="60000"/>
-                <a:lumOff val="40000"/>
-              </a:schemeClr>
-            </a:solidFill>
+            <a:grpFill/>
             <a:ln>
               <a:solidFill>
                 <a:schemeClr val="tx1"/>
@@ -4996,12 +5442,7 @@
                 <a:gd name="adj" fmla="val 28774"/>
               </a:avLst>
             </a:prstGeom>
-            <a:solidFill>
-              <a:schemeClr val="tx2">
-                <a:lumMod val="60000"/>
-                <a:lumOff val="40000"/>
-              </a:schemeClr>
-            </a:solidFill>
+            <a:grpFill/>
             <a:ln>
               <a:solidFill>
                 <a:schemeClr val="tx1"/>
@@ -5048,12 +5489,7 @@
                 <a:gd name="adj" fmla="val 28774"/>
               </a:avLst>
             </a:prstGeom>
-            <a:solidFill>
-              <a:schemeClr val="tx2">
-                <a:lumMod val="60000"/>
-                <a:lumOff val="40000"/>
-              </a:schemeClr>
-            </a:solidFill>
+            <a:grpFill/>
             <a:ln>
               <a:solidFill>
                 <a:schemeClr val="tx1"/>
@@ -6199,6 +6635,12 @@
             <a:chOff x="2386609" y="1079500"/>
             <a:chExt cx="1404913" cy="1509195"/>
           </a:xfrm>
+          <a:solidFill>
+            <a:schemeClr val="tx1">
+              <a:lumMod val="85000"/>
+              <a:lumOff val="15000"/>
+            </a:schemeClr>
+          </a:solidFill>
         </p:grpSpPr>
         <p:sp>
           <p:nvSpPr>
@@ -6216,12 +6658,7 @@
                 <a:gd name="adj" fmla="val 28774"/>
               </a:avLst>
             </a:prstGeom>
-            <a:solidFill>
-              <a:schemeClr val="tx2">
-                <a:lumMod val="60000"/>
-                <a:lumOff val="40000"/>
-              </a:schemeClr>
-            </a:solidFill>
+            <a:grpFill/>
             <a:ln>
               <a:solidFill>
                 <a:schemeClr val="tx1"/>
@@ -6268,12 +6705,7 @@
                 <a:gd name="adj" fmla="val 28774"/>
               </a:avLst>
             </a:prstGeom>
-            <a:solidFill>
-              <a:schemeClr val="tx2">
-                <a:lumMod val="60000"/>
-                <a:lumOff val="40000"/>
-              </a:schemeClr>
-            </a:solidFill>
+            <a:grpFill/>
             <a:ln>
               <a:solidFill>
                 <a:schemeClr val="tx1"/>
@@ -6320,12 +6752,7 @@
                 <a:gd name="adj" fmla="val 28774"/>
               </a:avLst>
             </a:prstGeom>
-            <a:solidFill>
-              <a:schemeClr val="tx2">
-                <a:lumMod val="60000"/>
-                <a:lumOff val="40000"/>
-              </a:schemeClr>
-            </a:solidFill>
+            <a:grpFill/>
             <a:ln>
               <a:solidFill>
                 <a:schemeClr val="tx1"/>
@@ -6370,6 +6797,12 @@
             <a:chOff x="2386609" y="1079500"/>
             <a:chExt cx="1404913" cy="1509195"/>
           </a:xfrm>
+          <a:solidFill>
+            <a:schemeClr val="tx1">
+              <a:lumMod val="85000"/>
+              <a:lumOff val="15000"/>
+            </a:schemeClr>
+          </a:solidFill>
         </p:grpSpPr>
         <p:sp>
           <p:nvSpPr>
@@ -6387,12 +6820,7 @@
                 <a:gd name="adj" fmla="val 28774"/>
               </a:avLst>
             </a:prstGeom>
-            <a:solidFill>
-              <a:schemeClr val="tx2">
-                <a:lumMod val="60000"/>
-                <a:lumOff val="40000"/>
-              </a:schemeClr>
-            </a:solidFill>
+            <a:grpFill/>
             <a:ln>
               <a:solidFill>
                 <a:schemeClr val="tx1"/>
@@ -6439,12 +6867,7 @@
                 <a:gd name="adj" fmla="val 28774"/>
               </a:avLst>
             </a:prstGeom>
-            <a:solidFill>
-              <a:schemeClr val="tx2">
-                <a:lumMod val="60000"/>
-                <a:lumOff val="40000"/>
-              </a:schemeClr>
-            </a:solidFill>
+            <a:grpFill/>
             <a:ln>
               <a:solidFill>
                 <a:schemeClr val="tx1"/>
@@ -6491,12 +6914,7 @@
                 <a:gd name="adj" fmla="val 28774"/>
               </a:avLst>
             </a:prstGeom>
-            <a:solidFill>
-              <a:schemeClr val="tx2">
-                <a:lumMod val="60000"/>
-                <a:lumOff val="40000"/>
-              </a:schemeClr>
-            </a:solidFill>
+            <a:grpFill/>
             <a:ln>
               <a:solidFill>
                 <a:schemeClr val="tx1"/>
@@ -6545,9 +6963,7 @@
             </a:avLst>
           </a:prstGeom>
           <a:solidFill>
-            <a:schemeClr val="bg1">
-              <a:lumMod val="50000"/>
-            </a:schemeClr>
+            <a:schemeClr val="accent1"/>
           </a:solidFill>
           <a:ln>
             <a:solidFill>
@@ -6694,7 +7110,7 @@
             </a:avLst>
           </a:prstGeom>
           <a:solidFill>
-            <a:schemeClr val="bg1"/>
+            <a:srgbClr val="00BF02"/>
           </a:solidFill>
           <a:ln>
             <a:solidFill>
@@ -6739,6 +7155,9 @@
             <a:chOff x="4743213" y="1779402"/>
             <a:chExt cx="551091" cy="594200"/>
           </a:xfrm>
+          <a:solidFill>
+            <a:schemeClr val="bg1"/>
+          </a:solidFill>
         </p:grpSpPr>
         <p:sp>
           <p:nvSpPr>
@@ -6756,9 +7175,7 @@
                 <a:gd name="adj" fmla="val 28774"/>
               </a:avLst>
             </a:prstGeom>
-            <a:solidFill>
-              <a:schemeClr val="accent6"/>
-            </a:solidFill>
+            <a:grpFill/>
             <a:ln>
               <a:solidFill>
                 <a:schemeClr val="tx1"/>
@@ -6805,9 +7222,7 @@
                 <a:gd name="adj" fmla="val 28774"/>
               </a:avLst>
             </a:prstGeom>
-            <a:solidFill>
-              <a:schemeClr val="accent6"/>
-            </a:solidFill>
+            <a:grpFill/>
             <a:ln>
               <a:solidFill>
                 <a:schemeClr val="tx1"/>
@@ -6854,9 +7269,7 @@
                 <a:gd name="adj" fmla="val 28774"/>
               </a:avLst>
             </a:prstGeom>
-            <a:solidFill>
-              <a:schemeClr val="accent6"/>
-            </a:solidFill>
+            <a:grpFill/>
             <a:ln>
               <a:solidFill>
                 <a:schemeClr val="tx1"/>
@@ -6905,7 +7318,9 @@
             </a:avLst>
           </a:prstGeom>
           <a:solidFill>
-            <a:srgbClr val="733604"/>
+            <a:schemeClr val="accent6">
+              <a:lumMod val="75000"/>
+            </a:schemeClr>
           </a:solidFill>
           <a:ln>
             <a:solidFill>
@@ -6954,7 +7369,9 @@
             </a:avLst>
           </a:prstGeom>
           <a:solidFill>
-            <a:srgbClr val="733604"/>
+            <a:schemeClr val="accent6">
+              <a:lumMod val="75000"/>
+            </a:schemeClr>
           </a:solidFill>
           <a:ln>
             <a:solidFill>
@@ -7063,7 +7480,9 @@
             </a:avLst>
           </a:prstGeom>
           <a:solidFill>
-            <a:srgbClr val="733604"/>
+            <a:schemeClr val="accent6">
+              <a:lumMod val="75000"/>
+            </a:schemeClr>
           </a:solidFill>
           <a:ln>
             <a:solidFill>
@@ -7112,7 +7531,7 @@
             </a:avLst>
           </a:prstGeom>
           <a:solidFill>
-            <a:schemeClr val="bg1"/>
+            <a:srgbClr val="00BF02"/>
           </a:solidFill>
           <a:ln>
             <a:solidFill>
@@ -7161,9 +7580,7 @@
             </a:avLst>
           </a:prstGeom>
           <a:solidFill>
-            <a:schemeClr val="bg1">
-              <a:lumMod val="50000"/>
-            </a:schemeClr>
+            <a:schemeClr val="accent1"/>
           </a:solidFill>
           <a:ln>
             <a:solidFill>
@@ -7261,7 +7678,9 @@
             </a:avLst>
           </a:prstGeom>
           <a:solidFill>
-            <a:srgbClr val="733604"/>
+            <a:schemeClr val="accent6">
+              <a:lumMod val="75000"/>
+            </a:schemeClr>
           </a:solidFill>
           <a:ln>
             <a:solidFill>
@@ -7306,6 +7725,9 @@
             <a:chOff x="4743213" y="1779402"/>
             <a:chExt cx="551091" cy="594200"/>
           </a:xfrm>
+          <a:solidFill>
+            <a:schemeClr val="bg1"/>
+          </a:solidFill>
         </p:grpSpPr>
         <p:sp>
           <p:nvSpPr>
@@ -7323,9 +7745,7 @@
                 <a:gd name="adj" fmla="val 28774"/>
               </a:avLst>
             </a:prstGeom>
-            <a:solidFill>
-              <a:schemeClr val="accent6"/>
-            </a:solidFill>
+            <a:grpFill/>
             <a:ln>
               <a:solidFill>
                 <a:schemeClr val="tx1"/>
@@ -7372,9 +7792,7 @@
                 <a:gd name="adj" fmla="val 28774"/>
               </a:avLst>
             </a:prstGeom>
-            <a:solidFill>
-              <a:schemeClr val="accent6"/>
-            </a:solidFill>
+            <a:grpFill/>
             <a:ln>
               <a:solidFill>
                 <a:schemeClr val="tx1"/>
@@ -7421,9 +7839,7 @@
                 <a:gd name="adj" fmla="val 28774"/>
               </a:avLst>
             </a:prstGeom>
-            <a:solidFill>
-              <a:schemeClr val="accent6"/>
-            </a:solidFill>
+            <a:grpFill/>
             <a:ln>
               <a:solidFill>
                 <a:schemeClr val="tx1"/>
@@ -7472,7 +7888,7 @@
             </a:avLst>
           </a:prstGeom>
           <a:solidFill>
-            <a:schemeClr val="bg1"/>
+            <a:srgbClr val="00BF02"/>
           </a:solidFill>
           <a:ln>
             <a:solidFill>
@@ -8456,6 +8872,12 @@
             <a:chOff x="2386609" y="1079500"/>
             <a:chExt cx="1404913" cy="1509195"/>
           </a:xfrm>
+          <a:solidFill>
+            <a:schemeClr val="tx1">
+              <a:lumMod val="85000"/>
+              <a:lumOff val="15000"/>
+            </a:schemeClr>
+          </a:solidFill>
         </p:grpSpPr>
         <p:sp>
           <p:nvSpPr>
@@ -8473,12 +8895,7 @@
                 <a:gd name="adj" fmla="val 28774"/>
               </a:avLst>
             </a:prstGeom>
-            <a:solidFill>
-              <a:schemeClr val="tx2">
-                <a:lumMod val="60000"/>
-                <a:lumOff val="40000"/>
-              </a:schemeClr>
-            </a:solidFill>
+            <a:grpFill/>
             <a:ln>
               <a:solidFill>
                 <a:schemeClr val="tx1"/>
@@ -8525,12 +8942,7 @@
                 <a:gd name="adj" fmla="val 28774"/>
               </a:avLst>
             </a:prstGeom>
-            <a:solidFill>
-              <a:schemeClr val="tx2">
-                <a:lumMod val="60000"/>
-                <a:lumOff val="40000"/>
-              </a:schemeClr>
-            </a:solidFill>
+            <a:grpFill/>
             <a:ln>
               <a:solidFill>
                 <a:schemeClr val="tx1"/>
@@ -8577,12 +8989,7 @@
                 <a:gd name="adj" fmla="val 28774"/>
               </a:avLst>
             </a:prstGeom>
-            <a:solidFill>
-              <a:schemeClr val="tx2">
-                <a:lumMod val="60000"/>
-                <a:lumOff val="40000"/>
-              </a:schemeClr>
-            </a:solidFill>
+            <a:grpFill/>
             <a:ln>
               <a:solidFill>
                 <a:schemeClr val="tx1"/>
@@ -8627,6 +9034,12 @@
             <a:chOff x="2386609" y="1086934"/>
             <a:chExt cx="1404913" cy="1501761"/>
           </a:xfrm>
+          <a:solidFill>
+            <a:schemeClr val="tx1">
+              <a:lumMod val="85000"/>
+              <a:lumOff val="15000"/>
+            </a:schemeClr>
+          </a:solidFill>
         </p:grpSpPr>
         <p:sp>
           <p:nvSpPr>
@@ -8644,12 +9057,7 @@
                 <a:gd name="adj" fmla="val 28774"/>
               </a:avLst>
             </a:prstGeom>
-            <a:solidFill>
-              <a:schemeClr val="tx2">
-                <a:lumMod val="60000"/>
-                <a:lumOff val="40000"/>
-              </a:schemeClr>
-            </a:solidFill>
+            <a:grpFill/>
             <a:ln>
               <a:solidFill>
                 <a:schemeClr val="tx1"/>
@@ -8696,12 +9104,7 @@
                 <a:gd name="adj" fmla="val 28774"/>
               </a:avLst>
             </a:prstGeom>
-            <a:solidFill>
-              <a:schemeClr val="tx2">
-                <a:lumMod val="60000"/>
-                <a:lumOff val="40000"/>
-              </a:schemeClr>
-            </a:solidFill>
+            <a:grpFill/>
             <a:ln>
               <a:solidFill>
                 <a:schemeClr val="tx1"/>
@@ -8748,12 +9151,7 @@
                 <a:gd name="adj" fmla="val 28774"/>
               </a:avLst>
             </a:prstGeom>
-            <a:solidFill>
-              <a:schemeClr val="tx2">
-                <a:lumMod val="60000"/>
-                <a:lumOff val="40000"/>
-              </a:schemeClr>
-            </a:solidFill>
+            <a:grpFill/>
             <a:ln>
               <a:solidFill>
                 <a:schemeClr val="tx1"/>
@@ -8851,7 +9249,9 @@
             </a:avLst>
           </a:prstGeom>
           <a:solidFill>
-            <a:srgbClr val="733604"/>
+            <a:schemeClr val="accent6">
+              <a:lumMod val="75000"/>
+            </a:schemeClr>
           </a:solidFill>
           <a:ln>
             <a:solidFill>
@@ -8900,9 +9300,7 @@
             </a:avLst>
           </a:prstGeom>
           <a:solidFill>
-            <a:schemeClr val="bg1">
-              <a:lumMod val="50000"/>
-            </a:schemeClr>
+            <a:schemeClr val="accent1"/>
           </a:solidFill>
           <a:ln>
             <a:solidFill>
@@ -9000,10 +9398,7 @@
             </a:avLst>
           </a:prstGeom>
           <a:solidFill>
-            <a:schemeClr val="tx1">
-              <a:lumMod val="50000"/>
-              <a:lumOff val="50000"/>
-            </a:schemeClr>
+            <a:schemeClr val="accent1"/>
           </a:solidFill>
           <a:ln>
             <a:solidFill>
@@ -9048,6 +9443,9 @@
             <a:chOff x="4743213" y="1779402"/>
             <a:chExt cx="551091" cy="594200"/>
           </a:xfrm>
+          <a:solidFill>
+            <a:schemeClr val="bg1"/>
+          </a:solidFill>
         </p:grpSpPr>
         <p:sp>
           <p:nvSpPr>
@@ -9065,9 +9463,7 @@
                 <a:gd name="adj" fmla="val 28774"/>
               </a:avLst>
             </a:prstGeom>
-            <a:solidFill>
-              <a:schemeClr val="accent6"/>
-            </a:solidFill>
+            <a:grpFill/>
             <a:ln>
               <a:solidFill>
                 <a:schemeClr val="tx1"/>
@@ -9114,9 +9510,7 @@
                 <a:gd name="adj" fmla="val 28774"/>
               </a:avLst>
             </a:prstGeom>
-            <a:solidFill>
-              <a:schemeClr val="accent6"/>
-            </a:solidFill>
+            <a:grpFill/>
             <a:ln>
               <a:solidFill>
                 <a:schemeClr val="tx1"/>
@@ -9163,9 +9557,7 @@
                 <a:gd name="adj" fmla="val 28774"/>
               </a:avLst>
             </a:prstGeom>
-            <a:solidFill>
-              <a:schemeClr val="accent6"/>
-            </a:solidFill>
+            <a:grpFill/>
             <a:ln>
               <a:solidFill>
                 <a:schemeClr val="tx1"/>
@@ -9214,7 +9606,7 @@
             </a:avLst>
           </a:prstGeom>
           <a:solidFill>
-            <a:schemeClr val="bg1"/>
+            <a:srgbClr val="00BF02"/>
           </a:solidFill>
           <a:ln>
             <a:solidFill>
@@ -9263,8 +9655,117 @@
             </a:avLst>
           </a:prstGeom>
           <a:solidFill>
-            <a:schemeClr val="bg1">
-              <a:lumMod val="50000"/>
+            <a:schemeClr val="accent1"/>
+          </a:solidFill>
+          <a:ln>
+            <a:solidFill>
+              <a:schemeClr val="tx1"/>
+            </a:solidFill>
+          </a:ln>
+          <a:effectLst/>
+        </p:spPr>
+        <p:style>
+          <a:lnRef idx="1">
+            <a:schemeClr val="accent1"/>
+          </a:lnRef>
+          <a:fillRef idx="3">
+            <a:schemeClr val="accent1"/>
+          </a:fillRef>
+          <a:effectRef idx="2">
+            <a:schemeClr val="accent1"/>
+          </a:effectRef>
+          <a:fontRef idx="minor">
+            <a:schemeClr val="lt1"/>
+          </a:fontRef>
+        </p:style>
+        <p:txBody>
+          <a:bodyPr rtlCol="0" anchor="ctr"/>
+          <a:lstStyle/>
+          <a:p>
+            <a:pPr algn="ctr"/>
+            <a:endParaRPr lang="en-GB"/>
+          </a:p>
+        </p:txBody>
+      </p:sp>
+      <p:sp>
+        <p:nvSpPr>
+          <p:cNvPr id="30" name="TextBox 29"/>
+          <p:cNvSpPr txBox="1"/>
+          <p:nvPr/>
+        </p:nvSpPr>
+        <p:spPr>
+          <a:xfrm>
+            <a:off x="1651436" y="194664"/>
+            <a:ext cx="1132041" cy="369332"/>
+          </a:xfrm>
+          <a:prstGeom prst="rect">
+            <a:avLst/>
+          </a:prstGeom>
+          <a:noFill/>
+        </p:spPr>
+        <p:txBody>
+          <a:bodyPr wrap="none" rtlCol="0">
+            <a:spAutoFit/>
+          </a:bodyPr>
+          <a:lstStyle/>
+          <a:p>
+            <a:r>
+              <a:rPr lang="en-US" dirty="0" smtClean="0"/>
+              <a:t>Puzzle 3 A</a:t>
+            </a:r>
+            <a:endParaRPr lang="en-US" dirty="0"/>
+          </a:p>
+        </p:txBody>
+      </p:sp>
+      <p:sp>
+        <p:nvSpPr>
+          <p:cNvPr id="31" name="TextBox 30"/>
+          <p:cNvSpPr txBox="1"/>
+          <p:nvPr/>
+        </p:nvSpPr>
+        <p:spPr>
+          <a:xfrm>
+            <a:off x="6564918" y="190947"/>
+            <a:ext cx="1132041" cy="369332"/>
+          </a:xfrm>
+          <a:prstGeom prst="rect">
+            <a:avLst/>
+          </a:prstGeom>
+          <a:noFill/>
+        </p:spPr>
+        <p:txBody>
+          <a:bodyPr wrap="none" rtlCol="0">
+            <a:spAutoFit/>
+          </a:bodyPr>
+          <a:lstStyle/>
+          <a:p>
+            <a:r>
+              <a:rPr lang="en-US" dirty="0" smtClean="0"/>
+              <a:t>Puzzle 3 B</a:t>
+            </a:r>
+            <a:endParaRPr lang="en-US" dirty="0"/>
+          </a:p>
+        </p:txBody>
+      </p:sp>
+      <p:sp>
+        <p:nvSpPr>
+          <p:cNvPr id="37" name="Cube 36"/>
+          <p:cNvSpPr/>
+          <p:nvPr/>
+        </p:nvSpPr>
+        <p:spPr>
+          <a:xfrm rot="10800000">
+            <a:off x="7334981" y="2388641"/>
+            <a:ext cx="889572" cy="992278"/>
+          </a:xfrm>
+          <a:prstGeom prst="cube">
+            <a:avLst>
+              <a:gd name="adj" fmla="val 28774"/>
+            </a:avLst>
+          </a:prstGeom>
+          <a:solidFill>
+            <a:schemeClr val="accent6">
+              <a:lumMod val="75000"/>
             </a:schemeClr>
           </a:solidFill>
           <a:ln>
@@ -9299,73 +9800,13 @@
       </p:sp>
       <p:sp>
         <p:nvSpPr>
-          <p:cNvPr id="30" name="TextBox 29"/>
-          <p:cNvSpPr txBox="1"/>
-          <p:nvPr/>
-        </p:nvSpPr>
-        <p:spPr>
-          <a:xfrm>
-            <a:off x="1651436" y="194664"/>
-            <a:ext cx="1132041" cy="369332"/>
-          </a:xfrm>
-          <a:prstGeom prst="rect">
-            <a:avLst/>
-          </a:prstGeom>
-          <a:noFill/>
-        </p:spPr>
-        <p:txBody>
-          <a:bodyPr wrap="none" rtlCol="0">
-            <a:spAutoFit/>
-          </a:bodyPr>
-          <a:lstStyle/>
-          <a:p>
-            <a:r>
-              <a:rPr lang="en-US" dirty="0" smtClean="0"/>
-              <a:t>Puzzle 3 A</a:t>
-            </a:r>
-            <a:endParaRPr lang="en-US" dirty="0"/>
-          </a:p>
-        </p:txBody>
-      </p:sp>
-      <p:sp>
-        <p:nvSpPr>
-          <p:cNvPr id="31" name="TextBox 30"/>
-          <p:cNvSpPr txBox="1"/>
-          <p:nvPr/>
-        </p:nvSpPr>
-        <p:spPr>
-          <a:xfrm>
-            <a:off x="6564918" y="190947"/>
-            <a:ext cx="1132041" cy="369332"/>
-          </a:xfrm>
-          <a:prstGeom prst="rect">
-            <a:avLst/>
-          </a:prstGeom>
-          <a:noFill/>
-        </p:spPr>
-        <p:txBody>
-          <a:bodyPr wrap="none" rtlCol="0">
-            <a:spAutoFit/>
-          </a:bodyPr>
-          <a:lstStyle/>
-          <a:p>
-            <a:r>
-              <a:rPr lang="en-US" dirty="0" smtClean="0"/>
-              <a:t>Puzzle 3 B</a:t>
-            </a:r>
-            <a:endParaRPr lang="en-US" dirty="0"/>
-          </a:p>
-        </p:txBody>
-      </p:sp>
-      <p:sp>
-        <p:nvSpPr>
-          <p:cNvPr id="37" name="Cube 36"/>
+          <p:cNvPr id="38" name="Cube 37"/>
           <p:cNvSpPr/>
           <p:nvPr/>
         </p:nvSpPr>
         <p:spPr>
           <a:xfrm rot="10800000">
-            <a:off x="7334981" y="2388641"/>
+            <a:off x="7334981" y="3122419"/>
             <a:ext cx="889572" cy="992278"/>
           </a:xfrm>
           <a:prstGeom prst="cube">
@@ -9374,7 +9815,7 @@
             </a:avLst>
           </a:prstGeom>
           <a:solidFill>
-            <a:srgbClr val="733604"/>
+            <a:srgbClr val="00BF02"/>
           </a:solidFill>
           <a:ln>
             <a:solidFill>
@@ -9408,13 +9849,13 @@
       </p:sp>
       <p:sp>
         <p:nvSpPr>
-          <p:cNvPr id="38" name="Cube 37"/>
+          <p:cNvPr id="39" name="Cube 38"/>
           <p:cNvSpPr/>
           <p:nvPr/>
         </p:nvSpPr>
         <p:spPr>
           <a:xfrm rot="10800000">
-            <a:off x="7334981" y="3122419"/>
+            <a:off x="7334981" y="3824122"/>
             <a:ext cx="889572" cy="992278"/>
           </a:xfrm>
           <a:prstGeom prst="cube">
@@ -9423,106 +9864,8 @@
             </a:avLst>
           </a:prstGeom>
           <a:solidFill>
-            <a:schemeClr val="bg1"/>
-          </a:solidFill>
-          <a:ln>
-            <a:solidFill>
-              <a:schemeClr val="tx1"/>
-            </a:solidFill>
-          </a:ln>
-          <a:effectLst/>
-        </p:spPr>
-        <p:style>
-          <a:lnRef idx="1">
-            <a:schemeClr val="accent1"/>
-          </a:lnRef>
-          <a:fillRef idx="3">
-            <a:schemeClr val="accent1"/>
-          </a:fillRef>
-          <a:effectRef idx="2">
-            <a:schemeClr val="accent1"/>
-          </a:effectRef>
-          <a:fontRef idx="minor">
-            <a:schemeClr val="lt1"/>
-          </a:fontRef>
-        </p:style>
-        <p:txBody>
-          <a:bodyPr rtlCol="0" anchor="ctr"/>
-          <a:lstStyle/>
-          <a:p>
-            <a:pPr algn="ctr"/>
-            <a:endParaRPr lang="en-GB"/>
-          </a:p>
-        </p:txBody>
-      </p:sp>
-      <p:sp>
-        <p:nvSpPr>
-          <p:cNvPr id="39" name="Cube 38"/>
-          <p:cNvSpPr/>
-          <p:nvPr/>
-        </p:nvSpPr>
-        <p:spPr>
-          <a:xfrm rot="10800000">
-            <a:off x="7334981" y="3824122"/>
-            <a:ext cx="889572" cy="992278"/>
-          </a:xfrm>
-          <a:prstGeom prst="cube">
-            <a:avLst>
-              <a:gd name="adj" fmla="val 28774"/>
-            </a:avLst>
-          </a:prstGeom>
-          <a:solidFill>
-            <a:srgbClr val="733604"/>
-          </a:solidFill>
-          <a:ln>
-            <a:solidFill>
-              <a:schemeClr val="tx1"/>
-            </a:solidFill>
-          </a:ln>
-          <a:effectLst/>
-        </p:spPr>
-        <p:style>
-          <a:lnRef idx="1">
-            <a:schemeClr val="accent1"/>
-          </a:lnRef>
-          <a:fillRef idx="3">
-            <a:schemeClr val="accent1"/>
-          </a:fillRef>
-          <a:effectRef idx="2">
-            <a:schemeClr val="accent1"/>
-          </a:effectRef>
-          <a:fontRef idx="minor">
-            <a:schemeClr val="lt1"/>
-          </a:fontRef>
-        </p:style>
-        <p:txBody>
-          <a:bodyPr rtlCol="0" anchor="ctr"/>
-          <a:lstStyle/>
-          <a:p>
-            <a:pPr algn="ctr"/>
-            <a:endParaRPr lang="en-GB"/>
-          </a:p>
-        </p:txBody>
-      </p:sp>
-      <p:sp>
-        <p:nvSpPr>
-          <p:cNvPr id="40" name="Cube 39"/>
-          <p:cNvSpPr/>
-          <p:nvPr/>
-        </p:nvSpPr>
-        <p:spPr>
-          <a:xfrm rot="10800000">
-            <a:off x="6693796" y="3824122"/>
-            <a:ext cx="889572" cy="992278"/>
-          </a:xfrm>
-          <a:prstGeom prst="cube">
-            <a:avLst>
-              <a:gd name="adj" fmla="val 28774"/>
-            </a:avLst>
-          </a:prstGeom>
-          <a:solidFill>
-            <a:schemeClr val="bg1">
-              <a:lumMod val="50000"/>
+            <a:schemeClr val="accent6">
+              <a:lumMod val="75000"/>
             </a:schemeClr>
           </a:solidFill>
           <a:ln>
@@ -9557,13 +9900,13 @@
       </p:sp>
       <p:sp>
         <p:nvSpPr>
-          <p:cNvPr id="41" name="Cube 40"/>
+          <p:cNvPr id="40" name="Cube 39"/>
           <p:cNvSpPr/>
           <p:nvPr/>
         </p:nvSpPr>
         <p:spPr>
           <a:xfrm rot="10800000">
-            <a:off x="6070367" y="3824122"/>
+            <a:off x="6693796" y="3824122"/>
             <a:ext cx="889572" cy="992278"/>
           </a:xfrm>
           <a:prstGeom prst="cube">
@@ -9572,7 +9915,56 @@
             </a:avLst>
           </a:prstGeom>
           <a:solidFill>
-            <a:schemeClr val="bg1"/>
+            <a:schemeClr val="accent1"/>
+          </a:solidFill>
+          <a:ln>
+            <a:solidFill>
+              <a:schemeClr val="tx1"/>
+            </a:solidFill>
+          </a:ln>
+          <a:effectLst/>
+        </p:spPr>
+        <p:style>
+          <a:lnRef idx="1">
+            <a:schemeClr val="accent1"/>
+          </a:lnRef>
+          <a:fillRef idx="3">
+            <a:schemeClr val="accent1"/>
+          </a:fillRef>
+          <a:effectRef idx="2">
+            <a:schemeClr val="accent1"/>
+          </a:effectRef>
+          <a:fontRef idx="minor">
+            <a:schemeClr val="lt1"/>
+          </a:fontRef>
+        </p:style>
+        <p:txBody>
+          <a:bodyPr rtlCol="0" anchor="ctr"/>
+          <a:lstStyle/>
+          <a:p>
+            <a:pPr algn="ctr"/>
+            <a:endParaRPr lang="en-GB"/>
+          </a:p>
+        </p:txBody>
+      </p:sp>
+      <p:sp>
+        <p:nvSpPr>
+          <p:cNvPr id="41" name="Cube 40"/>
+          <p:cNvSpPr/>
+          <p:nvPr/>
+        </p:nvSpPr>
+        <p:spPr>
+          <a:xfrm rot="10800000">
+            <a:off x="6070367" y="3824122"/>
+            <a:ext cx="889572" cy="992278"/>
+          </a:xfrm>
+          <a:prstGeom prst="cube">
+            <a:avLst>
+              <a:gd name="adj" fmla="val 28774"/>
+            </a:avLst>
+          </a:prstGeom>
+          <a:solidFill>
+            <a:srgbClr val="00BF02"/>
           </a:solidFill>
           <a:ln>
             <a:solidFill>
@@ -9617,6 +10009,9 @@
             <a:chOff x="4743213" y="1779402"/>
             <a:chExt cx="551091" cy="594200"/>
           </a:xfrm>
+          <a:solidFill>
+            <a:schemeClr val="bg1"/>
+          </a:solidFill>
         </p:grpSpPr>
         <p:sp>
           <p:nvSpPr>
@@ -9634,9 +10029,7 @@
                 <a:gd name="adj" fmla="val 28774"/>
               </a:avLst>
             </a:prstGeom>
-            <a:solidFill>
-              <a:schemeClr val="accent6"/>
-            </a:solidFill>
+            <a:grpFill/>
             <a:ln>
               <a:solidFill>
                 <a:schemeClr val="tx1"/>
@@ -9683,9 +10076,7 @@
                 <a:gd name="adj" fmla="val 28774"/>
               </a:avLst>
             </a:prstGeom>
-            <a:solidFill>
-              <a:schemeClr val="accent6"/>
-            </a:solidFill>
+            <a:grpFill/>
             <a:ln>
               <a:solidFill>
                 <a:schemeClr val="tx1"/>
@@ -9732,9 +10123,7 @@
                 <a:gd name="adj" fmla="val 28774"/>
               </a:avLst>
             </a:prstGeom>
-            <a:solidFill>
-              <a:schemeClr val="accent6"/>
-            </a:solidFill>
+            <a:grpFill/>
             <a:ln>
               <a:solidFill>
                 <a:schemeClr val="tx1"/>
@@ -9832,7 +10221,7 @@
             </a:avLst>
           </a:prstGeom>
           <a:solidFill>
-            <a:schemeClr val="bg1"/>
+            <a:srgbClr val="00BF02"/>
           </a:solidFill>
           <a:ln>
             <a:solidFill>
@@ -10816,6 +11205,12 @@
             <a:chOff x="2386609" y="1079500"/>
             <a:chExt cx="1404913" cy="1509195"/>
           </a:xfrm>
+          <a:solidFill>
+            <a:schemeClr val="tx1">
+              <a:lumMod val="85000"/>
+              <a:lumOff val="15000"/>
+            </a:schemeClr>
+          </a:solidFill>
         </p:grpSpPr>
         <p:sp>
           <p:nvSpPr>
@@ -10833,12 +11228,7 @@
                 <a:gd name="adj" fmla="val 28774"/>
               </a:avLst>
             </a:prstGeom>
-            <a:solidFill>
-              <a:schemeClr val="tx2">
-                <a:lumMod val="60000"/>
-                <a:lumOff val="40000"/>
-              </a:schemeClr>
-            </a:solidFill>
+            <a:grpFill/>
             <a:ln>
               <a:solidFill>
                 <a:schemeClr val="tx1"/>
@@ -10885,12 +11275,7 @@
                 <a:gd name="adj" fmla="val 28774"/>
               </a:avLst>
             </a:prstGeom>
-            <a:solidFill>
-              <a:schemeClr val="tx2">
-                <a:lumMod val="60000"/>
-                <a:lumOff val="40000"/>
-              </a:schemeClr>
-            </a:solidFill>
+            <a:grpFill/>
             <a:ln>
               <a:solidFill>
                 <a:schemeClr val="tx1"/>
@@ -10937,12 +11322,7 @@
                 <a:gd name="adj" fmla="val 28774"/>
               </a:avLst>
             </a:prstGeom>
-            <a:solidFill>
-              <a:schemeClr val="tx2">
-                <a:lumMod val="60000"/>
-                <a:lumOff val="40000"/>
-              </a:schemeClr>
-            </a:solidFill>
+            <a:grpFill/>
             <a:ln>
               <a:solidFill>
                 <a:schemeClr val="tx1"/>
@@ -10987,6 +11367,12 @@
             <a:chOff x="2386609" y="1079500"/>
             <a:chExt cx="1404913" cy="1509195"/>
           </a:xfrm>
+          <a:solidFill>
+            <a:schemeClr val="tx1">
+              <a:lumMod val="85000"/>
+              <a:lumOff val="15000"/>
+            </a:schemeClr>
+          </a:solidFill>
         </p:grpSpPr>
         <p:sp>
           <p:nvSpPr>
@@ -11004,12 +11390,7 @@
                 <a:gd name="adj" fmla="val 28774"/>
               </a:avLst>
             </a:prstGeom>
-            <a:solidFill>
-              <a:schemeClr val="tx2">
-                <a:lumMod val="60000"/>
-                <a:lumOff val="40000"/>
-              </a:schemeClr>
-            </a:solidFill>
+            <a:grpFill/>
             <a:ln>
               <a:solidFill>
                 <a:schemeClr val="tx1"/>
@@ -11056,12 +11437,7 @@
                 <a:gd name="adj" fmla="val 28774"/>
               </a:avLst>
             </a:prstGeom>
-            <a:solidFill>
-              <a:schemeClr val="tx2">
-                <a:lumMod val="60000"/>
-                <a:lumOff val="40000"/>
-              </a:schemeClr>
-            </a:solidFill>
+            <a:grpFill/>
             <a:ln>
               <a:solidFill>
                 <a:schemeClr val="tx1"/>
@@ -11108,12 +11484,7 @@
                 <a:gd name="adj" fmla="val 28774"/>
               </a:avLst>
             </a:prstGeom>
-            <a:solidFill>
-              <a:schemeClr val="tx2">
-                <a:lumMod val="60000"/>
-                <a:lumOff val="40000"/>
-              </a:schemeClr>
-            </a:solidFill>
+            <a:grpFill/>
             <a:ln>
               <a:solidFill>
                 <a:schemeClr val="tx1"/>
@@ -11162,7 +11533,9 @@
             </a:avLst>
           </a:prstGeom>
           <a:solidFill>
-            <a:srgbClr val="733604"/>
+            <a:schemeClr val="accent6">
+              <a:lumMod val="75000"/>
+            </a:schemeClr>
           </a:solidFill>
           <a:ln>
             <a:solidFill>
@@ -11260,9 +11633,7 @@
             </a:avLst>
           </a:prstGeom>
           <a:solidFill>
-            <a:schemeClr val="bg1">
-              <a:lumMod val="50000"/>
-            </a:schemeClr>
+            <a:schemeClr val="accent1"/>
           </a:solidFill>
           <a:ln>
             <a:solidFill>
@@ -11360,9 +11731,7 @@
             </a:avLst>
           </a:prstGeom>
           <a:solidFill>
-            <a:schemeClr val="bg1">
-              <a:lumMod val="50000"/>
-            </a:schemeClr>
+            <a:schemeClr val="accent1"/>
           </a:solidFill>
           <a:ln>
             <a:solidFill>
@@ -11460,7 +11829,7 @@
             </a:avLst>
           </a:prstGeom>
           <a:solidFill>
-            <a:schemeClr val="bg1"/>
+            <a:srgbClr val="00BF02"/>
           </a:solidFill>
           <a:ln>
             <a:solidFill>
@@ -11514,9 +11883,7 @@
             </a:avLst>
           </a:prstGeom>
           <a:solidFill>
-            <a:schemeClr val="bg1">
-              <a:lumMod val="50000"/>
-            </a:schemeClr>
+            <a:schemeClr val="accent1"/>
           </a:solidFill>
           <a:ln>
             <a:solidFill>
@@ -11561,6 +11928,9 @@
             <a:chOff x="4743213" y="1779402"/>
             <a:chExt cx="551091" cy="594200"/>
           </a:xfrm>
+          <a:solidFill>
+            <a:schemeClr val="bg1"/>
+          </a:solidFill>
         </p:grpSpPr>
         <p:sp>
           <p:nvSpPr>
@@ -11578,9 +11948,7 @@
                 <a:gd name="adj" fmla="val 28774"/>
               </a:avLst>
             </a:prstGeom>
-            <a:solidFill>
-              <a:schemeClr val="accent6"/>
-            </a:solidFill>
+            <a:grpFill/>
             <a:ln>
               <a:solidFill>
                 <a:schemeClr val="tx1"/>
@@ -11627,9 +11995,7 @@
                 <a:gd name="adj" fmla="val 28774"/>
               </a:avLst>
             </a:prstGeom>
-            <a:solidFill>
-              <a:schemeClr val="accent6"/>
-            </a:solidFill>
+            <a:grpFill/>
             <a:ln>
               <a:solidFill>
                 <a:schemeClr val="tx1"/>
@@ -11676,9 +12042,7 @@
                 <a:gd name="adj" fmla="val 28774"/>
               </a:avLst>
             </a:prstGeom>
-            <a:solidFill>
-              <a:schemeClr val="accent6"/>
-            </a:solidFill>
+            <a:grpFill/>
             <a:ln>
               <a:solidFill>
                 <a:schemeClr val="tx1"/>
@@ -11787,7 +12151,7 @@
             </a:avLst>
           </a:prstGeom>
           <a:solidFill>
-            <a:schemeClr val="bg1"/>
+            <a:srgbClr val="00BF02"/>
           </a:solidFill>
           <a:ln>
             <a:solidFill>
@@ -11841,7 +12205,9 @@
             </a:avLst>
           </a:prstGeom>
           <a:solidFill>
-            <a:srgbClr val="733604"/>
+            <a:schemeClr val="accent6">
+              <a:lumMod val="75000"/>
+            </a:schemeClr>
           </a:solidFill>
           <a:ln>
             <a:solidFill>
@@ -11890,7 +12256,7 @@
             </a:avLst>
           </a:prstGeom>
           <a:solidFill>
-            <a:schemeClr val="bg1"/>
+            <a:srgbClr val="00BF02"/>
           </a:solidFill>
           <a:ln>
             <a:solidFill>
@@ -11939,7 +12305,9 @@
             </a:avLst>
           </a:prstGeom>
           <a:solidFill>
-            <a:srgbClr val="733604"/>
+            <a:schemeClr val="accent6">
+              <a:lumMod val="75000"/>
+            </a:schemeClr>
           </a:solidFill>
           <a:ln>
             <a:solidFill>
@@ -11988,7 +12356,7 @@
             </a:avLst>
           </a:prstGeom>
           <a:solidFill>
-            <a:schemeClr val="bg1"/>
+            <a:srgbClr val="00BF02"/>
           </a:solidFill>
           <a:ln>
             <a:solidFill>
@@ -12037,7 +12405,9 @@
             </a:avLst>
           </a:prstGeom>
           <a:solidFill>
-            <a:srgbClr val="733604"/>
+            <a:schemeClr val="accent6">
+              <a:lumMod val="75000"/>
+            </a:schemeClr>
           </a:solidFill>
           <a:ln>
             <a:solidFill>
@@ -12135,9 +12505,7 @@
             </a:avLst>
           </a:prstGeom>
           <a:solidFill>
-            <a:schemeClr val="bg1">
-              <a:lumMod val="50000"/>
-            </a:schemeClr>
+            <a:schemeClr val="accent1"/>
           </a:solidFill>
           <a:ln>
             <a:solidFill>
@@ -12182,6 +12550,9 @@
             <a:chOff x="4743213" y="1779402"/>
             <a:chExt cx="551091" cy="594200"/>
           </a:xfrm>
+          <a:solidFill>
+            <a:schemeClr val="bg1"/>
+          </a:solidFill>
         </p:grpSpPr>
         <p:sp>
           <p:nvSpPr>
@@ -12199,9 +12570,7 @@
                 <a:gd name="adj" fmla="val 28774"/>
               </a:avLst>
             </a:prstGeom>
-            <a:solidFill>
-              <a:schemeClr val="accent6"/>
-            </a:solidFill>
+            <a:grpFill/>
             <a:ln>
               <a:solidFill>
                 <a:schemeClr val="tx1"/>
@@ -12248,9 +12617,7 @@
                 <a:gd name="adj" fmla="val 28774"/>
               </a:avLst>
             </a:prstGeom>
-            <a:solidFill>
-              <a:schemeClr val="accent6"/>
-            </a:solidFill>
+            <a:grpFill/>
             <a:ln>
               <a:solidFill>
                 <a:schemeClr val="tx1"/>
@@ -12297,9 +12664,7 @@
                 <a:gd name="adj" fmla="val 28774"/>
               </a:avLst>
             </a:prstGeom>
-            <a:solidFill>
-              <a:schemeClr val="accent6"/>
-            </a:solidFill>
+            <a:grpFill/>
             <a:ln>
               <a:solidFill>
                 <a:schemeClr val="tx1"/>
@@ -12442,6 +12807,12 @@
             <a:chOff x="5006251" y="1159486"/>
             <a:chExt cx="1365836" cy="1472678"/>
           </a:xfrm>
+          <a:solidFill>
+            <a:schemeClr val="tx1">
+              <a:lumMod val="85000"/>
+              <a:lumOff val="15000"/>
+            </a:schemeClr>
+          </a:solidFill>
         </p:grpSpPr>
         <p:sp>
           <p:nvSpPr>
@@ -12459,9 +12830,7 @@
                 <a:gd name="adj" fmla="val 28774"/>
               </a:avLst>
             </a:prstGeom>
-            <a:solidFill>
-              <a:schemeClr val="accent1"/>
-            </a:solidFill>
+            <a:grpFill/>
             <a:ln>
               <a:solidFill>
                 <a:schemeClr val="tx1"/>
@@ -12508,9 +12877,7 @@
                 <a:gd name="adj" fmla="val 28774"/>
               </a:avLst>
             </a:prstGeom>
-            <a:solidFill>
-              <a:schemeClr val="accent1"/>
-            </a:solidFill>
+            <a:grpFill/>
             <a:ln>
               <a:solidFill>
                 <a:schemeClr val="tx1"/>
@@ -12557,9 +12924,7 @@
                 <a:gd name="adj" fmla="val 28774"/>
               </a:avLst>
             </a:prstGeom>
-            <a:solidFill>
-              <a:schemeClr val="accent1"/>
-            </a:solidFill>
+            <a:grpFill/>
             <a:ln>
               <a:solidFill>
                 <a:schemeClr val="tx1"/>
@@ -12608,7 +12973,9 @@
             </a:avLst>
           </a:prstGeom>
           <a:solidFill>
-            <a:srgbClr val="733604"/>
+            <a:schemeClr val="accent6">
+              <a:lumMod val="75000"/>
+            </a:schemeClr>
           </a:solidFill>
           <a:ln>
             <a:solidFill>
@@ -12657,7 +13024,7 @@
             </a:avLst>
           </a:prstGeom>
           <a:solidFill>
-            <a:schemeClr val="bg1"/>
+            <a:srgbClr val="00BF02"/>
           </a:solidFill>
           <a:ln>
             <a:solidFill>
@@ -12806,7 +13173,9 @@
             </a:avLst>
           </a:prstGeom>
           <a:solidFill>
-            <a:srgbClr val="733604"/>
+            <a:schemeClr val="accent6">
+              <a:lumMod val="75000"/>
+            </a:schemeClr>
           </a:solidFill>
           <a:ln>
             <a:solidFill>
@@ -12855,9 +13224,7 @@
             </a:avLst>
           </a:prstGeom>
           <a:solidFill>
-            <a:schemeClr val="bg1">
-              <a:lumMod val="50000"/>
-            </a:schemeClr>
+            <a:schemeClr val="accent1"/>
           </a:solidFill>
           <a:ln>
             <a:solidFill>
@@ -13004,7 +13371,7 @@
             </a:avLst>
           </a:prstGeom>
           <a:solidFill>
-            <a:schemeClr val="bg1"/>
+            <a:srgbClr val="00BF02"/>
           </a:solidFill>
           <a:ln>
             <a:solidFill>
@@ -13049,6 +13416,9 @@
             <a:chOff x="4743213" y="1779402"/>
             <a:chExt cx="551091" cy="594200"/>
           </a:xfrm>
+          <a:solidFill>
+            <a:schemeClr val="bg1"/>
+          </a:solidFill>
         </p:grpSpPr>
         <p:sp>
           <p:nvSpPr>
@@ -13066,9 +13436,7 @@
                 <a:gd name="adj" fmla="val 28774"/>
               </a:avLst>
             </a:prstGeom>
-            <a:solidFill>
-              <a:schemeClr val="accent6"/>
-            </a:solidFill>
+            <a:grpFill/>
             <a:ln>
               <a:solidFill>
                 <a:schemeClr val="tx1"/>
@@ -13115,9 +13483,7 @@
                 <a:gd name="adj" fmla="val 28774"/>
               </a:avLst>
             </a:prstGeom>
-            <a:solidFill>
-              <a:schemeClr val="accent6"/>
-            </a:solidFill>
+            <a:grpFill/>
             <a:ln>
               <a:solidFill>
                 <a:schemeClr val="tx1"/>
@@ -13164,9 +13530,7 @@
                 <a:gd name="adj" fmla="val 28774"/>
               </a:avLst>
             </a:prstGeom>
-            <a:solidFill>
-              <a:schemeClr val="accent6"/>
-            </a:solidFill>
+            <a:grpFill/>
             <a:ln>
               <a:solidFill>
                 <a:schemeClr val="tx1"/>
@@ -13215,7 +13579,7 @@
             </a:avLst>
           </a:prstGeom>
           <a:solidFill>
-            <a:schemeClr val="bg1"/>
+            <a:srgbClr val="00BF02"/>
           </a:solidFill>
           <a:ln>
             <a:solidFill>
@@ -13264,7 +13628,9 @@
             </a:avLst>
           </a:prstGeom>
           <a:solidFill>
-            <a:srgbClr val="733604"/>
+            <a:schemeClr val="accent6">
+              <a:lumMod val="75000"/>
+            </a:schemeClr>
           </a:solidFill>
           <a:ln>
             <a:solidFill>
@@ -13313,7 +13679,9 @@
             </a:avLst>
           </a:prstGeom>
           <a:solidFill>
-            <a:srgbClr val="733604"/>
+            <a:schemeClr val="accent6">
+              <a:lumMod val="75000"/>
+            </a:schemeClr>
           </a:solidFill>
           <a:ln>
             <a:solidFill>
@@ -13418,6 +13786,12 @@
             <a:chOff x="5006251" y="1159486"/>
             <a:chExt cx="1365836" cy="1472678"/>
           </a:xfrm>
+          <a:solidFill>
+            <a:schemeClr val="tx1">
+              <a:lumMod val="85000"/>
+              <a:lumOff val="15000"/>
+            </a:schemeClr>
+          </a:solidFill>
         </p:grpSpPr>
         <p:sp>
           <p:nvSpPr>
@@ -13435,9 +13809,7 @@
                 <a:gd name="adj" fmla="val 28774"/>
               </a:avLst>
             </a:prstGeom>
-            <a:solidFill>
-              <a:schemeClr val="accent1"/>
-            </a:solidFill>
+            <a:grpFill/>
             <a:ln>
               <a:solidFill>
                 <a:schemeClr val="tx1"/>
@@ -13484,9 +13856,7 @@
                 <a:gd name="adj" fmla="val 28774"/>
               </a:avLst>
             </a:prstGeom>
-            <a:solidFill>
-              <a:schemeClr val="accent1"/>
-            </a:solidFill>
+            <a:grpFill/>
             <a:ln>
               <a:solidFill>
                 <a:schemeClr val="tx1"/>
@@ -13533,9 +13903,7 @@
                 <a:gd name="adj" fmla="val 28774"/>
               </a:avLst>
             </a:prstGeom>
-            <a:solidFill>
-              <a:schemeClr val="accent1"/>
-            </a:solidFill>
+            <a:grpFill/>
             <a:ln>
               <a:solidFill>
                 <a:schemeClr val="tx1"/>
@@ -13584,7 +13952,9 @@
             </a:avLst>
           </a:prstGeom>
           <a:solidFill>
-            <a:srgbClr val="733604"/>
+            <a:schemeClr val="accent6">
+              <a:lumMod val="75000"/>
+            </a:schemeClr>
           </a:solidFill>
           <a:ln>
             <a:solidFill>
@@ -13633,7 +14003,7 @@
             </a:avLst>
           </a:prstGeom>
           <a:solidFill>
-            <a:schemeClr val="bg1"/>
+            <a:srgbClr val="00BF02"/>
           </a:solidFill>
           <a:ln>
             <a:solidFill>
@@ -13682,9 +14052,7 @@
             </a:avLst>
           </a:prstGeom>
           <a:solidFill>
-            <a:schemeClr val="bg1">
-              <a:lumMod val="50000"/>
-            </a:schemeClr>
+            <a:schemeClr val="accent1"/>
           </a:solidFill>
           <a:ln>
             <a:solidFill>
@@ -13782,7 +14150,9 @@
             </a:avLst>
           </a:prstGeom>
           <a:solidFill>
-            <a:srgbClr val="733604"/>
+            <a:schemeClr val="accent6">
+              <a:lumMod val="75000"/>
+            </a:schemeClr>
           </a:solidFill>
           <a:ln>
             <a:solidFill>
@@ -13831,9 +14201,7 @@
             </a:avLst>
           </a:prstGeom>
           <a:solidFill>
-            <a:schemeClr val="bg1">
-              <a:lumMod val="50000"/>
-            </a:schemeClr>
+            <a:schemeClr val="accent1"/>
           </a:solidFill>
           <a:ln>
             <a:solidFill>
@@ -13980,7 +14348,7 @@
             </a:avLst>
           </a:prstGeom>
           <a:solidFill>
-            <a:schemeClr val="bg1"/>
+            <a:srgbClr val="00BF02"/>
           </a:solidFill>
           <a:ln>
             <a:solidFill>
@@ -14025,6 +14393,9 @@
             <a:chOff x="4743213" y="1779402"/>
             <a:chExt cx="551091" cy="594200"/>
           </a:xfrm>
+          <a:solidFill>
+            <a:schemeClr val="bg1"/>
+          </a:solidFill>
         </p:grpSpPr>
         <p:sp>
           <p:nvSpPr>
@@ -14042,9 +14413,7 @@
                 <a:gd name="adj" fmla="val 28774"/>
               </a:avLst>
             </a:prstGeom>
-            <a:solidFill>
-              <a:schemeClr val="accent6"/>
-            </a:solidFill>
+            <a:grpFill/>
             <a:ln>
               <a:solidFill>
                 <a:schemeClr val="tx1"/>
@@ -14091,9 +14460,7 @@
                 <a:gd name="adj" fmla="val 28774"/>
               </a:avLst>
             </a:prstGeom>
-            <a:solidFill>
-              <a:schemeClr val="accent6"/>
-            </a:solidFill>
+            <a:grpFill/>
             <a:ln>
               <a:solidFill>
                 <a:schemeClr val="tx1"/>
@@ -14140,9 +14507,7 @@
                 <a:gd name="adj" fmla="val 28774"/>
               </a:avLst>
             </a:prstGeom>
-            <a:solidFill>
-              <a:schemeClr val="accent6"/>
-            </a:solidFill>
+            <a:grpFill/>
             <a:ln>
               <a:solidFill>
                 <a:schemeClr val="tx1"/>
@@ -14191,7 +14556,7 @@
             </a:avLst>
           </a:prstGeom>
           <a:solidFill>
-            <a:schemeClr val="bg1"/>
+            <a:srgbClr val="00BF02"/>
           </a:solidFill>
           <a:ln>
             <a:solidFill>
@@ -14240,7 +14605,9 @@
             </a:avLst>
           </a:prstGeom>
           <a:solidFill>
-            <a:srgbClr val="733604"/>
+            <a:schemeClr val="accent6">
+              <a:lumMod val="75000"/>
+            </a:schemeClr>
           </a:solidFill>
           <a:ln>
             <a:solidFill>
@@ -14289,7 +14656,9 @@
             </a:avLst>
           </a:prstGeom>
           <a:solidFill>
-            <a:srgbClr val="733604"/>
+            <a:schemeClr val="accent6">
+              <a:lumMod val="75000"/>
+            </a:schemeClr>
           </a:solidFill>
           <a:ln>
             <a:solidFill>
@@ -14364,6 +14733,12 @@
             <a:chOff x="5006251" y="1159486"/>
             <a:chExt cx="1365836" cy="1472678"/>
           </a:xfrm>
+          <a:solidFill>
+            <a:schemeClr val="tx1">
+              <a:lumMod val="85000"/>
+              <a:lumOff val="15000"/>
+            </a:schemeClr>
+          </a:solidFill>
         </p:grpSpPr>
         <p:sp>
           <p:nvSpPr>
@@ -14381,9 +14756,7 @@
                 <a:gd name="adj" fmla="val 28774"/>
               </a:avLst>
             </a:prstGeom>
-            <a:solidFill>
-              <a:schemeClr val="accent1"/>
-            </a:solidFill>
+            <a:grpFill/>
             <a:ln>
               <a:solidFill>
                 <a:schemeClr val="tx1"/>
@@ -14430,9 +14803,7 @@
                 <a:gd name="adj" fmla="val 28774"/>
               </a:avLst>
             </a:prstGeom>
-            <a:solidFill>
-              <a:schemeClr val="accent1"/>
-            </a:solidFill>
+            <a:grpFill/>
             <a:ln>
               <a:solidFill>
                 <a:schemeClr val="tx1"/>
@@ -14479,9 +14850,7 @@
                 <a:gd name="adj" fmla="val 28774"/>
               </a:avLst>
             </a:prstGeom>
-            <a:solidFill>
-              <a:schemeClr val="accent1"/>
-            </a:solidFill>
+            <a:grpFill/>
             <a:ln>
               <a:solidFill>
                 <a:schemeClr val="tx1"/>
@@ -14579,155 +14948,8 @@
             </a:avLst>
           </a:prstGeom>
           <a:solidFill>
-            <a:srgbClr val="733604"/>
-          </a:solidFill>
-          <a:ln>
-            <a:solidFill>
-              <a:schemeClr val="tx1"/>
-            </a:solidFill>
-          </a:ln>
-          <a:effectLst/>
-        </p:spPr>
-        <p:style>
-          <a:lnRef idx="1">
-            <a:schemeClr val="accent1"/>
-          </a:lnRef>
-          <a:fillRef idx="3">
-            <a:schemeClr val="accent1"/>
-          </a:fillRef>
-          <a:effectRef idx="2">
-            <a:schemeClr val="accent1"/>
-          </a:effectRef>
-          <a:fontRef idx="minor">
-            <a:schemeClr val="lt1"/>
-          </a:fontRef>
-        </p:style>
-        <p:txBody>
-          <a:bodyPr rtlCol="0" anchor="ctr"/>
-          <a:lstStyle/>
-          <a:p>
-            <a:pPr algn="ctr"/>
-            <a:endParaRPr lang="en-GB"/>
-          </a:p>
-        </p:txBody>
-      </p:sp>
-      <p:sp>
-        <p:nvSpPr>
-          <p:cNvPr id="92" name="Cube 91"/>
-          <p:cNvSpPr/>
-          <p:nvPr/>
-        </p:nvSpPr>
-        <p:spPr>
-          <a:xfrm rot="10800000">
-            <a:off x="2380122" y="3091929"/>
-            <a:ext cx="889572" cy="992278"/>
-          </a:xfrm>
-          <a:prstGeom prst="cube">
-            <a:avLst>
-              <a:gd name="adj" fmla="val 28774"/>
-            </a:avLst>
-          </a:prstGeom>
-          <a:solidFill>
-            <a:schemeClr val="bg1"/>
-          </a:solidFill>
-          <a:ln>
-            <a:solidFill>
-              <a:schemeClr val="tx1"/>
-            </a:solidFill>
-          </a:ln>
-          <a:effectLst/>
-        </p:spPr>
-        <p:style>
-          <a:lnRef idx="1">
-            <a:schemeClr val="accent1"/>
-          </a:lnRef>
-          <a:fillRef idx="3">
-            <a:schemeClr val="accent1"/>
-          </a:fillRef>
-          <a:effectRef idx="2">
-            <a:schemeClr val="accent1"/>
-          </a:effectRef>
-          <a:fontRef idx="minor">
-            <a:schemeClr val="lt1"/>
-          </a:fontRef>
-        </p:style>
-        <p:txBody>
-          <a:bodyPr rtlCol="0" anchor="ctr"/>
-          <a:lstStyle/>
-          <a:p>
-            <a:pPr algn="ctr"/>
-            <a:endParaRPr lang="en-GB"/>
-          </a:p>
-        </p:txBody>
-      </p:sp>
-      <p:sp>
-        <p:nvSpPr>
-          <p:cNvPr id="90" name="Cube 89"/>
-          <p:cNvSpPr/>
-          <p:nvPr/>
-        </p:nvSpPr>
-        <p:spPr>
-          <a:xfrm rot="10800000">
-            <a:off x="2380122" y="3793632"/>
-            <a:ext cx="889572" cy="992278"/>
-          </a:xfrm>
-          <a:prstGeom prst="cube">
-            <a:avLst>
-              <a:gd name="adj" fmla="val 28774"/>
-            </a:avLst>
-          </a:prstGeom>
-          <a:solidFill>
-            <a:srgbClr val="733604"/>
-          </a:solidFill>
-          <a:ln>
-            <a:solidFill>
-              <a:schemeClr val="tx1"/>
-            </a:solidFill>
-          </a:ln>
-          <a:effectLst/>
-        </p:spPr>
-        <p:style>
-          <a:lnRef idx="1">
-            <a:schemeClr val="accent1"/>
-          </a:lnRef>
-          <a:fillRef idx="3">
-            <a:schemeClr val="accent1"/>
-          </a:fillRef>
-          <a:effectRef idx="2">
-            <a:schemeClr val="accent1"/>
-          </a:effectRef>
-          <a:fontRef idx="minor">
-            <a:schemeClr val="lt1"/>
-          </a:fontRef>
-        </p:style>
-        <p:txBody>
-          <a:bodyPr rtlCol="0" anchor="ctr"/>
-          <a:lstStyle/>
-          <a:p>
-            <a:pPr algn="ctr"/>
-            <a:endParaRPr lang="en-GB"/>
-          </a:p>
-        </p:txBody>
-      </p:sp>
-      <p:sp>
-        <p:nvSpPr>
-          <p:cNvPr id="94" name="Cube 93"/>
-          <p:cNvSpPr/>
-          <p:nvPr/>
-        </p:nvSpPr>
-        <p:spPr>
-          <a:xfrm rot="10800000">
-            <a:off x="1738937" y="3793632"/>
-            <a:ext cx="889572" cy="992278"/>
-          </a:xfrm>
-          <a:prstGeom prst="cube">
-            <a:avLst>
-              <a:gd name="adj" fmla="val 28774"/>
-            </a:avLst>
-          </a:prstGeom>
-          <a:solidFill>
-            <a:schemeClr val="bg1">
-              <a:lumMod val="50000"/>
+            <a:schemeClr val="accent6">
+              <a:lumMod val="75000"/>
             </a:schemeClr>
           </a:solidFill>
           <a:ln>
@@ -14762,13 +14984,13 @@
       </p:sp>
       <p:sp>
         <p:nvSpPr>
-          <p:cNvPr id="104" name="Cube 103"/>
+          <p:cNvPr id="92" name="Cube 91"/>
           <p:cNvSpPr/>
           <p:nvPr/>
         </p:nvSpPr>
         <p:spPr>
           <a:xfrm rot="10800000">
-            <a:off x="1115508" y="3793632"/>
+            <a:off x="2380122" y="3091929"/>
             <a:ext cx="889572" cy="992278"/>
           </a:xfrm>
           <a:prstGeom prst="cube">
@@ -14777,7 +14999,7 @@
             </a:avLst>
           </a:prstGeom>
           <a:solidFill>
-            <a:schemeClr val="bg1"/>
+            <a:srgbClr val="00BF02"/>
           </a:solidFill>
           <a:ln>
             <a:solidFill>
@@ -14811,13 +15033,13 @@
       </p:sp>
       <p:sp>
         <p:nvSpPr>
-          <p:cNvPr id="109" name="Cube 108"/>
+          <p:cNvPr id="90" name="Cube 89"/>
           <p:cNvSpPr/>
           <p:nvPr/>
         </p:nvSpPr>
         <p:spPr>
           <a:xfrm rot="10800000">
-            <a:off x="1115002" y="1596270"/>
+            <a:off x="2380122" y="3793632"/>
             <a:ext cx="889572" cy="992278"/>
           </a:xfrm>
           <a:prstGeom prst="cube">
@@ -14826,7 +15048,9 @@
             </a:avLst>
           </a:prstGeom>
           <a:solidFill>
-            <a:srgbClr val="733604"/>
+            <a:schemeClr val="accent6">
+              <a:lumMod val="75000"/>
+            </a:schemeClr>
           </a:solidFill>
           <a:ln>
             <a:solidFill>
@@ -14860,13 +15084,13 @@
       </p:sp>
       <p:sp>
         <p:nvSpPr>
-          <p:cNvPr id="110" name="Cube 109"/>
+          <p:cNvPr id="94" name="Cube 93"/>
           <p:cNvSpPr/>
           <p:nvPr/>
         </p:nvSpPr>
         <p:spPr>
           <a:xfrm rot="10800000">
-            <a:off x="491573" y="1596270"/>
+            <a:off x="1738937" y="3793632"/>
             <a:ext cx="889572" cy="992278"/>
           </a:xfrm>
           <a:prstGeom prst="cube">
@@ -14875,9 +15099,156 @@
             </a:avLst>
           </a:prstGeom>
           <a:solidFill>
-            <a:schemeClr val="bg1">
-              <a:lumMod val="50000"/>
+            <a:schemeClr val="accent1"/>
+          </a:solidFill>
+          <a:ln>
+            <a:solidFill>
+              <a:schemeClr val="tx1"/>
+            </a:solidFill>
+          </a:ln>
+          <a:effectLst/>
+        </p:spPr>
+        <p:style>
+          <a:lnRef idx="1">
+            <a:schemeClr val="accent1"/>
+          </a:lnRef>
+          <a:fillRef idx="3">
+            <a:schemeClr val="accent1"/>
+          </a:fillRef>
+          <a:effectRef idx="2">
+            <a:schemeClr val="accent1"/>
+          </a:effectRef>
+          <a:fontRef idx="minor">
+            <a:schemeClr val="lt1"/>
+          </a:fontRef>
+        </p:style>
+        <p:txBody>
+          <a:bodyPr rtlCol="0" anchor="ctr"/>
+          <a:lstStyle/>
+          <a:p>
+            <a:pPr algn="ctr"/>
+            <a:endParaRPr lang="en-GB"/>
+          </a:p>
+        </p:txBody>
+      </p:sp>
+      <p:sp>
+        <p:nvSpPr>
+          <p:cNvPr id="104" name="Cube 103"/>
+          <p:cNvSpPr/>
+          <p:nvPr/>
+        </p:nvSpPr>
+        <p:spPr>
+          <a:xfrm rot="10800000">
+            <a:off x="1115508" y="3793632"/>
+            <a:ext cx="889572" cy="992278"/>
+          </a:xfrm>
+          <a:prstGeom prst="cube">
+            <a:avLst>
+              <a:gd name="adj" fmla="val 28774"/>
+            </a:avLst>
+          </a:prstGeom>
+          <a:solidFill>
+            <a:srgbClr val="00BF02"/>
+          </a:solidFill>
+          <a:ln>
+            <a:solidFill>
+              <a:schemeClr val="tx1"/>
+            </a:solidFill>
+          </a:ln>
+          <a:effectLst/>
+        </p:spPr>
+        <p:style>
+          <a:lnRef idx="1">
+            <a:schemeClr val="accent1"/>
+          </a:lnRef>
+          <a:fillRef idx="3">
+            <a:schemeClr val="accent1"/>
+          </a:fillRef>
+          <a:effectRef idx="2">
+            <a:schemeClr val="accent1"/>
+          </a:effectRef>
+          <a:fontRef idx="minor">
+            <a:schemeClr val="lt1"/>
+          </a:fontRef>
+        </p:style>
+        <p:txBody>
+          <a:bodyPr rtlCol="0" anchor="ctr"/>
+          <a:lstStyle/>
+          <a:p>
+            <a:pPr algn="ctr"/>
+            <a:endParaRPr lang="en-GB"/>
+          </a:p>
+        </p:txBody>
+      </p:sp>
+      <p:sp>
+        <p:nvSpPr>
+          <p:cNvPr id="109" name="Cube 108"/>
+          <p:cNvSpPr/>
+          <p:nvPr/>
+        </p:nvSpPr>
+        <p:spPr>
+          <a:xfrm rot="10800000">
+            <a:off x="1115002" y="1596270"/>
+            <a:ext cx="889572" cy="992278"/>
+          </a:xfrm>
+          <a:prstGeom prst="cube">
+            <a:avLst>
+              <a:gd name="adj" fmla="val 28774"/>
+            </a:avLst>
+          </a:prstGeom>
+          <a:solidFill>
+            <a:schemeClr val="accent6">
+              <a:lumMod val="75000"/>
             </a:schemeClr>
+          </a:solidFill>
+          <a:ln>
+            <a:solidFill>
+              <a:schemeClr val="tx1"/>
+            </a:solidFill>
+          </a:ln>
+          <a:effectLst/>
+        </p:spPr>
+        <p:style>
+          <a:lnRef idx="1">
+            <a:schemeClr val="accent1"/>
+          </a:lnRef>
+          <a:fillRef idx="3">
+            <a:schemeClr val="accent1"/>
+          </a:fillRef>
+          <a:effectRef idx="2">
+            <a:schemeClr val="accent1"/>
+          </a:effectRef>
+          <a:fontRef idx="minor">
+            <a:schemeClr val="lt1"/>
+          </a:fontRef>
+        </p:style>
+        <p:txBody>
+          <a:bodyPr rtlCol="0" anchor="ctr"/>
+          <a:lstStyle/>
+          <a:p>
+            <a:pPr algn="ctr"/>
+            <a:endParaRPr lang="en-GB"/>
+          </a:p>
+        </p:txBody>
+      </p:sp>
+      <p:sp>
+        <p:nvSpPr>
+          <p:cNvPr id="110" name="Cube 109"/>
+          <p:cNvSpPr/>
+          <p:nvPr/>
+        </p:nvSpPr>
+        <p:spPr>
+          <a:xfrm rot="10800000">
+            <a:off x="491573" y="1596270"/>
+            <a:ext cx="889572" cy="992278"/>
+          </a:xfrm>
+          <a:prstGeom prst="cube">
+            <a:avLst>
+              <a:gd name="adj" fmla="val 28774"/>
+            </a:avLst>
+          </a:prstGeom>
+          <a:solidFill>
+            <a:schemeClr val="accent1"/>
           </a:solidFill>
           <a:ln>
             <a:solidFill>
@@ -14975,10 +15346,7 @@
             </a:avLst>
           </a:prstGeom>
           <a:solidFill>
-            <a:schemeClr val="tx1">
-              <a:lumMod val="50000"/>
-              <a:lumOff val="50000"/>
-            </a:schemeClr>
+            <a:schemeClr val="accent1"/>
           </a:solidFill>
           <a:ln>
             <a:solidFill>
@@ -15023,6 +15391,9 @@
             <a:chOff x="4743213" y="1779402"/>
             <a:chExt cx="551091" cy="594200"/>
           </a:xfrm>
+          <a:solidFill>
+            <a:schemeClr val="bg1"/>
+          </a:solidFill>
         </p:grpSpPr>
         <p:sp>
           <p:nvSpPr>
@@ -15040,9 +15411,7 @@
                 <a:gd name="adj" fmla="val 28774"/>
               </a:avLst>
             </a:prstGeom>
-            <a:solidFill>
-              <a:schemeClr val="accent6"/>
-            </a:solidFill>
+            <a:grpFill/>
             <a:ln>
               <a:solidFill>
                 <a:schemeClr val="tx1"/>
@@ -15089,9 +15458,7 @@
                 <a:gd name="adj" fmla="val 28774"/>
               </a:avLst>
             </a:prstGeom>
-            <a:solidFill>
-              <a:schemeClr val="accent6"/>
-            </a:solidFill>
+            <a:grpFill/>
             <a:ln>
               <a:solidFill>
                 <a:schemeClr val="tx1"/>
@@ -15138,9 +15505,7 @@
                 <a:gd name="adj" fmla="val 28774"/>
               </a:avLst>
             </a:prstGeom>
-            <a:solidFill>
-              <a:schemeClr val="accent6"/>
-            </a:solidFill>
+            <a:grpFill/>
             <a:ln>
               <a:solidFill>
                 <a:schemeClr val="tx1"/>
@@ -15238,7 +15603,7 @@
             </a:avLst>
           </a:prstGeom>
           <a:solidFill>
-            <a:schemeClr val="bg1"/>
+            <a:srgbClr val="00BF02"/>
           </a:solidFill>
           <a:ln>
             <a:solidFill>
@@ -15287,9 +15652,7 @@
             </a:avLst>
           </a:prstGeom>
           <a:solidFill>
-            <a:schemeClr val="bg1">
-              <a:lumMod val="50000"/>
-            </a:schemeClr>
+            <a:schemeClr val="accent1"/>
           </a:solidFill>
           <a:ln>
             <a:solidFill>
@@ -15338,7 +15701,7 @@
             </a:avLst>
           </a:prstGeom>
           <a:solidFill>
-            <a:schemeClr val="bg1"/>
+            <a:srgbClr val="00BF02"/>
           </a:solidFill>
           <a:ln>
             <a:solidFill>
@@ -15443,6 +15806,12 @@
             <a:chOff x="5006251" y="1159486"/>
             <a:chExt cx="1365836" cy="1472678"/>
           </a:xfrm>
+          <a:solidFill>
+            <a:schemeClr val="tx1">
+              <a:lumMod val="85000"/>
+              <a:lumOff val="15000"/>
+            </a:schemeClr>
+          </a:solidFill>
         </p:grpSpPr>
         <p:sp>
           <p:nvSpPr>
@@ -15460,9 +15829,7 @@
                 <a:gd name="adj" fmla="val 28774"/>
               </a:avLst>
             </a:prstGeom>
-            <a:solidFill>
-              <a:schemeClr val="accent1"/>
-            </a:solidFill>
+            <a:grpFill/>
             <a:ln>
               <a:solidFill>
                 <a:schemeClr val="tx1"/>
@@ -15509,9 +15876,7 @@
                 <a:gd name="adj" fmla="val 28774"/>
               </a:avLst>
             </a:prstGeom>
-            <a:solidFill>
-              <a:schemeClr val="accent1"/>
-            </a:solidFill>
+            <a:grpFill/>
             <a:ln>
               <a:solidFill>
                 <a:schemeClr val="tx1"/>
@@ -15558,9 +15923,7 @@
                 <a:gd name="adj" fmla="val 28774"/>
               </a:avLst>
             </a:prstGeom>
-            <a:solidFill>
-              <a:schemeClr val="accent1"/>
-            </a:solidFill>
+            <a:grpFill/>
             <a:ln>
               <a:solidFill>
                 <a:schemeClr val="tx1"/>
@@ -15658,155 +16021,8 @@
             </a:avLst>
           </a:prstGeom>
           <a:solidFill>
-            <a:srgbClr val="733604"/>
-          </a:solidFill>
-          <a:ln>
-            <a:solidFill>
-              <a:schemeClr val="tx1"/>
-            </a:solidFill>
-          </a:ln>
-          <a:effectLst/>
-        </p:spPr>
-        <p:style>
-          <a:lnRef idx="1">
-            <a:schemeClr val="accent1"/>
-          </a:lnRef>
-          <a:fillRef idx="3">
-            <a:schemeClr val="accent1"/>
-          </a:fillRef>
-          <a:effectRef idx="2">
-            <a:schemeClr val="accent1"/>
-          </a:effectRef>
-          <a:fontRef idx="minor">
-            <a:schemeClr val="lt1"/>
-          </a:fontRef>
-        </p:style>
-        <p:txBody>
-          <a:bodyPr rtlCol="0" anchor="ctr"/>
-          <a:lstStyle/>
-          <a:p>
-            <a:pPr algn="ctr"/>
-            <a:endParaRPr lang="en-GB"/>
-          </a:p>
-        </p:txBody>
-      </p:sp>
-      <p:sp>
-        <p:nvSpPr>
-          <p:cNvPr id="38" name="Cube 37"/>
-          <p:cNvSpPr/>
-          <p:nvPr/>
-        </p:nvSpPr>
-        <p:spPr>
-          <a:xfrm rot="10800000">
-            <a:off x="7334981" y="3122419"/>
-            <a:ext cx="889572" cy="992278"/>
-          </a:xfrm>
-          <a:prstGeom prst="cube">
-            <a:avLst>
-              <a:gd name="adj" fmla="val 28774"/>
-            </a:avLst>
-          </a:prstGeom>
-          <a:solidFill>
-            <a:schemeClr val="bg1"/>
-          </a:solidFill>
-          <a:ln>
-            <a:solidFill>
-              <a:schemeClr val="tx1"/>
-            </a:solidFill>
-          </a:ln>
-          <a:effectLst/>
-        </p:spPr>
-        <p:style>
-          <a:lnRef idx="1">
-            <a:schemeClr val="accent1"/>
-          </a:lnRef>
-          <a:fillRef idx="3">
-            <a:schemeClr val="accent1"/>
-          </a:fillRef>
-          <a:effectRef idx="2">
-            <a:schemeClr val="accent1"/>
-          </a:effectRef>
-          <a:fontRef idx="minor">
-            <a:schemeClr val="lt1"/>
-          </a:fontRef>
-        </p:style>
-        <p:txBody>
-          <a:bodyPr rtlCol="0" anchor="ctr"/>
-          <a:lstStyle/>
-          <a:p>
-            <a:pPr algn="ctr"/>
-            <a:endParaRPr lang="en-GB"/>
-          </a:p>
-        </p:txBody>
-      </p:sp>
-      <p:sp>
-        <p:nvSpPr>
-          <p:cNvPr id="39" name="Cube 38"/>
-          <p:cNvSpPr/>
-          <p:nvPr/>
-        </p:nvSpPr>
-        <p:spPr>
-          <a:xfrm rot="10800000">
-            <a:off x="7334981" y="3824122"/>
-            <a:ext cx="889572" cy="992278"/>
-          </a:xfrm>
-          <a:prstGeom prst="cube">
-            <a:avLst>
-              <a:gd name="adj" fmla="val 28774"/>
-            </a:avLst>
-          </a:prstGeom>
-          <a:solidFill>
-            <a:srgbClr val="733604"/>
-          </a:solidFill>
-          <a:ln>
-            <a:solidFill>
-              <a:schemeClr val="tx1"/>
-            </a:solidFill>
-          </a:ln>
-          <a:effectLst/>
-        </p:spPr>
-        <p:style>
-          <a:lnRef idx="1">
-            <a:schemeClr val="accent1"/>
-          </a:lnRef>
-          <a:fillRef idx="3">
-            <a:schemeClr val="accent1"/>
-          </a:fillRef>
-          <a:effectRef idx="2">
-            <a:schemeClr val="accent1"/>
-          </a:effectRef>
-          <a:fontRef idx="minor">
-            <a:schemeClr val="lt1"/>
-          </a:fontRef>
-        </p:style>
-        <p:txBody>
-          <a:bodyPr rtlCol="0" anchor="ctr"/>
-          <a:lstStyle/>
-          <a:p>
-            <a:pPr algn="ctr"/>
-            <a:endParaRPr lang="en-GB"/>
-          </a:p>
-        </p:txBody>
-      </p:sp>
-      <p:sp>
-        <p:nvSpPr>
-          <p:cNvPr id="40" name="Cube 39"/>
-          <p:cNvSpPr/>
-          <p:nvPr/>
-        </p:nvSpPr>
-        <p:spPr>
-          <a:xfrm rot="10800000">
-            <a:off x="6693796" y="3824122"/>
-            <a:ext cx="889572" cy="992278"/>
-          </a:xfrm>
-          <a:prstGeom prst="cube">
-            <a:avLst>
-              <a:gd name="adj" fmla="val 28774"/>
-            </a:avLst>
-          </a:prstGeom>
-          <a:solidFill>
-            <a:schemeClr val="bg1">
-              <a:lumMod val="50000"/>
+            <a:schemeClr val="accent6">
+              <a:lumMod val="75000"/>
             </a:schemeClr>
           </a:solidFill>
           <a:ln>
@@ -15841,13 +16057,13 @@
       </p:sp>
       <p:sp>
         <p:nvSpPr>
-          <p:cNvPr id="41" name="Cube 40"/>
+          <p:cNvPr id="38" name="Cube 37"/>
           <p:cNvSpPr/>
           <p:nvPr/>
         </p:nvSpPr>
         <p:spPr>
           <a:xfrm rot="10800000">
-            <a:off x="6070367" y="3824122"/>
+            <a:off x="7334981" y="3122419"/>
             <a:ext cx="889572" cy="992278"/>
           </a:xfrm>
           <a:prstGeom prst="cube">
@@ -15856,7 +16072,7 @@
             </a:avLst>
           </a:prstGeom>
           <a:solidFill>
-            <a:schemeClr val="bg1"/>
+            <a:srgbClr val="00BF02"/>
           </a:solidFill>
           <a:ln>
             <a:solidFill>
@@ -15890,13 +16106,13 @@
       </p:sp>
       <p:sp>
         <p:nvSpPr>
-          <p:cNvPr id="42" name="Cube 41"/>
+          <p:cNvPr id="39" name="Cube 38"/>
           <p:cNvSpPr/>
           <p:nvPr/>
         </p:nvSpPr>
         <p:spPr>
           <a:xfrm rot="10800000">
-            <a:off x="6069861" y="1626760"/>
+            <a:off x="7334981" y="3824122"/>
             <a:ext cx="889572" cy="992278"/>
           </a:xfrm>
           <a:prstGeom prst="cube">
@@ -15905,7 +16121,9 @@
             </a:avLst>
           </a:prstGeom>
           <a:solidFill>
-            <a:srgbClr val="733604"/>
+            <a:schemeClr val="accent6">
+              <a:lumMod val="75000"/>
+            </a:schemeClr>
           </a:solidFill>
           <a:ln>
             <a:solidFill>
@@ -15939,13 +16157,13 @@
       </p:sp>
       <p:sp>
         <p:nvSpPr>
-          <p:cNvPr id="43" name="Cube 42"/>
+          <p:cNvPr id="40" name="Cube 39"/>
           <p:cNvSpPr/>
           <p:nvPr/>
         </p:nvSpPr>
         <p:spPr>
           <a:xfrm rot="10800000">
-            <a:off x="5446432" y="1626760"/>
+            <a:off x="6693796" y="3824122"/>
             <a:ext cx="889572" cy="992278"/>
           </a:xfrm>
           <a:prstGeom prst="cube">
@@ -15954,9 +16172,156 @@
             </a:avLst>
           </a:prstGeom>
           <a:solidFill>
-            <a:schemeClr val="bg1">
-              <a:lumMod val="50000"/>
+            <a:schemeClr val="accent1"/>
+          </a:solidFill>
+          <a:ln>
+            <a:solidFill>
+              <a:schemeClr val="tx1"/>
+            </a:solidFill>
+          </a:ln>
+          <a:effectLst/>
+        </p:spPr>
+        <p:style>
+          <a:lnRef idx="1">
+            <a:schemeClr val="accent1"/>
+          </a:lnRef>
+          <a:fillRef idx="3">
+            <a:schemeClr val="accent1"/>
+          </a:fillRef>
+          <a:effectRef idx="2">
+            <a:schemeClr val="accent1"/>
+          </a:effectRef>
+          <a:fontRef idx="minor">
+            <a:schemeClr val="lt1"/>
+          </a:fontRef>
+        </p:style>
+        <p:txBody>
+          <a:bodyPr rtlCol="0" anchor="ctr"/>
+          <a:lstStyle/>
+          <a:p>
+            <a:pPr algn="ctr"/>
+            <a:endParaRPr lang="en-GB"/>
+          </a:p>
+        </p:txBody>
+      </p:sp>
+      <p:sp>
+        <p:nvSpPr>
+          <p:cNvPr id="41" name="Cube 40"/>
+          <p:cNvSpPr/>
+          <p:nvPr/>
+        </p:nvSpPr>
+        <p:spPr>
+          <a:xfrm rot="10800000">
+            <a:off x="6070367" y="3824122"/>
+            <a:ext cx="889572" cy="992278"/>
+          </a:xfrm>
+          <a:prstGeom prst="cube">
+            <a:avLst>
+              <a:gd name="adj" fmla="val 28774"/>
+            </a:avLst>
+          </a:prstGeom>
+          <a:solidFill>
+            <a:srgbClr val="00BF02"/>
+          </a:solidFill>
+          <a:ln>
+            <a:solidFill>
+              <a:schemeClr val="tx1"/>
+            </a:solidFill>
+          </a:ln>
+          <a:effectLst/>
+        </p:spPr>
+        <p:style>
+          <a:lnRef idx="1">
+            <a:schemeClr val="accent1"/>
+          </a:lnRef>
+          <a:fillRef idx="3">
+            <a:schemeClr val="accent1"/>
+          </a:fillRef>
+          <a:effectRef idx="2">
+            <a:schemeClr val="accent1"/>
+          </a:effectRef>
+          <a:fontRef idx="minor">
+            <a:schemeClr val="lt1"/>
+          </a:fontRef>
+        </p:style>
+        <p:txBody>
+          <a:bodyPr rtlCol="0" anchor="ctr"/>
+          <a:lstStyle/>
+          <a:p>
+            <a:pPr algn="ctr"/>
+            <a:endParaRPr lang="en-GB"/>
+          </a:p>
+        </p:txBody>
+      </p:sp>
+      <p:sp>
+        <p:nvSpPr>
+          <p:cNvPr id="42" name="Cube 41"/>
+          <p:cNvSpPr/>
+          <p:nvPr/>
+        </p:nvSpPr>
+        <p:spPr>
+          <a:xfrm rot="10800000">
+            <a:off x="6069861" y="1626760"/>
+            <a:ext cx="889572" cy="992278"/>
+          </a:xfrm>
+          <a:prstGeom prst="cube">
+            <a:avLst>
+              <a:gd name="adj" fmla="val 28774"/>
+            </a:avLst>
+          </a:prstGeom>
+          <a:solidFill>
+            <a:schemeClr val="accent6">
+              <a:lumMod val="75000"/>
             </a:schemeClr>
+          </a:solidFill>
+          <a:ln>
+            <a:solidFill>
+              <a:schemeClr val="tx1"/>
+            </a:solidFill>
+          </a:ln>
+          <a:effectLst/>
+        </p:spPr>
+        <p:style>
+          <a:lnRef idx="1">
+            <a:schemeClr val="accent1"/>
+          </a:lnRef>
+          <a:fillRef idx="3">
+            <a:schemeClr val="accent1"/>
+          </a:fillRef>
+          <a:effectRef idx="2">
+            <a:schemeClr val="accent1"/>
+          </a:effectRef>
+          <a:fontRef idx="minor">
+            <a:schemeClr val="lt1"/>
+          </a:fontRef>
+        </p:style>
+        <p:txBody>
+          <a:bodyPr rtlCol="0" anchor="ctr"/>
+          <a:lstStyle/>
+          <a:p>
+            <a:pPr algn="ctr"/>
+            <a:endParaRPr lang="en-GB"/>
+          </a:p>
+        </p:txBody>
+      </p:sp>
+      <p:sp>
+        <p:nvSpPr>
+          <p:cNvPr id="43" name="Cube 42"/>
+          <p:cNvSpPr/>
+          <p:nvPr/>
+        </p:nvSpPr>
+        <p:spPr>
+          <a:xfrm rot="10800000">
+            <a:off x="5446432" y="1626760"/>
+            <a:ext cx="889572" cy="992278"/>
+          </a:xfrm>
+          <a:prstGeom prst="cube">
+            <a:avLst>
+              <a:gd name="adj" fmla="val 28774"/>
+            </a:avLst>
+          </a:prstGeom>
+          <a:solidFill>
+            <a:schemeClr val="accent1"/>
           </a:solidFill>
           <a:ln>
             <a:solidFill>
@@ -16054,10 +16419,7 @@
             </a:avLst>
           </a:prstGeom>
           <a:solidFill>
-            <a:schemeClr val="tx1">
-              <a:lumMod val="50000"/>
-              <a:lumOff val="50000"/>
-            </a:schemeClr>
+            <a:schemeClr val="accent1"/>
           </a:solidFill>
           <a:ln>
             <a:solidFill>
@@ -16102,6 +16464,9 @@
             <a:chOff x="4743213" y="1779402"/>
             <a:chExt cx="551091" cy="594200"/>
           </a:xfrm>
+          <a:solidFill>
+            <a:schemeClr val="bg1"/>
+          </a:solidFill>
         </p:grpSpPr>
         <p:sp>
           <p:nvSpPr>
@@ -16119,9 +16484,7 @@
                 <a:gd name="adj" fmla="val 28774"/>
               </a:avLst>
             </a:prstGeom>
-            <a:solidFill>
-              <a:schemeClr val="accent6"/>
-            </a:solidFill>
+            <a:grpFill/>
             <a:ln>
               <a:solidFill>
                 <a:schemeClr val="tx1"/>
@@ -16168,9 +16531,7 @@
                 <a:gd name="adj" fmla="val 28774"/>
               </a:avLst>
             </a:prstGeom>
-            <a:solidFill>
-              <a:schemeClr val="accent6"/>
-            </a:solidFill>
+            <a:grpFill/>
             <a:ln>
               <a:solidFill>
                 <a:schemeClr val="tx1"/>
@@ -16217,9 +16578,7 @@
                 <a:gd name="adj" fmla="val 28774"/>
               </a:avLst>
             </a:prstGeom>
-            <a:solidFill>
-              <a:schemeClr val="accent6"/>
-            </a:solidFill>
+            <a:grpFill/>
             <a:ln>
               <a:solidFill>
                 <a:schemeClr val="tx1"/>
@@ -16317,7 +16676,7 @@
             </a:avLst>
           </a:prstGeom>
           <a:solidFill>
-            <a:schemeClr val="bg1"/>
+            <a:srgbClr val="00BF02"/>
           </a:solidFill>
           <a:ln>
             <a:solidFill>
@@ -16366,9 +16725,7 @@
             </a:avLst>
           </a:prstGeom>
           <a:solidFill>
-            <a:schemeClr val="bg1">
-              <a:lumMod val="50000"/>
-            </a:schemeClr>
+            <a:schemeClr val="accent1"/>
           </a:solidFill>
           <a:ln>
             <a:solidFill>
@@ -16417,7 +16774,7 @@
             </a:avLst>
           </a:prstGeom>
           <a:solidFill>
-            <a:schemeClr val="bg1"/>
+            <a:srgbClr val="00BF02"/>
           </a:solidFill>
           <a:ln>
             <a:solidFill>
@@ -16492,6 +16849,12 @@
             <a:chOff x="5006251" y="1159486"/>
             <a:chExt cx="1365836" cy="1472678"/>
           </a:xfrm>
+          <a:solidFill>
+            <a:schemeClr val="tx1">
+              <a:lumMod val="85000"/>
+              <a:lumOff val="15000"/>
+            </a:schemeClr>
+          </a:solidFill>
         </p:grpSpPr>
         <p:sp>
           <p:nvSpPr>
@@ -16509,9 +16872,7 @@
                 <a:gd name="adj" fmla="val 28774"/>
               </a:avLst>
             </a:prstGeom>
-            <a:solidFill>
-              <a:schemeClr val="accent1"/>
-            </a:solidFill>
+            <a:grpFill/>
             <a:ln>
               <a:solidFill>
                 <a:schemeClr val="tx1"/>
@@ -16558,9 +16919,7 @@
                 <a:gd name="adj" fmla="val 28774"/>
               </a:avLst>
             </a:prstGeom>
-            <a:solidFill>
-              <a:schemeClr val="accent1"/>
-            </a:solidFill>
+            <a:grpFill/>
             <a:ln>
               <a:solidFill>
                 <a:schemeClr val="tx1"/>
@@ -16607,9 +16966,7 @@
                 <a:gd name="adj" fmla="val 28774"/>
               </a:avLst>
             </a:prstGeom>
-            <a:solidFill>
-              <a:schemeClr val="accent1"/>
-            </a:solidFill>
+            <a:grpFill/>
             <a:ln>
               <a:solidFill>
                 <a:schemeClr val="tx1"/>
@@ -16658,7 +17015,9 @@
             </a:avLst>
           </a:prstGeom>
           <a:solidFill>
-            <a:srgbClr val="733604"/>
+            <a:schemeClr val="accent6">
+              <a:lumMod val="75000"/>
+            </a:schemeClr>
           </a:solidFill>
           <a:ln>
             <a:solidFill>
@@ -16756,9 +17115,7 @@
             </a:avLst>
           </a:prstGeom>
           <a:solidFill>
-            <a:schemeClr val="bg1">
-              <a:lumMod val="50000"/>
-            </a:schemeClr>
+            <a:schemeClr val="accent1"/>
           </a:solidFill>
           <a:ln>
             <a:solidFill>
@@ -16856,9 +17213,7 @@
             </a:avLst>
           </a:prstGeom>
           <a:solidFill>
-            <a:schemeClr val="bg1">
-              <a:lumMod val="50000"/>
-            </a:schemeClr>
+            <a:schemeClr val="accent1"/>
           </a:solidFill>
           <a:ln>
             <a:solidFill>
@@ -16956,7 +17311,7 @@
             </a:avLst>
           </a:prstGeom>
           <a:solidFill>
-            <a:schemeClr val="bg1"/>
+            <a:srgbClr val="00BF02"/>
           </a:solidFill>
           <a:ln>
             <a:solidFill>
@@ -17010,7 +17365,9 @@
             </a:avLst>
           </a:prstGeom>
           <a:solidFill>
-            <a:srgbClr val="733604"/>
+            <a:schemeClr val="accent6">
+              <a:lumMod val="75000"/>
+            </a:schemeClr>
           </a:solidFill>
           <a:ln>
             <a:solidFill>
@@ -17059,7 +17416,7 @@
             </a:avLst>
           </a:prstGeom>
           <a:solidFill>
-            <a:schemeClr val="bg1"/>
+            <a:srgbClr val="00BF02"/>
           </a:solidFill>
           <a:ln>
             <a:solidFill>
@@ -17108,7 +17465,9 @@
             </a:avLst>
           </a:prstGeom>
           <a:solidFill>
-            <a:srgbClr val="733604"/>
+            <a:schemeClr val="accent6">
+              <a:lumMod val="75000"/>
+            </a:schemeClr>
           </a:solidFill>
           <a:ln>
             <a:solidFill>
@@ -17157,7 +17516,7 @@
             </a:avLst>
           </a:prstGeom>
           <a:solidFill>
-            <a:schemeClr val="bg1"/>
+            <a:srgbClr val="00BF02"/>
           </a:solidFill>
           <a:ln>
             <a:solidFill>
@@ -17206,7 +17565,9 @@
             </a:avLst>
           </a:prstGeom>
           <a:solidFill>
-            <a:srgbClr val="733604"/>
+            <a:schemeClr val="accent6">
+              <a:lumMod val="75000"/>
+            </a:schemeClr>
           </a:solidFill>
           <a:ln>
             <a:solidFill>
@@ -17304,9 +17665,7 @@
             </a:avLst>
           </a:prstGeom>
           <a:solidFill>
-            <a:schemeClr val="bg1">
-              <a:lumMod val="50000"/>
-            </a:schemeClr>
+            <a:schemeClr val="accent1"/>
           </a:solidFill>
           <a:ln>
             <a:solidFill>
@@ -17355,7 +17714,7 @@
             </a:avLst>
           </a:prstGeom>
           <a:solidFill>
-            <a:schemeClr val="bg1"/>
+            <a:srgbClr val="00BF02"/>
           </a:solidFill>
           <a:ln>
             <a:solidFill>
@@ -17409,9 +17768,7 @@
             </a:avLst>
           </a:prstGeom>
           <a:solidFill>
-            <a:schemeClr val="bg1">
-              <a:lumMod val="50000"/>
-            </a:schemeClr>
+            <a:schemeClr val="accent1"/>
           </a:solidFill>
           <a:ln>
             <a:solidFill>
@@ -17456,6 +17813,9 @@
             <a:chOff x="4743213" y="1779402"/>
             <a:chExt cx="551091" cy="594200"/>
           </a:xfrm>
+          <a:solidFill>
+            <a:schemeClr val="bg1"/>
+          </a:solidFill>
         </p:grpSpPr>
         <p:sp>
           <p:nvSpPr>
@@ -17473,9 +17833,7 @@
                 <a:gd name="adj" fmla="val 28774"/>
               </a:avLst>
             </a:prstGeom>
-            <a:solidFill>
-              <a:schemeClr val="accent6"/>
-            </a:solidFill>
+            <a:grpFill/>
             <a:ln>
               <a:solidFill>
                 <a:schemeClr val="tx1"/>
@@ -17522,9 +17880,7 @@
                 <a:gd name="adj" fmla="val 28774"/>
               </a:avLst>
             </a:prstGeom>
-            <a:solidFill>
-              <a:schemeClr val="accent6"/>
-            </a:solidFill>
+            <a:grpFill/>
             <a:ln>
               <a:solidFill>
                 <a:schemeClr val="tx1"/>
@@ -17571,9 +17927,7 @@
                 <a:gd name="adj" fmla="val 28774"/>
               </a:avLst>
             </a:prstGeom>
-            <a:solidFill>
-              <a:schemeClr val="accent6"/>
-            </a:solidFill>
+            <a:grpFill/>
             <a:ln>
               <a:solidFill>
                 <a:schemeClr val="tx1"/>
@@ -17678,6 +18032,12 @@
             <a:chOff x="5006251" y="1159486"/>
             <a:chExt cx="1365836" cy="1472678"/>
           </a:xfrm>
+          <a:solidFill>
+            <a:schemeClr val="tx1">
+              <a:lumMod val="85000"/>
+              <a:lumOff val="15000"/>
+            </a:schemeClr>
+          </a:solidFill>
         </p:grpSpPr>
         <p:sp>
           <p:nvSpPr>
@@ -17695,9 +18055,7 @@
                 <a:gd name="adj" fmla="val 28774"/>
               </a:avLst>
             </a:prstGeom>
-            <a:solidFill>
-              <a:schemeClr val="accent1"/>
-            </a:solidFill>
+            <a:grpFill/>
             <a:ln>
               <a:solidFill>
                 <a:schemeClr val="tx1"/>
@@ -17744,9 +18102,7 @@
                 <a:gd name="adj" fmla="val 28774"/>
               </a:avLst>
             </a:prstGeom>
-            <a:solidFill>
-              <a:schemeClr val="accent1"/>
-            </a:solidFill>
+            <a:grpFill/>
             <a:ln>
               <a:solidFill>
                 <a:schemeClr val="tx1"/>
@@ -17793,9 +18149,7 @@
                 <a:gd name="adj" fmla="val 28774"/>
               </a:avLst>
             </a:prstGeom>
-            <a:solidFill>
-              <a:schemeClr val="accent1"/>
-            </a:solidFill>
+            <a:grpFill/>
             <a:ln>
               <a:solidFill>
                 <a:schemeClr val="tx1"/>
@@ -17844,7 +18198,9 @@
             </a:avLst>
           </a:prstGeom>
           <a:solidFill>
-            <a:srgbClr val="733604"/>
+            <a:schemeClr val="accent6">
+              <a:lumMod val="75000"/>
+            </a:schemeClr>
           </a:solidFill>
           <a:ln>
             <a:solidFill>
@@ -17942,9 +18298,7 @@
             </a:avLst>
           </a:prstGeom>
           <a:solidFill>
-            <a:schemeClr val="bg1">
-              <a:lumMod val="50000"/>
-            </a:schemeClr>
+            <a:schemeClr val="accent1"/>
           </a:solidFill>
           <a:ln>
             <a:solidFill>
@@ -18042,9 +18396,7 @@
             </a:avLst>
           </a:prstGeom>
           <a:solidFill>
-            <a:schemeClr val="bg1">
-              <a:lumMod val="50000"/>
-            </a:schemeClr>
+            <a:schemeClr val="accent1"/>
           </a:solidFill>
           <a:ln>
             <a:solidFill>
@@ -18142,7 +18494,7 @@
             </a:avLst>
           </a:prstGeom>
           <a:solidFill>
-            <a:schemeClr val="bg1"/>
+            <a:srgbClr val="00BF02"/>
           </a:solidFill>
           <a:ln>
             <a:solidFill>
@@ -18196,7 +18548,9 @@
             </a:avLst>
           </a:prstGeom>
           <a:solidFill>
-            <a:srgbClr val="733604"/>
+            <a:schemeClr val="accent6">
+              <a:lumMod val="75000"/>
+            </a:schemeClr>
           </a:solidFill>
           <a:ln>
             <a:solidFill>
@@ -18245,7 +18599,7 @@
             </a:avLst>
           </a:prstGeom>
           <a:solidFill>
-            <a:schemeClr val="bg1"/>
+            <a:srgbClr val="00BF02"/>
           </a:solidFill>
           <a:ln>
             <a:solidFill>
@@ -18294,7 +18648,9 @@
             </a:avLst>
           </a:prstGeom>
           <a:solidFill>
-            <a:srgbClr val="733604"/>
+            <a:schemeClr val="accent6">
+              <a:lumMod val="75000"/>
+            </a:schemeClr>
           </a:solidFill>
           <a:ln>
             <a:solidFill>
@@ -18343,7 +18699,7 @@
             </a:avLst>
           </a:prstGeom>
           <a:solidFill>
-            <a:schemeClr val="bg1"/>
+            <a:srgbClr val="00BF02"/>
           </a:solidFill>
           <a:ln>
             <a:solidFill>
@@ -18392,7 +18748,9 @@
             </a:avLst>
           </a:prstGeom>
           <a:solidFill>
-            <a:srgbClr val="733604"/>
+            <a:schemeClr val="accent6">
+              <a:lumMod val="75000"/>
+            </a:schemeClr>
           </a:solidFill>
           <a:ln>
             <a:solidFill>
@@ -18490,9 +18848,7 @@
             </a:avLst>
           </a:prstGeom>
           <a:solidFill>
-            <a:schemeClr val="bg1">
-              <a:lumMod val="50000"/>
-            </a:schemeClr>
+            <a:schemeClr val="accent1"/>
           </a:solidFill>
           <a:ln>
             <a:solidFill>
@@ -18541,7 +18897,7 @@
             </a:avLst>
           </a:prstGeom>
           <a:solidFill>
-            <a:schemeClr val="bg1"/>
+            <a:srgbClr val="00BF02"/>
           </a:solidFill>
           <a:ln>
             <a:solidFill>
@@ -18595,9 +18951,7 @@
             </a:avLst>
           </a:prstGeom>
           <a:solidFill>
-            <a:schemeClr val="bg1">
-              <a:lumMod val="50000"/>
-            </a:schemeClr>
+            <a:schemeClr val="accent1"/>
           </a:solidFill>
           <a:ln>
             <a:solidFill>
@@ -18642,6 +18996,9 @@
             <a:chOff x="4743213" y="1779402"/>
             <a:chExt cx="551091" cy="594200"/>
           </a:xfrm>
+          <a:solidFill>
+            <a:schemeClr val="bg1"/>
+          </a:solidFill>
         </p:grpSpPr>
         <p:sp>
           <p:nvSpPr>
@@ -18659,9 +19016,7 @@
                 <a:gd name="adj" fmla="val 28774"/>
               </a:avLst>
             </a:prstGeom>
-            <a:solidFill>
-              <a:schemeClr val="accent6"/>
-            </a:solidFill>
+            <a:grpFill/>
             <a:ln>
               <a:solidFill>
                 <a:schemeClr val="tx1"/>
@@ -18708,9 +19063,7 @@
                 <a:gd name="adj" fmla="val 28774"/>
               </a:avLst>
             </a:prstGeom>
-            <a:solidFill>
-              <a:schemeClr val="accent6"/>
-            </a:solidFill>
+            <a:grpFill/>
             <a:ln>
               <a:solidFill>
                 <a:schemeClr val="tx1"/>
@@ -18757,9 +19110,7 @@
                 <a:gd name="adj" fmla="val 28774"/>
               </a:avLst>
             </a:prstGeom>
-            <a:solidFill>
-              <a:schemeClr val="accent6"/>
-            </a:solidFill>
+            <a:grpFill/>
             <a:ln>
               <a:solidFill>
                 <a:schemeClr val="tx1"/>
@@ -18795,6 +19146,1510 @@
     <p:extLst>
       <p:ext uri="{BB962C8B-B14F-4D97-AF65-F5344CB8AC3E}">
         <p14:creationId xmlns:p14="http://schemas.microsoft.com/office/powerpoint/2010/main" val="987202000"/>
+      </p:ext>
+    </p:extLst>
+  </p:cSld>
+  <p:clrMapOvr>
+    <a:masterClrMapping/>
+  </p:clrMapOvr>
+</p:sld>
+</file>
+
+<file path=ppt/slides/slide9.xml><?xml version="1.0" encoding="utf-8"?>
+<p:sld xmlns:a="http://schemas.openxmlformats.org/drawingml/2006/main" xmlns:r="http://schemas.openxmlformats.org/officeDocument/2006/relationships" xmlns:p="http://schemas.openxmlformats.org/presentationml/2006/main">
+  <p:cSld>
+    <p:spTree>
+      <p:nvGrpSpPr>
+        <p:cNvPr id="1" name=""/>
+        <p:cNvGrpSpPr/>
+        <p:nvPr/>
+      </p:nvGrpSpPr>
+      <p:grpSpPr>
+        <a:xfrm>
+          <a:off x="0" y="0"/>
+          <a:ext cx="0" cy="0"/>
+          <a:chOff x="0" y="0"/>
+          <a:chExt cx="0" cy="0"/>
+        </a:xfrm>
+      </p:grpSpPr>
+      <p:grpSp>
+        <p:nvGrpSpPr>
+          <p:cNvPr id="4" name="Group 3"/>
+          <p:cNvGrpSpPr/>
+          <p:nvPr/>
+        </p:nvGrpSpPr>
+        <p:grpSpPr>
+          <a:xfrm>
+            <a:off x="2390178" y="1804673"/>
+            <a:ext cx="1365836" cy="1472678"/>
+            <a:chOff x="5006251" y="1159486"/>
+            <a:chExt cx="1365836" cy="1472678"/>
+          </a:xfrm>
+          <a:solidFill>
+            <a:schemeClr val="tx1">
+              <a:lumMod val="85000"/>
+              <a:lumOff val="15000"/>
+            </a:schemeClr>
+          </a:solidFill>
+        </p:grpSpPr>
+        <p:sp>
+          <p:nvSpPr>
+            <p:cNvPr id="5" name="Cube 4"/>
+            <p:cNvSpPr/>
+            <p:nvPr/>
+          </p:nvSpPr>
+          <p:spPr>
+            <a:xfrm rot="10800000">
+              <a:off x="5006251" y="1639886"/>
+              <a:ext cx="889572" cy="992278"/>
+            </a:xfrm>
+            <a:prstGeom prst="cube">
+              <a:avLst>
+                <a:gd name="adj" fmla="val 28774"/>
+              </a:avLst>
+            </a:prstGeom>
+            <a:grpFill/>
+            <a:ln>
+              <a:solidFill>
+                <a:schemeClr val="tx1"/>
+              </a:solidFill>
+            </a:ln>
+            <a:effectLst/>
+          </p:spPr>
+          <p:style>
+            <a:lnRef idx="1">
+              <a:schemeClr val="accent1"/>
+            </a:lnRef>
+            <a:fillRef idx="3">
+              <a:schemeClr val="accent1"/>
+            </a:fillRef>
+            <a:effectRef idx="2">
+              <a:schemeClr val="accent1"/>
+            </a:effectRef>
+            <a:fontRef idx="minor">
+              <a:schemeClr val="lt1"/>
+            </a:fontRef>
+          </p:style>
+          <p:txBody>
+            <a:bodyPr rtlCol="0" anchor="ctr"/>
+            <a:lstStyle/>
+            <a:p>
+              <a:pPr algn="ctr"/>
+              <a:endParaRPr lang="en-GB"/>
+            </a:p>
+          </p:txBody>
+        </p:sp>
+        <p:sp>
+          <p:nvSpPr>
+            <p:cNvPr id="6" name="Cube 5"/>
+            <p:cNvSpPr/>
+            <p:nvPr/>
+          </p:nvSpPr>
+          <p:spPr>
+            <a:xfrm rot="10800000">
+              <a:off x="5244398" y="1396302"/>
+              <a:ext cx="889572" cy="992278"/>
+            </a:xfrm>
+            <a:prstGeom prst="cube">
+              <a:avLst>
+                <a:gd name="adj" fmla="val 28774"/>
+              </a:avLst>
+            </a:prstGeom>
+            <a:grpFill/>
+            <a:ln>
+              <a:solidFill>
+                <a:schemeClr val="tx1"/>
+              </a:solidFill>
+            </a:ln>
+            <a:effectLst/>
+          </p:spPr>
+          <p:style>
+            <a:lnRef idx="1">
+              <a:schemeClr val="accent1"/>
+            </a:lnRef>
+            <a:fillRef idx="3">
+              <a:schemeClr val="accent1"/>
+            </a:fillRef>
+            <a:effectRef idx="2">
+              <a:schemeClr val="accent1"/>
+            </a:effectRef>
+            <a:fontRef idx="minor">
+              <a:schemeClr val="lt1"/>
+            </a:fontRef>
+          </p:style>
+          <p:txBody>
+            <a:bodyPr rtlCol="0" anchor="ctr"/>
+            <a:lstStyle/>
+            <a:p>
+              <a:pPr algn="ctr"/>
+              <a:endParaRPr lang="en-GB"/>
+            </a:p>
+          </p:txBody>
+        </p:sp>
+        <p:sp>
+          <p:nvSpPr>
+            <p:cNvPr id="7" name="Cube 6"/>
+            <p:cNvSpPr/>
+            <p:nvPr/>
+          </p:nvSpPr>
+          <p:spPr>
+            <a:xfrm rot="10800000">
+              <a:off x="5482515" y="1159486"/>
+              <a:ext cx="889572" cy="992278"/>
+            </a:xfrm>
+            <a:prstGeom prst="cube">
+              <a:avLst>
+                <a:gd name="adj" fmla="val 28774"/>
+              </a:avLst>
+            </a:prstGeom>
+            <a:grpFill/>
+            <a:ln>
+              <a:solidFill>
+                <a:schemeClr val="tx1"/>
+              </a:solidFill>
+            </a:ln>
+            <a:effectLst/>
+          </p:spPr>
+          <p:style>
+            <a:lnRef idx="1">
+              <a:schemeClr val="accent1"/>
+            </a:lnRef>
+            <a:fillRef idx="3">
+              <a:schemeClr val="accent1"/>
+            </a:fillRef>
+            <a:effectRef idx="2">
+              <a:schemeClr val="accent1"/>
+            </a:effectRef>
+            <a:fontRef idx="minor">
+              <a:schemeClr val="lt1"/>
+            </a:fontRef>
+          </p:style>
+          <p:txBody>
+            <a:bodyPr rtlCol="0" anchor="ctr"/>
+            <a:lstStyle/>
+            <a:p>
+              <a:pPr algn="ctr"/>
+              <a:endParaRPr lang="en-GB"/>
+            </a:p>
+          </p:txBody>
+        </p:sp>
+      </p:grpSp>
+      <p:sp>
+        <p:nvSpPr>
+          <p:cNvPr id="28" name="Cube 27"/>
+          <p:cNvSpPr/>
+          <p:nvPr/>
+        </p:nvSpPr>
+        <p:spPr>
+          <a:xfrm rot="10800000">
+            <a:off x="2383144" y="3061042"/>
+            <a:ext cx="889572" cy="992278"/>
+          </a:xfrm>
+          <a:prstGeom prst="cube">
+            <a:avLst>
+              <a:gd name="adj" fmla="val 28774"/>
+            </a:avLst>
+          </a:prstGeom>
+          <a:solidFill>
+            <a:srgbClr val="00BF02"/>
+          </a:solidFill>
+          <a:ln>
+            <a:solidFill>
+              <a:schemeClr val="tx1"/>
+            </a:solidFill>
+          </a:ln>
+          <a:effectLst/>
+          <a:scene3d>
+            <a:camera prst="orthographicFront"/>
+            <a:lightRig rig="threePt" dir="t"/>
+          </a:scene3d>
+          <a:sp3d prstMaterial="powder"/>
+        </p:spPr>
+        <p:style>
+          <a:lnRef idx="1">
+            <a:schemeClr val="accent1"/>
+          </a:lnRef>
+          <a:fillRef idx="3">
+            <a:schemeClr val="accent1"/>
+          </a:fillRef>
+          <a:effectRef idx="2">
+            <a:schemeClr val="accent1"/>
+          </a:effectRef>
+          <a:fontRef idx="minor">
+            <a:schemeClr val="lt1"/>
+          </a:fontRef>
+        </p:style>
+        <p:txBody>
+          <a:bodyPr rtlCol="0" anchor="ctr"/>
+          <a:lstStyle/>
+          <a:p>
+            <a:pPr algn="ctr"/>
+            <a:endParaRPr lang="en-GB"/>
+          </a:p>
+        </p:txBody>
+      </p:sp>
+      <p:sp>
+        <p:nvSpPr>
+          <p:cNvPr id="26" name="Cube 25"/>
+          <p:cNvSpPr/>
+          <p:nvPr/>
+        </p:nvSpPr>
+        <p:spPr>
+          <a:xfrm rot="10800000">
+            <a:off x="1761571" y="2252158"/>
+            <a:ext cx="889572" cy="992278"/>
+          </a:xfrm>
+          <a:prstGeom prst="cube">
+            <a:avLst>
+              <a:gd name="adj" fmla="val 28774"/>
+            </a:avLst>
+          </a:prstGeom>
+          <a:solidFill>
+            <a:schemeClr val="accent6">
+              <a:lumMod val="75000"/>
+            </a:schemeClr>
+          </a:solidFill>
+          <a:ln>
+            <a:solidFill>
+              <a:schemeClr val="tx1"/>
+            </a:solidFill>
+          </a:ln>
+          <a:effectLst/>
+        </p:spPr>
+        <p:style>
+          <a:lnRef idx="1">
+            <a:schemeClr val="accent1"/>
+          </a:lnRef>
+          <a:fillRef idx="3">
+            <a:schemeClr val="accent1"/>
+          </a:fillRef>
+          <a:effectRef idx="2">
+            <a:schemeClr val="accent1"/>
+          </a:effectRef>
+          <a:fontRef idx="minor">
+            <a:schemeClr val="lt1"/>
+          </a:fontRef>
+        </p:style>
+        <p:txBody>
+          <a:bodyPr rtlCol="0" anchor="ctr"/>
+          <a:lstStyle/>
+          <a:p>
+            <a:pPr algn="ctr"/>
+            <a:endParaRPr lang="en-GB"/>
+          </a:p>
+        </p:txBody>
+      </p:sp>
+      <p:sp>
+        <p:nvSpPr>
+          <p:cNvPr id="27" name="Cube 26"/>
+          <p:cNvSpPr/>
+          <p:nvPr/>
+        </p:nvSpPr>
+        <p:spPr>
+          <a:xfrm rot="10800000">
+            <a:off x="1080138" y="2287125"/>
+            <a:ext cx="889572" cy="992278"/>
+          </a:xfrm>
+          <a:prstGeom prst="cube">
+            <a:avLst>
+              <a:gd name="adj" fmla="val 28774"/>
+            </a:avLst>
+          </a:prstGeom>
+          <a:solidFill>
+            <a:srgbClr val="00BF02"/>
+          </a:solidFill>
+          <a:ln>
+            <a:solidFill>
+              <a:schemeClr val="tx1"/>
+            </a:solidFill>
+          </a:ln>
+          <a:effectLst/>
+          <a:scene3d>
+            <a:camera prst="orthographicFront"/>
+            <a:lightRig rig="threePt" dir="t"/>
+          </a:scene3d>
+          <a:sp3d prstMaterial="powder"/>
+        </p:spPr>
+        <p:style>
+          <a:lnRef idx="1">
+            <a:schemeClr val="accent1"/>
+          </a:lnRef>
+          <a:fillRef idx="3">
+            <a:schemeClr val="accent1"/>
+          </a:fillRef>
+          <a:effectRef idx="2">
+            <a:schemeClr val="accent1"/>
+          </a:effectRef>
+          <a:fontRef idx="minor">
+            <a:schemeClr val="lt1"/>
+          </a:fontRef>
+        </p:style>
+        <p:txBody>
+          <a:bodyPr rtlCol="0" anchor="ctr"/>
+          <a:lstStyle/>
+          <a:p>
+            <a:pPr algn="ctr"/>
+            <a:endParaRPr lang="en-GB"/>
+          </a:p>
+        </p:txBody>
+      </p:sp>
+      <p:sp>
+        <p:nvSpPr>
+          <p:cNvPr id="20" name="Cube 19"/>
+          <p:cNvSpPr/>
+          <p:nvPr/>
+        </p:nvSpPr>
+        <p:spPr>
+          <a:xfrm rot="10800000">
+            <a:off x="2383277" y="3788637"/>
+            <a:ext cx="889572" cy="992278"/>
+          </a:xfrm>
+          <a:prstGeom prst="cube">
+            <a:avLst>
+              <a:gd name="adj" fmla="val 28774"/>
+            </a:avLst>
+          </a:prstGeom>
+          <a:solidFill>
+            <a:srgbClr val="00BF02"/>
+          </a:solidFill>
+          <a:ln>
+            <a:solidFill>
+              <a:schemeClr val="tx1"/>
+            </a:solidFill>
+          </a:ln>
+          <a:effectLst/>
+          <a:scene3d>
+            <a:camera prst="orthographicFront"/>
+            <a:lightRig rig="threePt" dir="t"/>
+          </a:scene3d>
+          <a:sp3d prstMaterial="powder"/>
+        </p:spPr>
+        <p:style>
+          <a:lnRef idx="1">
+            <a:schemeClr val="accent1"/>
+          </a:lnRef>
+          <a:fillRef idx="3">
+            <a:schemeClr val="accent1"/>
+          </a:fillRef>
+          <a:effectRef idx="2">
+            <a:schemeClr val="accent1"/>
+          </a:effectRef>
+          <a:fontRef idx="minor">
+            <a:schemeClr val="lt1"/>
+          </a:fontRef>
+        </p:style>
+        <p:txBody>
+          <a:bodyPr rtlCol="0" anchor="ctr"/>
+          <a:lstStyle/>
+          <a:p>
+            <a:pPr algn="ctr"/>
+            <a:endParaRPr lang="en-GB"/>
+          </a:p>
+        </p:txBody>
+      </p:sp>
+      <p:sp>
+        <p:nvSpPr>
+          <p:cNvPr id="21" name="Cube 20"/>
+          <p:cNvSpPr/>
+          <p:nvPr/>
+        </p:nvSpPr>
+        <p:spPr>
+          <a:xfrm rot="10800000">
+            <a:off x="1748156" y="3788637"/>
+            <a:ext cx="889572" cy="992278"/>
+          </a:xfrm>
+          <a:prstGeom prst="cube">
+            <a:avLst>
+              <a:gd name="adj" fmla="val 28774"/>
+            </a:avLst>
+          </a:prstGeom>
+          <a:solidFill>
+            <a:schemeClr val="accent6">
+              <a:lumMod val="75000"/>
+            </a:schemeClr>
+          </a:solidFill>
+          <a:ln>
+            <a:solidFill>
+              <a:schemeClr val="tx1"/>
+            </a:solidFill>
+          </a:ln>
+          <a:effectLst/>
+        </p:spPr>
+        <p:style>
+          <a:lnRef idx="1">
+            <a:schemeClr val="accent1"/>
+          </a:lnRef>
+          <a:fillRef idx="3">
+            <a:schemeClr val="accent1"/>
+          </a:fillRef>
+          <a:effectRef idx="2">
+            <a:schemeClr val="accent1"/>
+          </a:effectRef>
+          <a:fontRef idx="minor">
+            <a:schemeClr val="lt1"/>
+          </a:fontRef>
+        </p:style>
+        <p:txBody>
+          <a:bodyPr rtlCol="0" anchor="ctr"/>
+          <a:lstStyle/>
+          <a:p>
+            <a:pPr algn="ctr"/>
+            <a:endParaRPr lang="en-GB"/>
+          </a:p>
+        </p:txBody>
+      </p:sp>
+      <p:sp>
+        <p:nvSpPr>
+          <p:cNvPr id="23" name="Cube 22"/>
+          <p:cNvSpPr/>
+          <p:nvPr/>
+        </p:nvSpPr>
+        <p:spPr>
+          <a:xfrm rot="10800000">
+            <a:off x="1080138" y="3026067"/>
+            <a:ext cx="889572" cy="992278"/>
+          </a:xfrm>
+          <a:prstGeom prst="cube">
+            <a:avLst>
+              <a:gd name="adj" fmla="val 28774"/>
+            </a:avLst>
+          </a:prstGeom>
+          <a:solidFill>
+            <a:srgbClr val="00BF02"/>
+          </a:solidFill>
+          <a:ln>
+            <a:solidFill>
+              <a:schemeClr val="tx1"/>
+            </a:solidFill>
+          </a:ln>
+          <a:effectLst/>
+          <a:scene3d>
+            <a:camera prst="orthographicFront"/>
+            <a:lightRig rig="threePt" dir="t"/>
+          </a:scene3d>
+          <a:sp3d prstMaterial="powder"/>
+        </p:spPr>
+        <p:style>
+          <a:lnRef idx="1">
+            <a:schemeClr val="accent1"/>
+          </a:lnRef>
+          <a:fillRef idx="3">
+            <a:schemeClr val="accent1"/>
+          </a:fillRef>
+          <a:effectRef idx="2">
+            <a:schemeClr val="accent1"/>
+          </a:effectRef>
+          <a:fontRef idx="minor">
+            <a:schemeClr val="lt1"/>
+          </a:fontRef>
+        </p:style>
+        <p:txBody>
+          <a:bodyPr rtlCol="0" anchor="ctr"/>
+          <a:lstStyle/>
+          <a:p>
+            <a:pPr algn="ctr"/>
+            <a:endParaRPr lang="en-GB"/>
+          </a:p>
+        </p:txBody>
+      </p:sp>
+      <p:sp>
+        <p:nvSpPr>
+          <p:cNvPr id="24" name="Cube 23"/>
+          <p:cNvSpPr/>
+          <p:nvPr/>
+        </p:nvSpPr>
+        <p:spPr>
+          <a:xfrm rot="10800000">
+            <a:off x="1999688" y="2009282"/>
+            <a:ext cx="889572" cy="992278"/>
+          </a:xfrm>
+          <a:prstGeom prst="cube">
+            <a:avLst>
+              <a:gd name="adj" fmla="val 28774"/>
+            </a:avLst>
+          </a:prstGeom>
+          <a:solidFill>
+            <a:schemeClr val="accent6">
+              <a:lumMod val="75000"/>
+            </a:schemeClr>
+          </a:solidFill>
+          <a:ln>
+            <a:solidFill>
+              <a:schemeClr val="tx1"/>
+            </a:solidFill>
+          </a:ln>
+          <a:effectLst/>
+        </p:spPr>
+        <p:style>
+          <a:lnRef idx="1">
+            <a:schemeClr val="accent1"/>
+          </a:lnRef>
+          <a:fillRef idx="3">
+            <a:schemeClr val="accent1"/>
+          </a:fillRef>
+          <a:effectRef idx="2">
+            <a:schemeClr val="accent1"/>
+          </a:effectRef>
+          <a:fontRef idx="minor">
+            <a:schemeClr val="lt1"/>
+          </a:fontRef>
+        </p:style>
+        <p:txBody>
+          <a:bodyPr rtlCol="0" anchor="ctr"/>
+          <a:lstStyle/>
+          <a:p>
+            <a:pPr algn="ctr"/>
+            <a:endParaRPr lang="en-GB"/>
+          </a:p>
+        </p:txBody>
+      </p:sp>
+      <p:sp>
+        <p:nvSpPr>
+          <p:cNvPr id="25" name="Cube 24"/>
+          <p:cNvSpPr/>
+          <p:nvPr/>
+        </p:nvSpPr>
+        <p:spPr>
+          <a:xfrm rot="10800000">
+            <a:off x="1335067" y="2758968"/>
+            <a:ext cx="889572" cy="992278"/>
+          </a:xfrm>
+          <a:prstGeom prst="cube">
+            <a:avLst>
+              <a:gd name="adj" fmla="val 28774"/>
+            </a:avLst>
+          </a:prstGeom>
+          <a:solidFill>
+            <a:schemeClr val="accent6">
+              <a:lumMod val="75000"/>
+            </a:schemeClr>
+          </a:solidFill>
+          <a:ln>
+            <a:solidFill>
+              <a:schemeClr val="tx1"/>
+            </a:solidFill>
+          </a:ln>
+          <a:effectLst/>
+        </p:spPr>
+        <p:style>
+          <a:lnRef idx="1">
+            <a:schemeClr val="accent1"/>
+          </a:lnRef>
+          <a:fillRef idx="3">
+            <a:schemeClr val="accent1"/>
+          </a:fillRef>
+          <a:effectRef idx="2">
+            <a:schemeClr val="accent1"/>
+          </a:effectRef>
+          <a:fontRef idx="minor">
+            <a:schemeClr val="lt1"/>
+          </a:fontRef>
+        </p:style>
+        <p:txBody>
+          <a:bodyPr rtlCol="0" anchor="ctr"/>
+          <a:lstStyle/>
+          <a:p>
+            <a:pPr algn="ctr"/>
+            <a:endParaRPr lang="en-GB"/>
+          </a:p>
+        </p:txBody>
+      </p:sp>
+      <p:grpSp>
+        <p:nvGrpSpPr>
+          <p:cNvPr id="8" name="Group 7"/>
+          <p:cNvGrpSpPr/>
+          <p:nvPr/>
+        </p:nvGrpSpPr>
+        <p:grpSpPr>
+          <a:xfrm>
+            <a:off x="1084536" y="3244437"/>
+            <a:ext cx="1436309" cy="1541389"/>
+            <a:chOff x="4743213" y="1779402"/>
+            <a:chExt cx="551091" cy="594200"/>
+          </a:xfrm>
+          <a:solidFill>
+            <a:schemeClr val="bg1"/>
+          </a:solidFill>
+        </p:grpSpPr>
+        <p:sp>
+          <p:nvSpPr>
+            <p:cNvPr id="9" name="Cube 8"/>
+            <p:cNvSpPr/>
+            <p:nvPr/>
+          </p:nvSpPr>
+          <p:spPr>
+            <a:xfrm rot="10800000">
+              <a:off x="4743213" y="1973235"/>
+              <a:ext cx="358927" cy="400367"/>
+            </a:xfrm>
+            <a:prstGeom prst="cube">
+              <a:avLst>
+                <a:gd name="adj" fmla="val 28774"/>
+              </a:avLst>
+            </a:prstGeom>
+            <a:grpFill/>
+            <a:ln>
+              <a:solidFill>
+                <a:schemeClr val="tx1"/>
+              </a:solidFill>
+            </a:ln>
+            <a:effectLst/>
+          </p:spPr>
+          <p:style>
+            <a:lnRef idx="1">
+              <a:schemeClr val="accent1"/>
+            </a:lnRef>
+            <a:fillRef idx="3">
+              <a:schemeClr val="accent1"/>
+            </a:fillRef>
+            <a:effectRef idx="2">
+              <a:schemeClr val="accent1"/>
+            </a:effectRef>
+            <a:fontRef idx="minor">
+              <a:schemeClr val="lt1"/>
+            </a:fontRef>
+          </p:style>
+          <p:txBody>
+            <a:bodyPr rtlCol="0" anchor="ctr"/>
+            <a:lstStyle/>
+            <a:p>
+              <a:pPr algn="ctr"/>
+              <a:endParaRPr lang="en-GB"/>
+            </a:p>
+          </p:txBody>
+        </p:sp>
+        <p:sp>
+          <p:nvSpPr>
+            <p:cNvPr id="10" name="Cube 9"/>
+            <p:cNvSpPr/>
+            <p:nvPr/>
+          </p:nvSpPr>
+          <p:spPr>
+            <a:xfrm rot="10800000">
+              <a:off x="4839301" y="1874953"/>
+              <a:ext cx="358927" cy="400367"/>
+            </a:xfrm>
+            <a:prstGeom prst="cube">
+              <a:avLst>
+                <a:gd name="adj" fmla="val 28774"/>
+              </a:avLst>
+            </a:prstGeom>
+            <a:grpFill/>
+            <a:ln>
+              <a:solidFill>
+                <a:schemeClr val="tx1"/>
+              </a:solidFill>
+            </a:ln>
+            <a:effectLst/>
+          </p:spPr>
+          <p:style>
+            <a:lnRef idx="1">
+              <a:schemeClr val="accent1"/>
+            </a:lnRef>
+            <a:fillRef idx="3">
+              <a:schemeClr val="accent1"/>
+            </a:fillRef>
+            <a:effectRef idx="2">
+              <a:schemeClr val="accent1"/>
+            </a:effectRef>
+            <a:fontRef idx="minor">
+              <a:schemeClr val="lt1"/>
+            </a:fontRef>
+          </p:style>
+          <p:txBody>
+            <a:bodyPr rtlCol="0" anchor="ctr"/>
+            <a:lstStyle/>
+            <a:p>
+              <a:pPr algn="ctr"/>
+              <a:endParaRPr lang="en-GB"/>
+            </a:p>
+          </p:txBody>
+        </p:sp>
+        <p:sp>
+          <p:nvSpPr>
+            <p:cNvPr id="11" name="Cube 10"/>
+            <p:cNvSpPr/>
+            <p:nvPr/>
+          </p:nvSpPr>
+          <p:spPr>
+            <a:xfrm rot="10800000">
+              <a:off x="4935377" y="1779402"/>
+              <a:ext cx="358927" cy="400367"/>
+            </a:xfrm>
+            <a:prstGeom prst="cube">
+              <a:avLst>
+                <a:gd name="adj" fmla="val 28774"/>
+              </a:avLst>
+            </a:prstGeom>
+            <a:grpFill/>
+            <a:ln>
+              <a:solidFill>
+                <a:schemeClr val="tx1"/>
+              </a:solidFill>
+            </a:ln>
+            <a:effectLst/>
+          </p:spPr>
+          <p:style>
+            <a:lnRef idx="1">
+              <a:schemeClr val="accent1"/>
+            </a:lnRef>
+            <a:fillRef idx="3">
+              <a:schemeClr val="accent1"/>
+            </a:fillRef>
+            <a:effectRef idx="2">
+              <a:schemeClr val="accent1"/>
+            </a:effectRef>
+            <a:fontRef idx="minor">
+              <a:schemeClr val="lt1"/>
+            </a:fontRef>
+          </p:style>
+          <p:txBody>
+            <a:bodyPr rtlCol="0" anchor="ctr"/>
+            <a:lstStyle/>
+            <a:p>
+              <a:pPr algn="ctr"/>
+              <a:endParaRPr lang="en-GB"/>
+            </a:p>
+          </p:txBody>
+        </p:sp>
+      </p:grpSp>
+      <p:grpSp>
+        <p:nvGrpSpPr>
+          <p:cNvPr id="29" name="Group 28"/>
+          <p:cNvGrpSpPr/>
+          <p:nvPr/>
+        </p:nvGrpSpPr>
+        <p:grpSpPr>
+          <a:xfrm>
+            <a:off x="6610586" y="1806437"/>
+            <a:ext cx="1365836" cy="1472678"/>
+            <a:chOff x="5006251" y="1159486"/>
+            <a:chExt cx="1365836" cy="1472678"/>
+          </a:xfrm>
+          <a:solidFill>
+            <a:schemeClr val="tx1">
+              <a:lumMod val="85000"/>
+              <a:lumOff val="15000"/>
+            </a:schemeClr>
+          </a:solidFill>
+        </p:grpSpPr>
+        <p:sp>
+          <p:nvSpPr>
+            <p:cNvPr id="30" name="Cube 29"/>
+            <p:cNvSpPr/>
+            <p:nvPr/>
+          </p:nvSpPr>
+          <p:spPr>
+            <a:xfrm rot="10800000">
+              <a:off x="5006251" y="1639886"/>
+              <a:ext cx="889572" cy="992278"/>
+            </a:xfrm>
+            <a:prstGeom prst="cube">
+              <a:avLst>
+                <a:gd name="adj" fmla="val 28774"/>
+              </a:avLst>
+            </a:prstGeom>
+            <a:grpFill/>
+            <a:ln>
+              <a:solidFill>
+                <a:schemeClr val="tx1"/>
+              </a:solidFill>
+            </a:ln>
+            <a:effectLst/>
+          </p:spPr>
+          <p:style>
+            <a:lnRef idx="1">
+              <a:schemeClr val="accent1"/>
+            </a:lnRef>
+            <a:fillRef idx="3">
+              <a:schemeClr val="accent1"/>
+            </a:fillRef>
+            <a:effectRef idx="2">
+              <a:schemeClr val="accent1"/>
+            </a:effectRef>
+            <a:fontRef idx="minor">
+              <a:schemeClr val="lt1"/>
+            </a:fontRef>
+          </p:style>
+          <p:txBody>
+            <a:bodyPr rtlCol="0" anchor="ctr"/>
+            <a:lstStyle/>
+            <a:p>
+              <a:pPr algn="ctr"/>
+              <a:endParaRPr lang="en-GB"/>
+            </a:p>
+          </p:txBody>
+        </p:sp>
+        <p:sp>
+          <p:nvSpPr>
+            <p:cNvPr id="31" name="Cube 30"/>
+            <p:cNvSpPr/>
+            <p:nvPr/>
+          </p:nvSpPr>
+          <p:spPr>
+            <a:xfrm rot="10800000">
+              <a:off x="5244398" y="1396302"/>
+              <a:ext cx="889572" cy="992278"/>
+            </a:xfrm>
+            <a:prstGeom prst="cube">
+              <a:avLst>
+                <a:gd name="adj" fmla="val 28774"/>
+              </a:avLst>
+            </a:prstGeom>
+            <a:grpFill/>
+            <a:ln>
+              <a:solidFill>
+                <a:schemeClr val="tx1"/>
+              </a:solidFill>
+            </a:ln>
+            <a:effectLst/>
+          </p:spPr>
+          <p:style>
+            <a:lnRef idx="1">
+              <a:schemeClr val="accent1"/>
+            </a:lnRef>
+            <a:fillRef idx="3">
+              <a:schemeClr val="accent1"/>
+            </a:fillRef>
+            <a:effectRef idx="2">
+              <a:schemeClr val="accent1"/>
+            </a:effectRef>
+            <a:fontRef idx="minor">
+              <a:schemeClr val="lt1"/>
+            </a:fontRef>
+          </p:style>
+          <p:txBody>
+            <a:bodyPr rtlCol="0" anchor="ctr"/>
+            <a:lstStyle/>
+            <a:p>
+              <a:pPr algn="ctr"/>
+              <a:endParaRPr lang="en-GB"/>
+            </a:p>
+          </p:txBody>
+        </p:sp>
+        <p:sp>
+          <p:nvSpPr>
+            <p:cNvPr id="32" name="Cube 31"/>
+            <p:cNvSpPr/>
+            <p:nvPr/>
+          </p:nvSpPr>
+          <p:spPr>
+            <a:xfrm rot="10800000">
+              <a:off x="5482515" y="1159486"/>
+              <a:ext cx="889572" cy="992278"/>
+            </a:xfrm>
+            <a:prstGeom prst="cube">
+              <a:avLst>
+                <a:gd name="adj" fmla="val 28774"/>
+              </a:avLst>
+            </a:prstGeom>
+            <a:grpFill/>
+            <a:ln>
+              <a:solidFill>
+                <a:schemeClr val="tx1"/>
+              </a:solidFill>
+            </a:ln>
+            <a:effectLst/>
+          </p:spPr>
+          <p:style>
+            <a:lnRef idx="1">
+              <a:schemeClr val="accent1"/>
+            </a:lnRef>
+            <a:fillRef idx="3">
+              <a:schemeClr val="accent1"/>
+            </a:fillRef>
+            <a:effectRef idx="2">
+              <a:schemeClr val="accent1"/>
+            </a:effectRef>
+            <a:fontRef idx="minor">
+              <a:schemeClr val="lt1"/>
+            </a:fontRef>
+          </p:style>
+          <p:txBody>
+            <a:bodyPr rtlCol="0" anchor="ctr"/>
+            <a:lstStyle/>
+            <a:p>
+              <a:pPr algn="ctr"/>
+              <a:endParaRPr lang="en-GB"/>
+            </a:p>
+          </p:txBody>
+        </p:sp>
+      </p:grpSp>
+      <p:sp>
+        <p:nvSpPr>
+          <p:cNvPr id="33" name="Cube 32"/>
+          <p:cNvSpPr/>
+          <p:nvPr/>
+        </p:nvSpPr>
+        <p:spPr>
+          <a:xfrm rot="10800000">
+            <a:off x="6603552" y="3062806"/>
+            <a:ext cx="889572" cy="992278"/>
+          </a:xfrm>
+          <a:prstGeom prst="cube">
+            <a:avLst>
+              <a:gd name="adj" fmla="val 28774"/>
+            </a:avLst>
+          </a:prstGeom>
+          <a:solidFill>
+            <a:srgbClr val="C00000"/>
+          </a:solidFill>
+          <a:ln>
+            <a:solidFill>
+              <a:schemeClr val="tx1"/>
+            </a:solidFill>
+          </a:ln>
+          <a:effectLst/>
+          <a:scene3d>
+            <a:camera prst="orthographicFront"/>
+            <a:lightRig rig="threePt" dir="t"/>
+          </a:scene3d>
+          <a:sp3d prstMaterial="powder"/>
+        </p:spPr>
+        <p:style>
+          <a:lnRef idx="1">
+            <a:schemeClr val="accent1"/>
+          </a:lnRef>
+          <a:fillRef idx="3">
+            <a:schemeClr val="accent1"/>
+          </a:fillRef>
+          <a:effectRef idx="2">
+            <a:schemeClr val="accent1"/>
+          </a:effectRef>
+          <a:fontRef idx="minor">
+            <a:schemeClr val="lt1"/>
+          </a:fontRef>
+        </p:style>
+        <p:txBody>
+          <a:bodyPr rtlCol="0" anchor="ctr"/>
+          <a:lstStyle/>
+          <a:p>
+            <a:pPr algn="ctr"/>
+            <a:endParaRPr lang="en-GB"/>
+          </a:p>
+        </p:txBody>
+      </p:sp>
+      <p:sp>
+        <p:nvSpPr>
+          <p:cNvPr id="34" name="Cube 33"/>
+          <p:cNvSpPr/>
+          <p:nvPr/>
+        </p:nvSpPr>
+        <p:spPr>
+          <a:xfrm rot="10800000">
+            <a:off x="5981979" y="2253922"/>
+            <a:ext cx="889572" cy="992278"/>
+          </a:xfrm>
+          <a:prstGeom prst="cube">
+            <a:avLst>
+              <a:gd name="adj" fmla="val 28774"/>
+            </a:avLst>
+          </a:prstGeom>
+          <a:solidFill>
+            <a:schemeClr val="accent1"/>
+          </a:solidFill>
+          <a:ln>
+            <a:solidFill>
+              <a:schemeClr val="tx1"/>
+            </a:solidFill>
+          </a:ln>
+          <a:effectLst/>
+        </p:spPr>
+        <p:style>
+          <a:lnRef idx="1">
+            <a:schemeClr val="accent1"/>
+          </a:lnRef>
+          <a:fillRef idx="3">
+            <a:schemeClr val="accent1"/>
+          </a:fillRef>
+          <a:effectRef idx="2">
+            <a:schemeClr val="accent1"/>
+          </a:effectRef>
+          <a:fontRef idx="minor">
+            <a:schemeClr val="lt1"/>
+          </a:fontRef>
+        </p:style>
+        <p:txBody>
+          <a:bodyPr rtlCol="0" anchor="ctr"/>
+          <a:lstStyle/>
+          <a:p>
+            <a:pPr algn="ctr"/>
+            <a:endParaRPr lang="en-GB"/>
+          </a:p>
+        </p:txBody>
+      </p:sp>
+      <p:sp>
+        <p:nvSpPr>
+          <p:cNvPr id="35" name="Cube 34"/>
+          <p:cNvSpPr/>
+          <p:nvPr/>
+        </p:nvSpPr>
+        <p:spPr>
+          <a:xfrm rot="10800000">
+            <a:off x="5300546" y="2288889"/>
+            <a:ext cx="889572" cy="992278"/>
+          </a:xfrm>
+          <a:prstGeom prst="cube">
+            <a:avLst>
+              <a:gd name="adj" fmla="val 28774"/>
+            </a:avLst>
+          </a:prstGeom>
+          <a:solidFill>
+            <a:srgbClr val="C00000"/>
+          </a:solidFill>
+          <a:ln>
+            <a:solidFill>
+              <a:schemeClr val="tx1"/>
+            </a:solidFill>
+          </a:ln>
+          <a:effectLst/>
+          <a:scene3d>
+            <a:camera prst="orthographicFront"/>
+            <a:lightRig rig="threePt" dir="t"/>
+          </a:scene3d>
+          <a:sp3d prstMaterial="powder"/>
+        </p:spPr>
+        <p:style>
+          <a:lnRef idx="1">
+            <a:schemeClr val="accent1"/>
+          </a:lnRef>
+          <a:fillRef idx="3">
+            <a:schemeClr val="accent1"/>
+          </a:fillRef>
+          <a:effectRef idx="2">
+            <a:schemeClr val="accent1"/>
+          </a:effectRef>
+          <a:fontRef idx="minor">
+            <a:schemeClr val="lt1"/>
+          </a:fontRef>
+        </p:style>
+        <p:txBody>
+          <a:bodyPr rtlCol="0" anchor="ctr"/>
+          <a:lstStyle/>
+          <a:p>
+            <a:pPr algn="ctr"/>
+            <a:endParaRPr lang="en-GB"/>
+          </a:p>
+        </p:txBody>
+      </p:sp>
+      <p:sp>
+        <p:nvSpPr>
+          <p:cNvPr id="36" name="Cube 35"/>
+          <p:cNvSpPr/>
+          <p:nvPr/>
+        </p:nvSpPr>
+        <p:spPr>
+          <a:xfrm rot="10800000">
+            <a:off x="6603685" y="3790401"/>
+            <a:ext cx="889572" cy="992278"/>
+          </a:xfrm>
+          <a:prstGeom prst="cube">
+            <a:avLst>
+              <a:gd name="adj" fmla="val 28774"/>
+            </a:avLst>
+          </a:prstGeom>
+          <a:solidFill>
+            <a:srgbClr val="C00000"/>
+          </a:solidFill>
+          <a:ln>
+            <a:solidFill>
+              <a:schemeClr val="tx1"/>
+            </a:solidFill>
+          </a:ln>
+          <a:effectLst/>
+          <a:scene3d>
+            <a:camera prst="orthographicFront"/>
+            <a:lightRig rig="threePt" dir="t"/>
+          </a:scene3d>
+          <a:sp3d prstMaterial="powder"/>
+        </p:spPr>
+        <p:style>
+          <a:lnRef idx="1">
+            <a:schemeClr val="accent1"/>
+          </a:lnRef>
+          <a:fillRef idx="3">
+            <a:schemeClr val="accent1"/>
+          </a:fillRef>
+          <a:effectRef idx="2">
+            <a:schemeClr val="accent1"/>
+          </a:effectRef>
+          <a:fontRef idx="minor">
+            <a:schemeClr val="lt1"/>
+          </a:fontRef>
+        </p:style>
+        <p:txBody>
+          <a:bodyPr rtlCol="0" anchor="ctr"/>
+          <a:lstStyle/>
+          <a:p>
+            <a:pPr algn="ctr"/>
+            <a:endParaRPr lang="en-GB"/>
+          </a:p>
+        </p:txBody>
+      </p:sp>
+      <p:sp>
+        <p:nvSpPr>
+          <p:cNvPr id="37" name="Cube 36"/>
+          <p:cNvSpPr/>
+          <p:nvPr/>
+        </p:nvSpPr>
+        <p:spPr>
+          <a:xfrm rot="10800000">
+            <a:off x="5968564" y="3790401"/>
+            <a:ext cx="889572" cy="992278"/>
+          </a:xfrm>
+          <a:prstGeom prst="cube">
+            <a:avLst>
+              <a:gd name="adj" fmla="val 28774"/>
+            </a:avLst>
+          </a:prstGeom>
+          <a:solidFill>
+            <a:schemeClr val="accent1"/>
+          </a:solidFill>
+          <a:ln>
+            <a:solidFill>
+              <a:schemeClr val="tx1"/>
+            </a:solidFill>
+          </a:ln>
+          <a:effectLst/>
+        </p:spPr>
+        <p:style>
+          <a:lnRef idx="1">
+            <a:schemeClr val="accent1"/>
+          </a:lnRef>
+          <a:fillRef idx="3">
+            <a:schemeClr val="accent1"/>
+          </a:fillRef>
+          <a:effectRef idx="2">
+            <a:schemeClr val="accent1"/>
+          </a:effectRef>
+          <a:fontRef idx="minor">
+            <a:schemeClr val="lt1"/>
+          </a:fontRef>
+        </p:style>
+        <p:txBody>
+          <a:bodyPr rtlCol="0" anchor="ctr"/>
+          <a:lstStyle/>
+          <a:p>
+            <a:pPr algn="ctr"/>
+            <a:endParaRPr lang="en-GB"/>
+          </a:p>
+        </p:txBody>
+      </p:sp>
+      <p:sp>
+        <p:nvSpPr>
+          <p:cNvPr id="38" name="Cube 37"/>
+          <p:cNvSpPr/>
+          <p:nvPr/>
+        </p:nvSpPr>
+        <p:spPr>
+          <a:xfrm rot="10800000">
+            <a:off x="5300546" y="3027831"/>
+            <a:ext cx="889572" cy="992278"/>
+          </a:xfrm>
+          <a:prstGeom prst="cube">
+            <a:avLst>
+              <a:gd name="adj" fmla="val 28774"/>
+            </a:avLst>
+          </a:prstGeom>
+          <a:solidFill>
+            <a:srgbClr val="C00000"/>
+          </a:solidFill>
+          <a:ln>
+            <a:solidFill>
+              <a:schemeClr val="tx1"/>
+            </a:solidFill>
+          </a:ln>
+          <a:effectLst/>
+          <a:scene3d>
+            <a:camera prst="orthographicFront"/>
+            <a:lightRig rig="threePt" dir="t"/>
+          </a:scene3d>
+          <a:sp3d prstMaterial="powder"/>
+        </p:spPr>
+        <p:style>
+          <a:lnRef idx="1">
+            <a:schemeClr val="accent1"/>
+          </a:lnRef>
+          <a:fillRef idx="3">
+            <a:schemeClr val="accent1"/>
+          </a:fillRef>
+          <a:effectRef idx="2">
+            <a:schemeClr val="accent1"/>
+          </a:effectRef>
+          <a:fontRef idx="minor">
+            <a:schemeClr val="lt1"/>
+          </a:fontRef>
+        </p:style>
+        <p:txBody>
+          <a:bodyPr rtlCol="0" anchor="ctr"/>
+          <a:lstStyle/>
+          <a:p>
+            <a:pPr algn="ctr"/>
+            <a:endParaRPr lang="en-GB"/>
+          </a:p>
+        </p:txBody>
+      </p:sp>
+      <p:sp>
+        <p:nvSpPr>
+          <p:cNvPr id="39" name="Cube 38"/>
+          <p:cNvSpPr/>
+          <p:nvPr/>
+        </p:nvSpPr>
+        <p:spPr>
+          <a:xfrm rot="10800000">
+            <a:off x="6220096" y="2011046"/>
+            <a:ext cx="889572" cy="992278"/>
+          </a:xfrm>
+          <a:prstGeom prst="cube">
+            <a:avLst>
+              <a:gd name="adj" fmla="val 28774"/>
+            </a:avLst>
+          </a:prstGeom>
+          <a:solidFill>
+            <a:schemeClr val="accent1"/>
+          </a:solidFill>
+          <a:ln>
+            <a:solidFill>
+              <a:schemeClr val="tx1"/>
+            </a:solidFill>
+          </a:ln>
+          <a:effectLst/>
+        </p:spPr>
+        <p:style>
+          <a:lnRef idx="1">
+            <a:schemeClr val="accent1"/>
+          </a:lnRef>
+          <a:fillRef idx="3">
+            <a:schemeClr val="accent1"/>
+          </a:fillRef>
+          <a:effectRef idx="2">
+            <a:schemeClr val="accent1"/>
+          </a:effectRef>
+          <a:fontRef idx="minor">
+            <a:schemeClr val="lt1"/>
+          </a:fontRef>
+        </p:style>
+        <p:txBody>
+          <a:bodyPr rtlCol="0" anchor="ctr"/>
+          <a:lstStyle/>
+          <a:p>
+            <a:pPr algn="ctr"/>
+            <a:endParaRPr lang="en-GB"/>
+          </a:p>
+        </p:txBody>
+      </p:sp>
+      <p:sp>
+        <p:nvSpPr>
+          <p:cNvPr id="40" name="Cube 39"/>
+          <p:cNvSpPr/>
+          <p:nvPr/>
+        </p:nvSpPr>
+        <p:spPr>
+          <a:xfrm rot="10800000">
+            <a:off x="5555475" y="2760732"/>
+            <a:ext cx="889572" cy="992278"/>
+          </a:xfrm>
+          <a:prstGeom prst="cube">
+            <a:avLst>
+              <a:gd name="adj" fmla="val 28774"/>
+            </a:avLst>
+          </a:prstGeom>
+          <a:solidFill>
+            <a:schemeClr val="accent1"/>
+          </a:solidFill>
+          <a:ln>
+            <a:solidFill>
+              <a:schemeClr val="tx1"/>
+            </a:solidFill>
+          </a:ln>
+          <a:effectLst/>
+        </p:spPr>
+        <p:style>
+          <a:lnRef idx="1">
+            <a:schemeClr val="accent1"/>
+          </a:lnRef>
+          <a:fillRef idx="3">
+            <a:schemeClr val="accent1"/>
+          </a:fillRef>
+          <a:effectRef idx="2">
+            <a:schemeClr val="accent1"/>
+          </a:effectRef>
+          <a:fontRef idx="minor">
+            <a:schemeClr val="lt1"/>
+          </a:fontRef>
+        </p:style>
+        <p:txBody>
+          <a:bodyPr rtlCol="0" anchor="ctr"/>
+          <a:lstStyle/>
+          <a:p>
+            <a:pPr algn="ctr"/>
+            <a:endParaRPr lang="en-GB"/>
+          </a:p>
+        </p:txBody>
+      </p:sp>
+      <p:grpSp>
+        <p:nvGrpSpPr>
+          <p:cNvPr id="41" name="Group 40"/>
+          <p:cNvGrpSpPr/>
+          <p:nvPr/>
+        </p:nvGrpSpPr>
+        <p:grpSpPr>
+          <a:xfrm>
+            <a:off x="5304944" y="3246201"/>
+            <a:ext cx="1436309" cy="1541389"/>
+            <a:chOff x="4743213" y="1779402"/>
+            <a:chExt cx="551091" cy="594200"/>
+          </a:xfrm>
+          <a:solidFill>
+            <a:schemeClr val="bg1"/>
+          </a:solidFill>
+        </p:grpSpPr>
+        <p:sp>
+          <p:nvSpPr>
+            <p:cNvPr id="42" name="Cube 41"/>
+            <p:cNvSpPr/>
+            <p:nvPr/>
+          </p:nvSpPr>
+          <p:spPr>
+            <a:xfrm rot="10800000">
+              <a:off x="4743213" y="1973235"/>
+              <a:ext cx="358927" cy="400367"/>
+            </a:xfrm>
+            <a:prstGeom prst="cube">
+              <a:avLst>
+                <a:gd name="adj" fmla="val 28774"/>
+              </a:avLst>
+            </a:prstGeom>
+            <a:grpFill/>
+            <a:ln>
+              <a:solidFill>
+                <a:schemeClr val="tx1"/>
+              </a:solidFill>
+            </a:ln>
+            <a:effectLst/>
+          </p:spPr>
+          <p:style>
+            <a:lnRef idx="1">
+              <a:schemeClr val="accent1"/>
+            </a:lnRef>
+            <a:fillRef idx="3">
+              <a:schemeClr val="accent1"/>
+            </a:fillRef>
+            <a:effectRef idx="2">
+              <a:schemeClr val="accent1"/>
+            </a:effectRef>
+            <a:fontRef idx="minor">
+              <a:schemeClr val="lt1"/>
+            </a:fontRef>
+          </p:style>
+          <p:txBody>
+            <a:bodyPr rtlCol="0" anchor="ctr"/>
+            <a:lstStyle/>
+            <a:p>
+              <a:pPr algn="ctr"/>
+              <a:endParaRPr lang="en-GB"/>
+            </a:p>
+          </p:txBody>
+        </p:sp>
+        <p:sp>
+          <p:nvSpPr>
+            <p:cNvPr id="43" name="Cube 42"/>
+            <p:cNvSpPr/>
+            <p:nvPr/>
+          </p:nvSpPr>
+          <p:spPr>
+            <a:xfrm rot="10800000">
+              <a:off x="4839301" y="1874953"/>
+              <a:ext cx="358927" cy="400367"/>
+            </a:xfrm>
+            <a:prstGeom prst="cube">
+              <a:avLst>
+                <a:gd name="adj" fmla="val 28774"/>
+              </a:avLst>
+            </a:prstGeom>
+            <a:grpFill/>
+            <a:ln>
+              <a:solidFill>
+                <a:schemeClr val="tx1"/>
+              </a:solidFill>
+            </a:ln>
+            <a:effectLst/>
+          </p:spPr>
+          <p:style>
+            <a:lnRef idx="1">
+              <a:schemeClr val="accent1"/>
+            </a:lnRef>
+            <a:fillRef idx="3">
+              <a:schemeClr val="accent1"/>
+            </a:fillRef>
+            <a:effectRef idx="2">
+              <a:schemeClr val="accent1"/>
+            </a:effectRef>
+            <a:fontRef idx="minor">
+              <a:schemeClr val="lt1"/>
+            </a:fontRef>
+          </p:style>
+          <p:txBody>
+            <a:bodyPr rtlCol="0" anchor="ctr"/>
+            <a:lstStyle/>
+            <a:p>
+              <a:pPr algn="ctr"/>
+              <a:endParaRPr lang="en-GB"/>
+            </a:p>
+          </p:txBody>
+        </p:sp>
+        <p:sp>
+          <p:nvSpPr>
+            <p:cNvPr id="44" name="Cube 43"/>
+            <p:cNvSpPr/>
+            <p:nvPr/>
+          </p:nvSpPr>
+          <p:spPr>
+            <a:xfrm rot="10800000">
+              <a:off x="4935377" y="1779402"/>
+              <a:ext cx="358927" cy="400367"/>
+            </a:xfrm>
+            <a:prstGeom prst="cube">
+              <a:avLst>
+                <a:gd name="adj" fmla="val 28774"/>
+              </a:avLst>
+            </a:prstGeom>
+            <a:grpFill/>
+            <a:ln>
+              <a:solidFill>
+                <a:schemeClr val="tx1"/>
+              </a:solidFill>
+            </a:ln>
+            <a:effectLst/>
+          </p:spPr>
+          <p:style>
+            <a:lnRef idx="1">
+              <a:schemeClr val="accent1"/>
+            </a:lnRef>
+            <a:fillRef idx="3">
+              <a:schemeClr val="accent1"/>
+            </a:fillRef>
+            <a:effectRef idx="2">
+              <a:schemeClr val="accent1"/>
+            </a:effectRef>
+            <a:fontRef idx="minor">
+              <a:schemeClr val="lt1"/>
+            </a:fontRef>
+          </p:style>
+          <p:txBody>
+            <a:bodyPr rtlCol="0" anchor="ctr"/>
+            <a:lstStyle/>
+            <a:p>
+              <a:pPr algn="ctr"/>
+              <a:endParaRPr lang="en-GB"/>
+            </a:p>
+          </p:txBody>
+        </p:sp>
+      </p:grpSp>
+    </p:spTree>
+    <p:extLst>
+      <p:ext uri="{BB962C8B-B14F-4D97-AF65-F5344CB8AC3E}">
+        <p14:creationId xmlns:p14="http://schemas.microsoft.com/office/powerpoint/2010/main" val="1949537867"/>
       </p:ext>
     </p:extLst>
   </p:cSld>
@@ -19122,4 +20977,265 @@
   </a:objectDefaults>
   <a:extraClrSchemeLst/>
 </a:theme>
+</file>
+
+<file path=ppt/theme/theme2.xml><?xml version="1.0" encoding="utf-8"?>
+<a:theme xmlns:a="http://schemas.openxmlformats.org/drawingml/2006/main" name="Office Theme">
+  <a:themeElements>
+    <a:clrScheme name="Office">
+      <a:dk1>
+        <a:sysClr val="windowText" lastClr="000000"/>
+      </a:dk1>
+      <a:lt1>
+        <a:sysClr val="window" lastClr="FFFFFF"/>
+      </a:lt1>
+      <a:dk2>
+        <a:srgbClr val="44546A"/>
+      </a:dk2>
+      <a:lt2>
+        <a:srgbClr val="E7E6E6"/>
+      </a:lt2>
+      <a:accent1>
+        <a:srgbClr val="5B9BD5"/>
+      </a:accent1>
+      <a:accent2>
+        <a:srgbClr val="ED7D31"/>
+      </a:accent2>
+      <a:accent3>
+        <a:srgbClr val="A5A5A5"/>
+      </a:accent3>
+      <a:accent4>
+        <a:srgbClr val="FFC000"/>
+      </a:accent4>
+      <a:accent5>
+        <a:srgbClr val="4472C4"/>
+      </a:accent5>
+      <a:accent6>
+        <a:srgbClr val="70AD47"/>
+      </a:accent6>
+      <a:hlink>
+        <a:srgbClr val="0563C1"/>
+      </a:hlink>
+      <a:folHlink>
+        <a:srgbClr val="954F72"/>
+      </a:folHlink>
+    </a:clrScheme>
+    <a:fontScheme name="Office">
+      <a:majorFont>
+        <a:latin typeface="Calibri Light" panose="020F0302020204030204"/>
+        <a:ea typeface=""/>
+        <a:cs typeface=""/>
+        <a:font script="Jpan" typeface="Yu Gothic Light"/>
+        <a:font script="Hang" typeface="맑은 고딕"/>
+        <a:font script="Hans" typeface="DengXian Light"/>
+        <a:font script="Hant" typeface="新細明體"/>
+        <a:font script="Arab" typeface="Times New Roman"/>
+        <a:font script="Hebr" typeface="Times New Roman"/>
+        <a:font script="Thai" typeface="Angsana New"/>
+        <a:font script="Ethi" typeface="Nyala"/>
+        <a:font script="Beng" typeface="Vrinda"/>
+        <a:font script="Gujr" typeface="Shruti"/>
+        <a:font script="Khmr" typeface="MoolBoran"/>
+        <a:font script="Knda" typeface="Tunga"/>
+        <a:font script="Guru" typeface="Raavi"/>
+        <a:font script="Cans" typeface="Euphemia"/>
+        <a:font script="Cher" typeface="Plantagenet Cherokee"/>
+        <a:font script="Yiii" typeface="Microsoft Yi Baiti"/>
+        <a:font script="Tibt" typeface="Microsoft Himalaya"/>
+        <a:font script="Thaa" typeface="MV Boli"/>
+        <a:font script="Deva" typeface="Mangal"/>
+        <a:font script="Telu" typeface="Gautami"/>
+        <a:font script="Taml" typeface="Latha"/>
+        <a:font script="Syrc" typeface="Estrangelo Edessa"/>
+        <a:font script="Orya" typeface="Kalinga"/>
+        <a:font script="Mlym" typeface="Kartika"/>
+        <a:font script="Laoo" typeface="DokChampa"/>
+        <a:font script="Sinh" typeface="Iskoola Pota"/>
+        <a:font script="Mong" typeface="Mongolian Baiti"/>
+        <a:font script="Viet" typeface="Times New Roman"/>
+        <a:font script="Uigh" typeface="Microsoft Uighur"/>
+        <a:font script="Geor" typeface="Sylfaen"/>
+      </a:majorFont>
+      <a:minorFont>
+        <a:latin typeface="Calibri" panose="020F0502020204030204"/>
+        <a:ea typeface=""/>
+        <a:cs typeface=""/>
+        <a:font script="Jpan" typeface="Yu Gothic"/>
+        <a:font script="Hang" typeface="맑은 고딕"/>
+        <a:font script="Hans" typeface="DengXian"/>
+        <a:font script="Hant" typeface="新細明體"/>
+        <a:font script="Arab" typeface="Arial"/>
+        <a:font script="Hebr" typeface="Arial"/>
+        <a:font script="Thai" typeface="Cordia New"/>
+        <a:font script="Ethi" typeface="Nyala"/>
+        <a:font script="Beng" typeface="Vrinda"/>
+        <a:font script="Gujr" typeface="Shruti"/>
+        <a:font script="Khmr" typeface="DaunPenh"/>
+        <a:font script="Knda" typeface="Tunga"/>
+        <a:font script="Guru" typeface="Raavi"/>
+        <a:font script="Cans" typeface="Euphemia"/>
+        <a:font script="Cher" typeface="Plantagenet Cherokee"/>
+        <a:font script="Yiii" typeface="Microsoft Yi Baiti"/>
+        <a:font script="Tibt" typeface="Microsoft Himalaya"/>
+        <a:font script="Thaa" typeface="MV Boli"/>
+        <a:font script="Deva" typeface="Mangal"/>
+        <a:font script="Telu" typeface="Gautami"/>
+        <a:font script="Taml" typeface="Latha"/>
+        <a:font script="Syrc" typeface="Estrangelo Edessa"/>
+        <a:font script="Orya" typeface="Kalinga"/>
+        <a:font script="Mlym" typeface="Kartika"/>
+        <a:font script="Laoo" typeface="DokChampa"/>
+        <a:font script="Sinh" typeface="Iskoola Pota"/>
+        <a:font script="Mong" typeface="Mongolian Baiti"/>
+        <a:font script="Viet" typeface="Arial"/>
+        <a:font script="Uigh" typeface="Microsoft Uighur"/>
+        <a:font script="Geor" typeface="Sylfaen"/>
+      </a:minorFont>
+    </a:fontScheme>
+    <a:fmtScheme name="Office">
+      <a:fillStyleLst>
+        <a:solidFill>
+          <a:schemeClr val="phClr"/>
+        </a:solidFill>
+        <a:gradFill rotWithShape="1">
+          <a:gsLst>
+            <a:gs pos="0">
+              <a:schemeClr val="phClr">
+                <a:lumMod val="110000"/>
+                <a:satMod val="105000"/>
+                <a:tint val="67000"/>
+              </a:schemeClr>
+            </a:gs>
+            <a:gs pos="50000">
+              <a:schemeClr val="phClr">
+                <a:lumMod val="105000"/>
+                <a:satMod val="103000"/>
+                <a:tint val="73000"/>
+              </a:schemeClr>
+            </a:gs>
+            <a:gs pos="100000">
+              <a:schemeClr val="phClr">
+                <a:lumMod val="105000"/>
+                <a:satMod val="109000"/>
+                <a:tint val="81000"/>
+              </a:schemeClr>
+            </a:gs>
+          </a:gsLst>
+          <a:lin ang="5400000" scaled="0"/>
+        </a:gradFill>
+        <a:gradFill rotWithShape="1">
+          <a:gsLst>
+            <a:gs pos="0">
+              <a:schemeClr val="phClr">
+                <a:satMod val="103000"/>
+                <a:lumMod val="102000"/>
+                <a:tint val="94000"/>
+              </a:schemeClr>
+            </a:gs>
+            <a:gs pos="50000">
+              <a:schemeClr val="phClr">
+                <a:satMod val="110000"/>
+                <a:lumMod val="100000"/>
+                <a:shade val="100000"/>
+              </a:schemeClr>
+            </a:gs>
+            <a:gs pos="100000">
+              <a:schemeClr val="phClr">
+                <a:lumMod val="99000"/>
+                <a:satMod val="120000"/>
+                <a:shade val="78000"/>
+              </a:schemeClr>
+            </a:gs>
+          </a:gsLst>
+          <a:lin ang="5400000" scaled="0"/>
+        </a:gradFill>
+      </a:fillStyleLst>
+      <a:lnStyleLst>
+        <a:ln w="6350" cap="flat" cmpd="sng" algn="ctr">
+          <a:solidFill>
+            <a:schemeClr val="phClr"/>
+          </a:solidFill>
+          <a:prstDash val="solid"/>
+          <a:miter lim="800000"/>
+        </a:ln>
+        <a:ln w="12700" cap="flat" cmpd="sng" algn="ctr">
+          <a:solidFill>
+            <a:schemeClr val="phClr"/>
+          </a:solidFill>
+          <a:prstDash val="solid"/>
+          <a:miter lim="800000"/>
+        </a:ln>
+        <a:ln w="19050" cap="flat" cmpd="sng" algn="ctr">
+          <a:solidFill>
+            <a:schemeClr val="phClr"/>
+          </a:solidFill>
+          <a:prstDash val="solid"/>
+          <a:miter lim="800000"/>
+        </a:ln>
+      </a:lnStyleLst>
+      <a:effectStyleLst>
+        <a:effectStyle>
+          <a:effectLst/>
+        </a:effectStyle>
+        <a:effectStyle>
+          <a:effectLst/>
+        </a:effectStyle>
+        <a:effectStyle>
+          <a:effectLst>
+            <a:outerShdw blurRad="57150" dist="19050" dir="5400000" algn="ctr" rotWithShape="0">
+              <a:srgbClr val="000000">
+                <a:alpha val="63000"/>
+              </a:srgbClr>
+            </a:outerShdw>
+          </a:effectLst>
+        </a:effectStyle>
+      </a:effectStyleLst>
+      <a:bgFillStyleLst>
+        <a:solidFill>
+          <a:schemeClr val="phClr"/>
+        </a:solidFill>
+        <a:solidFill>
+          <a:schemeClr val="phClr">
+            <a:tint val="95000"/>
+            <a:satMod val="170000"/>
+          </a:schemeClr>
+        </a:solidFill>
+        <a:gradFill rotWithShape="1">
+          <a:gsLst>
+            <a:gs pos="0">
+              <a:schemeClr val="phClr">
+                <a:tint val="93000"/>
+                <a:satMod val="150000"/>
+                <a:shade val="98000"/>
+                <a:lumMod val="102000"/>
+              </a:schemeClr>
+            </a:gs>
+            <a:gs pos="50000">
+              <a:schemeClr val="phClr">
+                <a:tint val="98000"/>
+                <a:satMod val="130000"/>
+                <a:shade val="90000"/>
+                <a:lumMod val="103000"/>
+              </a:schemeClr>
+            </a:gs>
+            <a:gs pos="100000">
+              <a:schemeClr val="phClr">
+                <a:shade val="63000"/>
+                <a:satMod val="120000"/>
+              </a:schemeClr>
+            </a:gs>
+          </a:gsLst>
+          <a:lin ang="5400000" scaled="0"/>
+        </a:gradFill>
+      </a:bgFillStyleLst>
+    </a:fmtScheme>
+  </a:themeElements>
+  <a:objectDefaults/>
+  <a:extraClrSchemeLst/>
+  <a:extLst>
+    <a:ext uri="{05A4C25C-085E-4340-85A3-A5531E510DB2}">
+      <thm15:themeFamily xmlns:thm15="http://schemas.microsoft.com/office/thememl/2012/main" name="Office Theme" id="{62F939B6-93AF-4DB8-9C6B-D6C7DFDC589F}" vid="{4A3C46E8-61CC-4603-A589-7422A47A8E4A}"/>
+    </a:ext>
+  </a:extLst>
+</a:theme>
 </file>